--- a/Drafts at different points/Presentation for Berlin_updatedAug15.pptx
+++ b/Drafts at different points/Presentation for Berlin_updatedAug15.pptx
@@ -5,7 +5,7 @@
     <p:sldMasterId id="2147483653" r:id="rId1"/>
   </p:sldMasterIdLst>
   <p:notesMasterIdLst>
-    <p:notesMasterId r:id="rId20"/>
+    <p:notesMasterId r:id="rId21"/>
   </p:notesMasterIdLst>
   <p:sldIdLst>
     <p:sldId id="261" r:id="rId2"/>
@@ -18,14 +18,15 @@
     <p:sldId id="267" r:id="rId9"/>
     <p:sldId id="268" r:id="rId10"/>
     <p:sldId id="270" r:id="rId11"/>
-    <p:sldId id="275" r:id="rId12"/>
-    <p:sldId id="286" r:id="rId13"/>
-    <p:sldId id="278" r:id="rId14"/>
-    <p:sldId id="284" r:id="rId15"/>
-    <p:sldId id="285" r:id="rId16"/>
-    <p:sldId id="277" r:id="rId17"/>
-    <p:sldId id="263" r:id="rId18"/>
-    <p:sldId id="274" r:id="rId19"/>
+    <p:sldId id="289" r:id="rId12"/>
+    <p:sldId id="275" r:id="rId13"/>
+    <p:sldId id="286" r:id="rId14"/>
+    <p:sldId id="278" r:id="rId15"/>
+    <p:sldId id="284" r:id="rId16"/>
+    <p:sldId id="285" r:id="rId17"/>
+    <p:sldId id="277" r:id="rId18"/>
+    <p:sldId id="263" r:id="rId19"/>
+    <p:sldId id="274" r:id="rId20"/>
   </p:sldIdLst>
   <p:sldSz cx="9144000" cy="6858000" type="screen4x3"/>
   <p:notesSz cx="6858000" cy="9144000"/>
@@ -139,12 +140,9 @@
             <p14:sldId id="267"/>
             <p14:sldId id="268"/>
             <p14:sldId id="270"/>
+            <p14:sldId id="289"/>
             <p14:sldId id="275"/>
             <p14:sldId id="286"/>
-          </p14:sldIdLst>
-        </p14:section>
-        <p14:section name="Untitled Section" id="{8897FE8A-071E-478B-A5F3-0E7ACC1BF896}">
-          <p14:sldIdLst>
             <p14:sldId id="278"/>
             <p14:sldId id="284"/>
             <p14:sldId id="285"/>
@@ -258,7 +256,7 @@
           <a:p>
             <a:fld id="{D24A982C-8357-4A11-962B-225B16FC7B2F}" type="datetimeFigureOut">
               <a:rPr lang="en-US" smtClean="0"/>
-              <a:t>8/14/2018</a:t>
+              <a:t>9/9/2018</a:t>
             </a:fld>
             <a:endParaRPr lang="en-US"/>
           </a:p>
@@ -776,7 +774,7 @@
           <a:p>
             <a:fld id="{4B18FA1D-62CC-431E-8781-DCDB56443A0A}" type="slidenum">
               <a:rPr lang="en-US" smtClean="0"/>
-              <a:t>17</a:t>
+              <a:t>18</a:t>
             </a:fld>
             <a:endParaRPr lang="en-US"/>
           </a:p>
@@ -5000,16 +4998,15 @@
               <a:buNone/>
             </a:pPr>
             <a:r>
-              <a:rPr lang="en-US" sz="2000" b="1" dirty="0">
+              <a:rPr lang="en-US" sz="2000" b="1" u="sng" dirty="0">
                 <a:latin typeface="Georgia" panose="02040502050405020303" pitchFamily="18" charset="0"/>
               </a:rPr>
               <a:t>Research Design: </a:t>
             </a:r>
           </a:p>
           <a:p>
-            <a:pPr marL="381000" indent="-381000">
-              <a:buFont typeface="Arial" panose="020B0604020202020204" pitchFamily="34" charset="0"/>
-              <a:buChar char="•"/>
+            <a:pPr marL="400050" lvl="1" indent="0">
+              <a:buNone/>
             </a:pPr>
             <a:r>
               <a:rPr lang="en-US" sz="2000" dirty="0">
@@ -5058,6 +5055,6753 @@
           <p:cNvPr id="2" name="Title 1">
             <a:extLst>
               <a:ext uri="{FF2B5EF4-FFF2-40B4-BE49-F238E27FC236}">
+                <a16:creationId xmlns:a16="http://schemas.microsoft.com/office/drawing/2014/main" id="{108BCC93-7E5B-4E0B-BC6B-BFB9410A43A1}"/>
+              </a:ext>
+            </a:extLst>
+          </p:cNvPr>
+          <p:cNvSpPr>
+            <a:spLocks noGrp="1"/>
+          </p:cNvSpPr>
+          <p:nvPr>
+            <p:ph type="title"/>
+          </p:nvPr>
+        </p:nvSpPr>
+        <p:spPr>
+          <a:xfrm>
+            <a:off x="497483" y="311013"/>
+            <a:ext cx="8305800" cy="641282"/>
+          </a:xfrm>
+        </p:spPr>
+        <p:txBody>
+          <a:bodyPr/>
+          <a:lstStyle/>
+          <a:p>
+            <a:r>
+              <a:rPr lang="en-US" sz="4000" b="1" dirty="0"/>
+              <a:t>Extraction of Datasets</a:t>
+            </a:r>
+          </a:p>
+        </p:txBody>
+      </p:sp>
+      <p:sp>
+        <p:nvSpPr>
+          <p:cNvPr id="3" name="Content Placeholder 2">
+            <a:extLst>
+              <a:ext uri="{FF2B5EF4-FFF2-40B4-BE49-F238E27FC236}">
+                <a16:creationId xmlns:a16="http://schemas.microsoft.com/office/drawing/2014/main" id="{ED08A888-08F1-4237-B13E-AE90ABCC3BBD}"/>
+              </a:ext>
+            </a:extLst>
+          </p:cNvPr>
+          <p:cNvSpPr>
+            <a:spLocks noGrp="1"/>
+          </p:cNvSpPr>
+          <p:nvPr>
+            <p:ph idx="1"/>
+          </p:nvPr>
+        </p:nvSpPr>
+        <p:spPr/>
+        <p:txBody>
+          <a:bodyPr/>
+          <a:lstStyle/>
+          <a:p>
+            <a:r>
+              <a:rPr lang="en-US" dirty="0"/>
+              <a:t>e</a:t>
+            </a:r>
+          </a:p>
+        </p:txBody>
+      </p:sp>
+      <p:graphicFrame>
+        <p:nvGraphicFramePr>
+          <p:cNvPr id="4" name="Content Placeholder 3">
+            <a:extLst>
+              <a:ext uri="{FF2B5EF4-FFF2-40B4-BE49-F238E27FC236}">
+                <a16:creationId xmlns:a16="http://schemas.microsoft.com/office/drawing/2014/main" id="{EFA0C1B7-6ADD-4249-BC71-3948406DC04A}"/>
+              </a:ext>
+            </a:extLst>
+          </p:cNvPr>
+          <p:cNvGraphicFramePr>
+            <a:graphicFrameLocks/>
+          </p:cNvGraphicFramePr>
+          <p:nvPr>
+            <p:extLst>
+              <p:ext uri="{D42A27DB-BD31-4B8C-83A1-F6EECF244321}">
+                <p14:modId xmlns:p14="http://schemas.microsoft.com/office/powerpoint/2010/main" val="2185409887"/>
+              </p:ext>
+            </p:extLst>
+          </p:nvPr>
+        </p:nvGraphicFramePr>
+        <p:xfrm>
+          <a:off x="155510" y="1272706"/>
+          <a:ext cx="3956180" cy="5501362"/>
+        </p:xfrm>
+        <a:graphic>
+          <a:graphicData uri="http://schemas.openxmlformats.org/drawingml/2006/table">
+            <a:tbl>
+              <a:tblPr firstRow="1" bandRow="1">
+                <a:tableStyleId>{5C22544A-7EE6-4342-B048-85BDC9FD1C3A}</a:tableStyleId>
+              </a:tblPr>
+              <a:tblGrid>
+                <a:gridCol w="647479">
+                  <a:extLst>
+                    <a:ext uri="{9D8B030D-6E8A-4147-A177-3AD203B41FA5}">
+                      <a16:colId xmlns:a16="http://schemas.microsoft.com/office/drawing/2014/main" val="989939223"/>
+                    </a:ext>
+                  </a:extLst>
+                </a:gridCol>
+                <a:gridCol w="431277">
+                  <a:extLst>
+                    <a:ext uri="{9D8B030D-6E8A-4147-A177-3AD203B41FA5}">
+                      <a16:colId xmlns:a16="http://schemas.microsoft.com/office/drawing/2014/main" val="1453167551"/>
+                    </a:ext>
+                  </a:extLst>
+                </a:gridCol>
+                <a:gridCol w="579528">
+                  <a:extLst>
+                    <a:ext uri="{9D8B030D-6E8A-4147-A177-3AD203B41FA5}">
+                      <a16:colId xmlns:a16="http://schemas.microsoft.com/office/drawing/2014/main" val="93091768"/>
+                    </a:ext>
+                  </a:extLst>
+                </a:gridCol>
+                <a:gridCol w="593007">
+                  <a:extLst>
+                    <a:ext uri="{9D8B030D-6E8A-4147-A177-3AD203B41FA5}">
+                      <a16:colId xmlns:a16="http://schemas.microsoft.com/office/drawing/2014/main" val="2714195197"/>
+                    </a:ext>
+                  </a:extLst>
+                </a:gridCol>
+                <a:gridCol w="634979">
+                  <a:extLst>
+                    <a:ext uri="{9D8B030D-6E8A-4147-A177-3AD203B41FA5}">
+                      <a16:colId xmlns:a16="http://schemas.microsoft.com/office/drawing/2014/main" val="427274139"/>
+                    </a:ext>
+                  </a:extLst>
+                </a:gridCol>
+                <a:gridCol w="541176">
+                  <a:extLst>
+                    <a:ext uri="{9D8B030D-6E8A-4147-A177-3AD203B41FA5}">
+                      <a16:colId xmlns:a16="http://schemas.microsoft.com/office/drawing/2014/main" val="310886011"/>
+                    </a:ext>
+                  </a:extLst>
+                </a:gridCol>
+                <a:gridCol w="528734">
+                  <a:extLst>
+                    <a:ext uri="{9D8B030D-6E8A-4147-A177-3AD203B41FA5}">
+                      <a16:colId xmlns:a16="http://schemas.microsoft.com/office/drawing/2014/main" val="3340810437"/>
+                    </a:ext>
+                  </a:extLst>
+                </a:gridCol>
+              </a:tblGrid>
+              <a:tr h="624562">
+                <a:tc>
+                  <a:txBody>
+                    <a:bodyPr/>
+                    <a:lstStyle/>
+                    <a:p>
+                      <a:r>
+                        <a:rPr lang="en-US" sz="1200" dirty="0" err="1">
+                          <a:latin typeface="+mn-lt"/>
+                        </a:rPr>
+                        <a:t>Coun</a:t>
+                      </a:r>
+                      <a:r>
+                        <a:rPr lang="en-US" sz="1200" dirty="0">
+                          <a:latin typeface="+mn-lt"/>
+                        </a:rPr>
+                        <a:t>-try</a:t>
+                      </a:r>
+                    </a:p>
+                  </a:txBody>
+                  <a:tcPr anchor="ctr"/>
+                </a:tc>
+                <a:tc>
+                  <a:txBody>
+                    <a:bodyPr/>
+                    <a:lstStyle/>
+                    <a:p>
+                      <a:r>
+                        <a:rPr lang="en-US" sz="1200" dirty="0">
+                          <a:latin typeface="+mn-lt"/>
+                        </a:rPr>
+                        <a:t>Ye-</a:t>
+                      </a:r>
+                      <a:r>
+                        <a:rPr lang="en-US" sz="1200" dirty="0" err="1">
+                          <a:latin typeface="+mn-lt"/>
+                        </a:rPr>
+                        <a:t>ar</a:t>
+                      </a:r>
+                      <a:endParaRPr lang="en-US" sz="1200" dirty="0">
+                        <a:latin typeface="+mn-lt"/>
+                      </a:endParaRPr>
+                    </a:p>
+                  </a:txBody>
+                  <a:tcPr anchor="ctr"/>
+                </a:tc>
+                <a:tc>
+                  <a:txBody>
+                    <a:bodyPr/>
+                    <a:lstStyle/>
+                    <a:p>
+                      <a:r>
+                        <a:rPr lang="en-US" sz="1200" dirty="0">
+                          <a:latin typeface="+mn-lt"/>
+                        </a:rPr>
+                        <a:t>Lea-der</a:t>
+                      </a:r>
+                    </a:p>
+                  </a:txBody>
+                  <a:tcPr anchor="ctr"/>
+                </a:tc>
+                <a:tc>
+                  <a:txBody>
+                    <a:bodyPr/>
+                    <a:lstStyle/>
+                    <a:p>
+                      <a:r>
+                        <a:rPr lang="en-US" sz="1200" dirty="0">
+                          <a:latin typeface="+mn-lt"/>
+                        </a:rPr>
+                        <a:t>Reg-</a:t>
+                      </a:r>
+                      <a:r>
+                        <a:rPr lang="en-US" sz="1200" dirty="0" err="1">
+                          <a:latin typeface="+mn-lt"/>
+                        </a:rPr>
+                        <a:t>ime</a:t>
+                      </a:r>
+                      <a:endParaRPr lang="en-US" sz="1200" dirty="0">
+                        <a:latin typeface="+mn-lt"/>
+                      </a:endParaRPr>
+                    </a:p>
+                  </a:txBody>
+                  <a:tcPr anchor="ctr"/>
+                </a:tc>
+                <a:tc>
+                  <a:txBody>
+                    <a:bodyPr/>
+                    <a:lstStyle/>
+                    <a:p>
+                      <a:r>
+                        <a:rPr lang="en-US" sz="1200" dirty="0">
+                          <a:latin typeface="+mn-lt"/>
+                        </a:rPr>
+                        <a:t>R.T. Past</a:t>
+                      </a:r>
+                    </a:p>
+                  </a:txBody>
+                  <a:tcPr anchor="ctr"/>
+                </a:tc>
+                <a:tc>
+                  <a:txBody>
+                    <a:bodyPr/>
+                    <a:lstStyle/>
+                    <a:p>
+                      <a:r>
+                        <a:rPr lang="en-US" sz="1200" dirty="0">
+                          <a:latin typeface="+mn-lt"/>
+                        </a:rPr>
+                        <a:t>P. Eff</a:t>
+                      </a:r>
+                    </a:p>
+                  </a:txBody>
+                  <a:tcPr anchor="ctr"/>
+                </a:tc>
+                <a:tc>
+                  <a:txBody>
+                    <a:bodyPr/>
+                    <a:lstStyle/>
+                    <a:p>
+                      <a:r>
+                        <a:rPr lang="en-US" sz="1200" dirty="0">
+                          <a:latin typeface="+mn-lt"/>
+                        </a:rPr>
+                        <a:t>PTA </a:t>
+                      </a:r>
+                      <a:r>
+                        <a:rPr lang="en-US" sz="1200" dirty="0" err="1">
+                          <a:latin typeface="+mn-lt"/>
+                        </a:rPr>
+                        <a:t>nego</a:t>
+                      </a:r>
+                      <a:endParaRPr lang="en-US" sz="1200" dirty="0">
+                        <a:latin typeface="+mn-lt"/>
+                      </a:endParaRPr>
+                    </a:p>
+                  </a:txBody>
+                  <a:tcPr anchor="ctr"/>
+                </a:tc>
+                <a:extLst>
+                  <a:ext uri="{0D108BD9-81ED-4DB2-BD59-A6C34878D82A}">
+                    <a16:rowId xmlns:a16="http://schemas.microsoft.com/office/drawing/2014/main" val="3202488615"/>
+                  </a:ext>
+                </a:extLst>
+              </a:tr>
+              <a:tr h="187740">
+                <a:tc>
+                  <a:txBody>
+                    <a:bodyPr/>
+                    <a:lstStyle/>
+                    <a:p>
+                      <a:pPr marL="0" algn="ctr" defTabSz="914400" rtl="0" eaLnBrk="1" fontAlgn="ctr" latinLnBrk="0" hangingPunct="1"/>
+                      <a:r>
+                        <a:rPr lang="en-US" sz="1200" b="0" i="0" u="none" strike="noStrike" kern="1200" dirty="0">
+                          <a:solidFill>
+                            <a:srgbClr val="000000"/>
+                          </a:solidFill>
+                          <a:effectLst/>
+                          <a:latin typeface="+mn-lt"/>
+                          <a:ea typeface="+mn-ea"/>
+                          <a:cs typeface="+mn-cs"/>
+                        </a:rPr>
+                        <a:t>Albania</a:t>
+                      </a:r>
+                    </a:p>
+                  </a:txBody>
+                  <a:tcPr marL="9525" marR="9525" marT="9525" marB="0" anchor="ctr">
+                    <a:solidFill>
+                      <a:schemeClr val="accent5">
+                        <a:lumMod val="20000"/>
+                        <a:lumOff val="80000"/>
+                      </a:schemeClr>
+                    </a:solidFill>
+                  </a:tcPr>
+                </a:tc>
+                <a:tc>
+                  <a:txBody>
+                    <a:bodyPr/>
+                    <a:lstStyle/>
+                    <a:p>
+                      <a:pPr marL="0" algn="ctr" defTabSz="914400" rtl="0" eaLnBrk="1" fontAlgn="ctr" latinLnBrk="0" hangingPunct="1"/>
+                      <a:r>
+                        <a:rPr lang="en-US" sz="1200" b="0" i="0" u="none" strike="noStrike" kern="1200" dirty="0">
+                          <a:solidFill>
+                            <a:srgbClr val="000000"/>
+                          </a:solidFill>
+                          <a:effectLst/>
+                          <a:latin typeface="+mn-lt"/>
+                          <a:ea typeface="+mn-ea"/>
+                          <a:cs typeface="+mn-cs"/>
+                        </a:rPr>
+                        <a:t>1995</a:t>
+                      </a:r>
+                    </a:p>
+                  </a:txBody>
+                  <a:tcPr marL="9525" marR="9525" marT="9525" marB="0" anchor="ctr">
+                    <a:solidFill>
+                      <a:schemeClr val="accent5">
+                        <a:lumMod val="20000"/>
+                        <a:lumOff val="80000"/>
+                      </a:schemeClr>
+                    </a:solidFill>
+                  </a:tcPr>
+                </a:tc>
+                <a:tc>
+                  <a:txBody>
+                    <a:bodyPr/>
+                    <a:lstStyle/>
+                    <a:p>
+                      <a:pPr marL="0" algn="ctr" defTabSz="914400" rtl="0" eaLnBrk="1" fontAlgn="ctr" latinLnBrk="0" hangingPunct="1"/>
+                      <a:r>
+                        <a:rPr lang="en-US" sz="1200" b="0" i="0" u="none" strike="noStrike" kern="1200" dirty="0" err="1">
+                          <a:solidFill>
+                            <a:srgbClr val="000000"/>
+                          </a:solidFill>
+                          <a:effectLst/>
+                          <a:latin typeface="+mn-lt"/>
+                          <a:ea typeface="+mn-ea"/>
+                          <a:cs typeface="+mn-cs"/>
+                        </a:rPr>
+                        <a:t>Berisha</a:t>
+                      </a:r>
+                      <a:endParaRPr lang="en-US" sz="1200" b="0" i="0" u="none" strike="noStrike" kern="1200" dirty="0">
+                        <a:solidFill>
+                          <a:srgbClr val="000000"/>
+                        </a:solidFill>
+                        <a:effectLst/>
+                        <a:latin typeface="+mn-lt"/>
+                        <a:ea typeface="+mn-ea"/>
+                        <a:cs typeface="+mn-cs"/>
+                      </a:endParaRPr>
+                    </a:p>
+                  </a:txBody>
+                  <a:tcPr marL="9525" marR="9525" marT="9525" marB="0" anchor="ctr">
+                    <a:solidFill>
+                      <a:schemeClr val="accent5">
+                        <a:lumMod val="20000"/>
+                        <a:lumOff val="80000"/>
+                      </a:schemeClr>
+                    </a:solidFill>
+                  </a:tcPr>
+                </a:tc>
+                <a:tc>
+                  <a:txBody>
+                    <a:bodyPr/>
+                    <a:lstStyle/>
+                    <a:p>
+                      <a:pPr marL="0" algn="ctr" defTabSz="914400" rtl="0" eaLnBrk="1" fontAlgn="ctr" latinLnBrk="0" hangingPunct="1"/>
+                      <a:r>
+                        <a:rPr lang="en-US" sz="1200" b="0" i="0" u="none" strike="noStrike" kern="1200" dirty="0">
+                          <a:solidFill>
+                            <a:srgbClr val="000000"/>
+                          </a:solidFill>
+                          <a:effectLst/>
+                          <a:latin typeface="+mn-lt"/>
+                          <a:ea typeface="+mn-ea"/>
+                          <a:cs typeface="+mn-cs"/>
+                        </a:rPr>
+                        <a:t>Dem.</a:t>
+                      </a:r>
+                    </a:p>
+                  </a:txBody>
+                  <a:tcPr marL="9525" marR="9525" marT="9525" marB="0" anchor="ctr">
+                    <a:solidFill>
+                      <a:schemeClr val="accent5">
+                        <a:lumMod val="20000"/>
+                        <a:lumOff val="80000"/>
+                      </a:schemeClr>
+                    </a:solidFill>
+                  </a:tcPr>
+                </a:tc>
+                <a:tc>
+                  <a:txBody>
+                    <a:bodyPr/>
+                    <a:lstStyle/>
+                    <a:p>
+                      <a:pPr marL="0" algn="ctr" defTabSz="914400" rtl="0" eaLnBrk="1" fontAlgn="ctr" latinLnBrk="0" hangingPunct="1"/>
+                      <a:r>
+                        <a:rPr lang="en-US" sz="1200" b="0" i="0" u="none" strike="noStrike" kern="1200" dirty="0">
+                          <a:solidFill>
+                            <a:srgbClr val="000000"/>
+                          </a:solidFill>
+                          <a:effectLst/>
+                          <a:latin typeface="+mn-lt"/>
+                          <a:ea typeface="+mn-ea"/>
+                          <a:cs typeface="+mn-cs"/>
+                        </a:rPr>
+                        <a:t>NA</a:t>
+                      </a:r>
+                    </a:p>
+                  </a:txBody>
+                  <a:tcPr marL="9525" marR="9525" marT="9525" marB="0" anchor="ctr">
+                    <a:solidFill>
+                      <a:schemeClr val="accent5">
+                        <a:lumMod val="20000"/>
+                        <a:lumOff val="80000"/>
+                      </a:schemeClr>
+                    </a:solidFill>
+                  </a:tcPr>
+                </a:tc>
+                <a:tc>
+                  <a:txBody>
+                    <a:bodyPr/>
+                    <a:lstStyle/>
+                    <a:p>
+                      <a:pPr marL="0" algn="ctr" defTabSz="914400" rtl="0" eaLnBrk="1" fontAlgn="ctr" latinLnBrk="0" hangingPunct="1"/>
+                      <a:r>
+                        <a:rPr lang="en-US" sz="1200" b="0" i="0" u="none" strike="noStrike" kern="1200">
+                          <a:solidFill>
+                            <a:srgbClr val="000000"/>
+                          </a:solidFill>
+                          <a:effectLst/>
+                          <a:latin typeface="+mn-lt"/>
+                          <a:ea typeface="+mn-ea"/>
+                          <a:cs typeface="+mn-cs"/>
+                        </a:rPr>
+                        <a:t>1</a:t>
+                      </a:r>
+                    </a:p>
+                  </a:txBody>
+                  <a:tcPr marL="9525" marR="9525" marT="9525" marB="0" anchor="ctr">
+                    <a:solidFill>
+                      <a:schemeClr val="accent5">
+                        <a:lumMod val="20000"/>
+                        <a:lumOff val="80000"/>
+                      </a:schemeClr>
+                    </a:solidFill>
+                  </a:tcPr>
+                </a:tc>
+                <a:tc>
+                  <a:txBody>
+                    <a:bodyPr/>
+                    <a:lstStyle/>
+                    <a:p>
+                      <a:pPr marL="0" algn="ctr" defTabSz="914400" rtl="0" eaLnBrk="1" fontAlgn="ctr" latinLnBrk="0" hangingPunct="1"/>
+                      <a:r>
+                        <a:rPr lang="en-US" sz="1200" b="0" i="0" u="none" strike="noStrike" kern="1200" dirty="0">
+                          <a:solidFill>
+                            <a:srgbClr val="000000"/>
+                          </a:solidFill>
+                          <a:effectLst/>
+                          <a:latin typeface="+mn-lt"/>
+                          <a:ea typeface="+mn-ea"/>
+                          <a:cs typeface="+mn-cs"/>
+                        </a:rPr>
+                        <a:t>0</a:t>
+                      </a:r>
+                    </a:p>
+                  </a:txBody>
+                  <a:tcPr marL="9525" marR="9525" marT="9525" marB="0" anchor="ctr">
+                    <a:solidFill>
+                      <a:schemeClr val="accent5">
+                        <a:lumMod val="20000"/>
+                        <a:lumOff val="80000"/>
+                      </a:schemeClr>
+                    </a:solidFill>
+                  </a:tcPr>
+                </a:tc>
+                <a:extLst>
+                  <a:ext uri="{0D108BD9-81ED-4DB2-BD59-A6C34878D82A}">
+                    <a16:rowId xmlns:a16="http://schemas.microsoft.com/office/drawing/2014/main" val="4035056101"/>
+                  </a:ext>
+                </a:extLst>
+              </a:tr>
+              <a:tr h="187740">
+                <a:tc>
+                  <a:txBody>
+                    <a:bodyPr/>
+                    <a:lstStyle/>
+                    <a:p>
+                      <a:pPr marL="0" algn="ctr" defTabSz="914400" rtl="0" eaLnBrk="1" fontAlgn="ctr" latinLnBrk="0" hangingPunct="1"/>
+                      <a:r>
+                        <a:rPr lang="en-US" sz="1200" b="0" i="0" u="none" strike="noStrike" kern="1200" dirty="0">
+                          <a:solidFill>
+                            <a:srgbClr val="000000"/>
+                          </a:solidFill>
+                          <a:effectLst/>
+                          <a:latin typeface="+mn-lt"/>
+                          <a:ea typeface="+mn-ea"/>
+                          <a:cs typeface="+mn-cs"/>
+                        </a:rPr>
+                        <a:t>Albania</a:t>
+                      </a:r>
+                    </a:p>
+                  </a:txBody>
+                  <a:tcPr marL="9525" marR="9525" marT="9525" marB="0" anchor="ctr">
+                    <a:solidFill>
+                      <a:schemeClr val="accent5">
+                        <a:lumMod val="20000"/>
+                        <a:lumOff val="80000"/>
+                      </a:schemeClr>
+                    </a:solidFill>
+                  </a:tcPr>
+                </a:tc>
+                <a:tc>
+                  <a:txBody>
+                    <a:bodyPr/>
+                    <a:lstStyle/>
+                    <a:p>
+                      <a:pPr marL="0" algn="ctr" defTabSz="914400" rtl="0" eaLnBrk="1" fontAlgn="ctr" latinLnBrk="0" hangingPunct="1"/>
+                      <a:r>
+                        <a:rPr lang="en-US" sz="1200" b="0" i="0" u="none" strike="noStrike" kern="1200" dirty="0">
+                          <a:solidFill>
+                            <a:srgbClr val="000000"/>
+                          </a:solidFill>
+                          <a:effectLst/>
+                          <a:latin typeface="+mn-lt"/>
+                          <a:ea typeface="+mn-ea"/>
+                          <a:cs typeface="+mn-cs"/>
+                        </a:rPr>
+                        <a:t>1996</a:t>
+                      </a:r>
+                    </a:p>
+                  </a:txBody>
+                  <a:tcPr marL="9525" marR="9525" marT="9525" marB="0" anchor="ctr">
+                    <a:solidFill>
+                      <a:schemeClr val="accent5">
+                        <a:lumMod val="20000"/>
+                        <a:lumOff val="80000"/>
+                      </a:schemeClr>
+                    </a:solidFill>
+                  </a:tcPr>
+                </a:tc>
+                <a:tc>
+                  <a:txBody>
+                    <a:bodyPr/>
+                    <a:lstStyle/>
+                    <a:p>
+                      <a:pPr marL="0" algn="ctr" defTabSz="914400" rtl="0" eaLnBrk="1" fontAlgn="ctr" latinLnBrk="0" hangingPunct="1"/>
+                      <a:r>
+                        <a:rPr lang="en-US" sz="1200" b="0" i="0" u="none" strike="noStrike" kern="1200" dirty="0" err="1">
+                          <a:solidFill>
+                            <a:srgbClr val="000000"/>
+                          </a:solidFill>
+                          <a:effectLst/>
+                          <a:latin typeface="+mn-lt"/>
+                          <a:ea typeface="+mn-ea"/>
+                          <a:cs typeface="+mn-cs"/>
+                        </a:rPr>
+                        <a:t>Berisha</a:t>
+                      </a:r>
+                      <a:endParaRPr lang="en-US" sz="1200" b="0" i="0" u="none" strike="noStrike" kern="1200" dirty="0">
+                        <a:solidFill>
+                          <a:srgbClr val="000000"/>
+                        </a:solidFill>
+                        <a:effectLst/>
+                        <a:latin typeface="+mn-lt"/>
+                        <a:ea typeface="+mn-ea"/>
+                        <a:cs typeface="+mn-cs"/>
+                      </a:endParaRPr>
+                    </a:p>
+                  </a:txBody>
+                  <a:tcPr marL="9525" marR="9525" marT="9525" marB="0" anchor="ctr">
+                    <a:solidFill>
+                      <a:schemeClr val="accent5">
+                        <a:lumMod val="20000"/>
+                        <a:lumOff val="80000"/>
+                      </a:schemeClr>
+                    </a:solidFill>
+                  </a:tcPr>
+                </a:tc>
+                <a:tc>
+                  <a:txBody>
+                    <a:bodyPr/>
+                    <a:lstStyle/>
+                    <a:p>
+                      <a:pPr marL="0" algn="ctr" defTabSz="914400" rtl="0" eaLnBrk="1" fontAlgn="ctr" latinLnBrk="0" hangingPunct="1"/>
+                      <a:r>
+                        <a:rPr lang="en-US" sz="1200" b="0" i="0" u="none" strike="noStrike" kern="1200" dirty="0">
+                          <a:solidFill>
+                            <a:srgbClr val="000000"/>
+                          </a:solidFill>
+                          <a:effectLst/>
+                          <a:latin typeface="+mn-lt"/>
+                          <a:ea typeface="+mn-ea"/>
+                          <a:cs typeface="+mn-cs"/>
+                        </a:rPr>
+                        <a:t>Dem.</a:t>
+                      </a:r>
+                    </a:p>
+                  </a:txBody>
+                  <a:tcPr marL="9525" marR="9525" marT="9525" marB="0" anchor="ctr">
+                    <a:solidFill>
+                      <a:schemeClr val="accent5">
+                        <a:lumMod val="20000"/>
+                        <a:lumOff val="80000"/>
+                      </a:schemeClr>
+                    </a:solidFill>
+                  </a:tcPr>
+                </a:tc>
+                <a:tc>
+                  <a:txBody>
+                    <a:bodyPr/>
+                    <a:lstStyle/>
+                    <a:p>
+                      <a:pPr marL="0" algn="ctr" defTabSz="914400" rtl="0" eaLnBrk="1" fontAlgn="ctr" latinLnBrk="0" hangingPunct="1"/>
+                      <a:r>
+                        <a:rPr lang="en-US" sz="1200" b="0" i="0" u="none" strike="noStrike" kern="1200" dirty="0">
+                          <a:solidFill>
+                            <a:srgbClr val="000000"/>
+                          </a:solidFill>
+                          <a:effectLst/>
+                          <a:latin typeface="+mn-lt"/>
+                          <a:ea typeface="+mn-ea"/>
+                          <a:cs typeface="+mn-cs"/>
+                        </a:rPr>
+                        <a:t>NA</a:t>
+                      </a:r>
+                    </a:p>
+                  </a:txBody>
+                  <a:tcPr marL="9525" marR="9525" marT="9525" marB="0" anchor="ctr">
+                    <a:solidFill>
+                      <a:schemeClr val="accent5">
+                        <a:lumMod val="20000"/>
+                        <a:lumOff val="80000"/>
+                      </a:schemeClr>
+                    </a:solidFill>
+                  </a:tcPr>
+                </a:tc>
+                <a:tc>
+                  <a:txBody>
+                    <a:bodyPr/>
+                    <a:lstStyle/>
+                    <a:p>
+                      <a:pPr marL="0" algn="ctr" defTabSz="914400" rtl="0" eaLnBrk="1" fontAlgn="ctr" latinLnBrk="0" hangingPunct="1"/>
+                      <a:r>
+                        <a:rPr lang="en-US" sz="1200" b="0" i="0" u="none" strike="noStrike" kern="1200" dirty="0">
+                          <a:solidFill>
+                            <a:srgbClr val="000000"/>
+                          </a:solidFill>
+                          <a:effectLst/>
+                          <a:latin typeface="+mn-lt"/>
+                          <a:ea typeface="+mn-ea"/>
+                          <a:cs typeface="+mn-cs"/>
+                        </a:rPr>
+                        <a:t>1</a:t>
+                      </a:r>
+                    </a:p>
+                  </a:txBody>
+                  <a:tcPr marL="9525" marR="9525" marT="9525" marB="0" anchor="ctr">
+                    <a:solidFill>
+                      <a:schemeClr val="accent5">
+                        <a:lumMod val="20000"/>
+                        <a:lumOff val="80000"/>
+                      </a:schemeClr>
+                    </a:solidFill>
+                  </a:tcPr>
+                </a:tc>
+                <a:tc>
+                  <a:txBody>
+                    <a:bodyPr/>
+                    <a:lstStyle/>
+                    <a:p>
+                      <a:pPr marL="0" algn="ctr" defTabSz="914400" rtl="0" eaLnBrk="1" fontAlgn="ctr" latinLnBrk="0" hangingPunct="1"/>
+                      <a:r>
+                        <a:rPr lang="en-US" sz="1200" b="0" i="0" u="none" strike="noStrike" kern="1200" dirty="0">
+                          <a:solidFill>
+                            <a:srgbClr val="000000"/>
+                          </a:solidFill>
+                          <a:effectLst/>
+                          <a:latin typeface="+mn-lt"/>
+                          <a:ea typeface="+mn-ea"/>
+                          <a:cs typeface="+mn-cs"/>
+                        </a:rPr>
+                        <a:t>0</a:t>
+                      </a:r>
+                    </a:p>
+                  </a:txBody>
+                  <a:tcPr marL="9525" marR="9525" marT="9525" marB="0" anchor="ctr">
+                    <a:solidFill>
+                      <a:schemeClr val="accent5">
+                        <a:lumMod val="20000"/>
+                        <a:lumOff val="80000"/>
+                      </a:schemeClr>
+                    </a:solidFill>
+                  </a:tcPr>
+                </a:tc>
+                <a:extLst>
+                  <a:ext uri="{0D108BD9-81ED-4DB2-BD59-A6C34878D82A}">
+                    <a16:rowId xmlns:a16="http://schemas.microsoft.com/office/drawing/2014/main" val="3108535084"/>
+                  </a:ext>
+                </a:extLst>
+              </a:tr>
+              <a:tr h="187740">
+                <a:tc>
+                  <a:txBody>
+                    <a:bodyPr/>
+                    <a:lstStyle/>
+                    <a:p>
+                      <a:pPr marL="0" algn="ctr" defTabSz="914400" rtl="0" eaLnBrk="1" fontAlgn="ctr" latinLnBrk="0" hangingPunct="1"/>
+                      <a:r>
+                        <a:rPr lang="en-US" sz="1200" b="0" i="0" u="none" strike="noStrike" kern="1200">
+                          <a:solidFill>
+                            <a:srgbClr val="000000"/>
+                          </a:solidFill>
+                          <a:effectLst/>
+                          <a:latin typeface="+mn-lt"/>
+                          <a:ea typeface="+mn-ea"/>
+                          <a:cs typeface="+mn-cs"/>
+                        </a:rPr>
+                        <a:t>Albania</a:t>
+                      </a:r>
+                    </a:p>
+                  </a:txBody>
+                  <a:tcPr marL="9525" marR="9525" marT="9525" marB="0" anchor="ctr">
+                    <a:solidFill>
+                      <a:schemeClr val="accent5">
+                        <a:lumMod val="20000"/>
+                        <a:lumOff val="80000"/>
+                      </a:schemeClr>
+                    </a:solidFill>
+                  </a:tcPr>
+                </a:tc>
+                <a:tc>
+                  <a:txBody>
+                    <a:bodyPr/>
+                    <a:lstStyle/>
+                    <a:p>
+                      <a:pPr marL="0" algn="ctr" defTabSz="914400" rtl="0" eaLnBrk="1" fontAlgn="ctr" latinLnBrk="0" hangingPunct="1"/>
+                      <a:r>
+                        <a:rPr lang="en-US" sz="1200" b="0" i="0" u="none" strike="noStrike" kern="1200" dirty="0">
+                          <a:solidFill>
+                            <a:srgbClr val="000000"/>
+                          </a:solidFill>
+                          <a:effectLst/>
+                          <a:latin typeface="+mn-lt"/>
+                          <a:ea typeface="+mn-ea"/>
+                          <a:cs typeface="+mn-cs"/>
+                        </a:rPr>
+                        <a:t>1997</a:t>
+                      </a:r>
+                    </a:p>
+                  </a:txBody>
+                  <a:tcPr marL="9525" marR="9525" marT="9525" marB="0" anchor="ctr">
+                    <a:solidFill>
+                      <a:schemeClr val="accent5">
+                        <a:lumMod val="20000"/>
+                        <a:lumOff val="80000"/>
+                      </a:schemeClr>
+                    </a:solidFill>
+                  </a:tcPr>
+                </a:tc>
+                <a:tc>
+                  <a:txBody>
+                    <a:bodyPr/>
+                    <a:lstStyle/>
+                    <a:p>
+                      <a:pPr marL="0" algn="ctr" defTabSz="914400" rtl="0" eaLnBrk="1" fontAlgn="ctr" latinLnBrk="0" hangingPunct="1"/>
+                      <a:r>
+                        <a:rPr lang="en-US" sz="1200" b="0" i="0" u="none" strike="noStrike" kern="1200" dirty="0" err="1">
+                          <a:solidFill>
+                            <a:srgbClr val="000000"/>
+                          </a:solidFill>
+                          <a:effectLst/>
+                          <a:latin typeface="+mn-lt"/>
+                          <a:ea typeface="+mn-ea"/>
+                          <a:cs typeface="+mn-cs"/>
+                        </a:rPr>
+                        <a:t>Berisha</a:t>
+                      </a:r>
+                      <a:endParaRPr lang="en-US" sz="1200" b="0" i="0" u="none" strike="noStrike" kern="1200" dirty="0">
+                        <a:solidFill>
+                          <a:srgbClr val="000000"/>
+                        </a:solidFill>
+                        <a:effectLst/>
+                        <a:latin typeface="+mn-lt"/>
+                        <a:ea typeface="+mn-ea"/>
+                        <a:cs typeface="+mn-cs"/>
+                      </a:endParaRPr>
+                    </a:p>
+                  </a:txBody>
+                  <a:tcPr marL="9525" marR="9525" marT="9525" marB="0" anchor="ctr">
+                    <a:solidFill>
+                      <a:schemeClr val="accent5">
+                        <a:lumMod val="20000"/>
+                        <a:lumOff val="80000"/>
+                      </a:schemeClr>
+                    </a:solidFill>
+                  </a:tcPr>
+                </a:tc>
+                <a:tc>
+                  <a:txBody>
+                    <a:bodyPr/>
+                    <a:lstStyle/>
+                    <a:p>
+                      <a:pPr marL="0" algn="ctr" defTabSz="914400" rtl="0" eaLnBrk="1" fontAlgn="ctr" latinLnBrk="0" hangingPunct="1"/>
+                      <a:r>
+                        <a:rPr lang="en-US" sz="1200" b="0" i="0" u="none" strike="noStrike" kern="1200">
+                          <a:solidFill>
+                            <a:srgbClr val="000000"/>
+                          </a:solidFill>
+                          <a:effectLst/>
+                          <a:latin typeface="+mn-lt"/>
+                          <a:ea typeface="+mn-ea"/>
+                          <a:cs typeface="+mn-cs"/>
+                        </a:rPr>
+                        <a:t>Dem.</a:t>
+                      </a:r>
+                    </a:p>
+                  </a:txBody>
+                  <a:tcPr marL="9525" marR="9525" marT="9525" marB="0" anchor="ctr">
+                    <a:solidFill>
+                      <a:schemeClr val="accent5">
+                        <a:lumMod val="20000"/>
+                        <a:lumOff val="80000"/>
+                      </a:schemeClr>
+                    </a:solidFill>
+                  </a:tcPr>
+                </a:tc>
+                <a:tc>
+                  <a:txBody>
+                    <a:bodyPr/>
+                    <a:lstStyle/>
+                    <a:p>
+                      <a:pPr marL="0" algn="ctr" defTabSz="914400" rtl="0" eaLnBrk="1" fontAlgn="ctr" latinLnBrk="0" hangingPunct="1"/>
+                      <a:r>
+                        <a:rPr lang="en-US" sz="1200" b="0" i="0" u="none" strike="noStrike" kern="1200">
+                          <a:solidFill>
+                            <a:srgbClr val="000000"/>
+                          </a:solidFill>
+                          <a:effectLst/>
+                          <a:latin typeface="+mn-lt"/>
+                          <a:ea typeface="+mn-ea"/>
+                          <a:cs typeface="+mn-cs"/>
+                        </a:rPr>
+                        <a:t>NA</a:t>
+                      </a:r>
+                    </a:p>
+                  </a:txBody>
+                  <a:tcPr marL="9525" marR="9525" marT="9525" marB="0" anchor="ctr">
+                    <a:solidFill>
+                      <a:schemeClr val="accent5">
+                        <a:lumMod val="20000"/>
+                        <a:lumOff val="80000"/>
+                      </a:schemeClr>
+                    </a:solidFill>
+                  </a:tcPr>
+                </a:tc>
+                <a:tc>
+                  <a:txBody>
+                    <a:bodyPr/>
+                    <a:lstStyle/>
+                    <a:p>
+                      <a:pPr marL="0" algn="ctr" defTabSz="914400" rtl="0" eaLnBrk="1" fontAlgn="ctr" latinLnBrk="0" hangingPunct="1"/>
+                      <a:r>
+                        <a:rPr lang="en-US" sz="1200" b="0" i="0" u="none" strike="noStrike" kern="1200" dirty="0">
+                          <a:solidFill>
+                            <a:srgbClr val="000000"/>
+                          </a:solidFill>
+                          <a:effectLst/>
+                          <a:latin typeface="+mn-lt"/>
+                          <a:ea typeface="+mn-ea"/>
+                          <a:cs typeface="+mn-cs"/>
+                        </a:rPr>
+                        <a:t>1</a:t>
+                      </a:r>
+                    </a:p>
+                  </a:txBody>
+                  <a:tcPr marL="9525" marR="9525" marT="9525" marB="0" anchor="ctr">
+                    <a:solidFill>
+                      <a:schemeClr val="accent5">
+                        <a:lumMod val="20000"/>
+                        <a:lumOff val="80000"/>
+                      </a:schemeClr>
+                    </a:solidFill>
+                  </a:tcPr>
+                </a:tc>
+                <a:tc>
+                  <a:txBody>
+                    <a:bodyPr/>
+                    <a:lstStyle/>
+                    <a:p>
+                      <a:pPr marL="0" algn="ctr" defTabSz="914400" rtl="0" eaLnBrk="1" fontAlgn="ctr" latinLnBrk="0" hangingPunct="1"/>
+                      <a:r>
+                        <a:rPr lang="en-US" sz="1200" b="0" i="0" u="none" strike="noStrike" kern="1200" dirty="0">
+                          <a:solidFill>
+                            <a:srgbClr val="000000"/>
+                          </a:solidFill>
+                          <a:effectLst/>
+                          <a:latin typeface="+mn-lt"/>
+                          <a:ea typeface="+mn-ea"/>
+                          <a:cs typeface="+mn-cs"/>
+                        </a:rPr>
+                        <a:t>0</a:t>
+                      </a:r>
+                    </a:p>
+                  </a:txBody>
+                  <a:tcPr marL="9525" marR="9525" marT="9525" marB="0" anchor="ctr">
+                    <a:solidFill>
+                      <a:schemeClr val="accent5">
+                        <a:lumMod val="20000"/>
+                        <a:lumOff val="80000"/>
+                      </a:schemeClr>
+                    </a:solidFill>
+                  </a:tcPr>
+                </a:tc>
+                <a:extLst>
+                  <a:ext uri="{0D108BD9-81ED-4DB2-BD59-A6C34878D82A}">
+                    <a16:rowId xmlns:a16="http://schemas.microsoft.com/office/drawing/2014/main" val="3991860692"/>
+                  </a:ext>
+                </a:extLst>
+              </a:tr>
+              <a:tr h="187740">
+                <a:tc>
+                  <a:txBody>
+                    <a:bodyPr/>
+                    <a:lstStyle/>
+                    <a:p>
+                      <a:pPr marL="0" algn="ctr" defTabSz="914400" rtl="0" eaLnBrk="1" fontAlgn="ctr" latinLnBrk="0" hangingPunct="1"/>
+                      <a:r>
+                        <a:rPr lang="en-US" sz="1200" b="0" i="0" u="none" strike="noStrike" kern="1200">
+                          <a:solidFill>
+                            <a:srgbClr val="000000"/>
+                          </a:solidFill>
+                          <a:effectLst/>
+                          <a:latin typeface="+mn-lt"/>
+                          <a:ea typeface="+mn-ea"/>
+                          <a:cs typeface="+mn-cs"/>
+                        </a:rPr>
+                        <a:t>Albania</a:t>
+                      </a:r>
+                    </a:p>
+                  </a:txBody>
+                  <a:tcPr marL="9525" marR="9525" marT="9525" marB="0" anchor="ctr">
+                    <a:solidFill>
+                      <a:srgbClr val="E7F0F9"/>
+                    </a:solidFill>
+                  </a:tcPr>
+                </a:tc>
+                <a:tc>
+                  <a:txBody>
+                    <a:bodyPr/>
+                    <a:lstStyle/>
+                    <a:p>
+                      <a:pPr marL="0" algn="ctr" defTabSz="914400" rtl="0" eaLnBrk="1" fontAlgn="ctr" latinLnBrk="0" hangingPunct="1"/>
+                      <a:r>
+                        <a:rPr lang="en-US" sz="1200" b="0" i="0" u="none" strike="noStrike" kern="1200" dirty="0">
+                          <a:solidFill>
+                            <a:srgbClr val="000000"/>
+                          </a:solidFill>
+                          <a:effectLst/>
+                          <a:latin typeface="+mn-lt"/>
+                          <a:ea typeface="+mn-ea"/>
+                          <a:cs typeface="+mn-cs"/>
+                        </a:rPr>
+                        <a:t>1997</a:t>
+                      </a:r>
+                    </a:p>
+                  </a:txBody>
+                  <a:tcPr marL="9525" marR="9525" marT="9525" marB="0" anchor="ctr">
+                    <a:solidFill>
+                      <a:srgbClr val="E7F0F9"/>
+                    </a:solidFill>
+                  </a:tcPr>
+                </a:tc>
+                <a:tc>
+                  <a:txBody>
+                    <a:bodyPr/>
+                    <a:lstStyle/>
+                    <a:p>
+                      <a:pPr marL="0" algn="ctr" defTabSz="914400" rtl="0" eaLnBrk="1" fontAlgn="ctr" latinLnBrk="0" hangingPunct="1"/>
+                      <a:r>
+                        <a:rPr lang="en-US" sz="1200" b="0" i="0" u="none" strike="noStrike" kern="1200">
+                          <a:solidFill>
+                            <a:srgbClr val="000000"/>
+                          </a:solidFill>
+                          <a:effectLst/>
+                          <a:latin typeface="+mn-lt"/>
+                          <a:ea typeface="+mn-ea"/>
+                          <a:cs typeface="+mn-cs"/>
+                        </a:rPr>
+                        <a:t>Fatas</a:t>
+                      </a:r>
+                    </a:p>
+                  </a:txBody>
+                  <a:tcPr marL="9525" marR="9525" marT="9525" marB="0" anchor="ctr">
+                    <a:solidFill>
+                      <a:srgbClr val="E7F0F9"/>
+                    </a:solidFill>
+                  </a:tcPr>
+                </a:tc>
+                <a:tc>
+                  <a:txBody>
+                    <a:bodyPr/>
+                    <a:lstStyle/>
+                    <a:p>
+                      <a:pPr marL="0" algn="ctr" defTabSz="914400" rtl="0" eaLnBrk="1" fontAlgn="ctr" latinLnBrk="0" hangingPunct="1"/>
+                      <a:r>
+                        <a:rPr lang="en-US" sz="1200" b="0" i="0" u="none" strike="noStrike" kern="1200" dirty="0">
+                          <a:solidFill>
+                            <a:srgbClr val="000000"/>
+                          </a:solidFill>
+                          <a:effectLst/>
+                          <a:latin typeface="+mn-lt"/>
+                          <a:ea typeface="+mn-ea"/>
+                          <a:cs typeface="+mn-cs"/>
+                        </a:rPr>
+                        <a:t>Dem.</a:t>
+                      </a:r>
+                    </a:p>
+                  </a:txBody>
+                  <a:tcPr marL="9525" marR="9525" marT="9525" marB="0" anchor="ctr">
+                    <a:solidFill>
+                      <a:srgbClr val="E7F0F9"/>
+                    </a:solidFill>
+                  </a:tcPr>
+                </a:tc>
+                <a:tc>
+                  <a:txBody>
+                    <a:bodyPr/>
+                    <a:lstStyle/>
+                    <a:p>
+                      <a:pPr marL="0" algn="ctr" defTabSz="914400" rtl="0" eaLnBrk="1" fontAlgn="ctr" latinLnBrk="0" hangingPunct="1"/>
+                      <a:r>
+                        <a:rPr lang="en-US" sz="1200" b="0" i="0" u="none" strike="noStrike" kern="1200">
+                          <a:solidFill>
+                            <a:srgbClr val="000000"/>
+                          </a:solidFill>
+                          <a:effectLst/>
+                          <a:latin typeface="+mn-lt"/>
+                          <a:ea typeface="+mn-ea"/>
+                          <a:cs typeface="+mn-cs"/>
+                        </a:rPr>
+                        <a:t>NA</a:t>
+                      </a:r>
+                    </a:p>
+                  </a:txBody>
+                  <a:tcPr marL="9525" marR="9525" marT="9525" marB="0" anchor="ctr">
+                    <a:solidFill>
+                      <a:srgbClr val="E7F0F9"/>
+                    </a:solidFill>
+                  </a:tcPr>
+                </a:tc>
+                <a:tc>
+                  <a:txBody>
+                    <a:bodyPr/>
+                    <a:lstStyle/>
+                    <a:p>
+                      <a:pPr marL="0" algn="ctr" defTabSz="914400" rtl="0" eaLnBrk="1" fontAlgn="ctr" latinLnBrk="0" hangingPunct="1"/>
+                      <a:r>
+                        <a:rPr lang="en-US" sz="1200" b="0" i="0" u="none" strike="noStrike" kern="1200">
+                          <a:solidFill>
+                            <a:srgbClr val="000000"/>
+                          </a:solidFill>
+                          <a:effectLst/>
+                          <a:latin typeface="+mn-lt"/>
+                          <a:ea typeface="+mn-ea"/>
+                          <a:cs typeface="+mn-cs"/>
+                        </a:rPr>
+                        <a:t>1</a:t>
+                      </a:r>
+                    </a:p>
+                  </a:txBody>
+                  <a:tcPr marL="9525" marR="9525" marT="9525" marB="0" anchor="ctr">
+                    <a:solidFill>
+                      <a:srgbClr val="E7F0F9"/>
+                    </a:solidFill>
+                  </a:tcPr>
+                </a:tc>
+                <a:tc>
+                  <a:txBody>
+                    <a:bodyPr/>
+                    <a:lstStyle/>
+                    <a:p>
+                      <a:pPr marL="0" algn="ctr" defTabSz="914400" rtl="0" eaLnBrk="1" fontAlgn="ctr" latinLnBrk="0" hangingPunct="1"/>
+                      <a:r>
+                        <a:rPr lang="en-US" sz="1200" b="0" i="0" u="none" strike="noStrike" kern="1200" dirty="0">
+                          <a:solidFill>
+                            <a:srgbClr val="000000"/>
+                          </a:solidFill>
+                          <a:effectLst/>
+                          <a:latin typeface="+mn-lt"/>
+                          <a:ea typeface="+mn-ea"/>
+                          <a:cs typeface="+mn-cs"/>
+                        </a:rPr>
+                        <a:t>0</a:t>
+                      </a:r>
+                    </a:p>
+                  </a:txBody>
+                  <a:tcPr marL="9525" marR="9525" marT="9525" marB="0" anchor="ctr">
+                    <a:solidFill>
+                      <a:srgbClr val="E7F0F9"/>
+                    </a:solidFill>
+                  </a:tcPr>
+                </a:tc>
+                <a:extLst>
+                  <a:ext uri="{0D108BD9-81ED-4DB2-BD59-A6C34878D82A}">
+                    <a16:rowId xmlns:a16="http://schemas.microsoft.com/office/drawing/2014/main" val="888031211"/>
+                  </a:ext>
+                </a:extLst>
+              </a:tr>
+              <a:tr h="187740">
+                <a:tc>
+                  <a:txBody>
+                    <a:bodyPr/>
+                    <a:lstStyle/>
+                    <a:p>
+                      <a:pPr marL="0" algn="ctr" defTabSz="914400" rtl="0" eaLnBrk="1" fontAlgn="ctr" latinLnBrk="0" hangingPunct="1"/>
+                      <a:r>
+                        <a:rPr lang="en-US" sz="1200" b="0" i="0" u="none" strike="noStrike" kern="1200">
+                          <a:solidFill>
+                            <a:srgbClr val="000000"/>
+                          </a:solidFill>
+                          <a:effectLst/>
+                          <a:latin typeface="+mn-lt"/>
+                          <a:ea typeface="+mn-ea"/>
+                          <a:cs typeface="+mn-cs"/>
+                        </a:rPr>
+                        <a:t>Albania</a:t>
+                      </a:r>
+                    </a:p>
+                  </a:txBody>
+                  <a:tcPr marL="9525" marR="9525" marT="9525" marB="0" anchor="ctr">
+                    <a:solidFill>
+                      <a:srgbClr val="E7F0F9"/>
+                    </a:solidFill>
+                  </a:tcPr>
+                </a:tc>
+                <a:tc>
+                  <a:txBody>
+                    <a:bodyPr/>
+                    <a:lstStyle/>
+                    <a:p>
+                      <a:pPr marL="0" algn="ctr" defTabSz="914400" rtl="0" eaLnBrk="1" fontAlgn="ctr" latinLnBrk="0" hangingPunct="1"/>
+                      <a:r>
+                        <a:rPr lang="en-US" sz="1200" b="0" i="0" u="none" strike="noStrike" kern="1200">
+                          <a:solidFill>
+                            <a:srgbClr val="000000"/>
+                          </a:solidFill>
+                          <a:effectLst/>
+                          <a:latin typeface="+mn-lt"/>
+                          <a:ea typeface="+mn-ea"/>
+                          <a:cs typeface="+mn-cs"/>
+                        </a:rPr>
+                        <a:t>1998</a:t>
+                      </a:r>
+                    </a:p>
+                  </a:txBody>
+                  <a:tcPr marL="9525" marR="9525" marT="9525" marB="0" anchor="ctr">
+                    <a:solidFill>
+                      <a:srgbClr val="E7F0F9"/>
+                    </a:solidFill>
+                  </a:tcPr>
+                </a:tc>
+                <a:tc>
+                  <a:txBody>
+                    <a:bodyPr/>
+                    <a:lstStyle/>
+                    <a:p>
+                      <a:pPr marL="0" algn="ctr" defTabSz="914400" rtl="0" eaLnBrk="1" fontAlgn="ctr" latinLnBrk="0" hangingPunct="1"/>
+                      <a:r>
+                        <a:rPr lang="en-US" sz="1200" b="0" i="0" u="none" strike="noStrike" kern="1200" dirty="0" err="1">
+                          <a:solidFill>
+                            <a:srgbClr val="000000"/>
+                          </a:solidFill>
+                          <a:effectLst/>
+                          <a:latin typeface="+mn-lt"/>
+                          <a:ea typeface="+mn-ea"/>
+                          <a:cs typeface="+mn-cs"/>
+                        </a:rPr>
+                        <a:t>Fatas</a:t>
+                      </a:r>
+                      <a:endParaRPr lang="en-US" sz="1200" b="0" i="0" u="none" strike="noStrike" kern="1200" dirty="0">
+                        <a:solidFill>
+                          <a:srgbClr val="000000"/>
+                        </a:solidFill>
+                        <a:effectLst/>
+                        <a:latin typeface="+mn-lt"/>
+                        <a:ea typeface="+mn-ea"/>
+                        <a:cs typeface="+mn-cs"/>
+                      </a:endParaRPr>
+                    </a:p>
+                  </a:txBody>
+                  <a:tcPr marL="9525" marR="9525" marT="9525" marB="0" anchor="ctr">
+                    <a:solidFill>
+                      <a:srgbClr val="E7F0F9"/>
+                    </a:solidFill>
+                  </a:tcPr>
+                </a:tc>
+                <a:tc>
+                  <a:txBody>
+                    <a:bodyPr/>
+                    <a:lstStyle/>
+                    <a:p>
+                      <a:pPr marL="0" algn="ctr" defTabSz="914400" rtl="0" eaLnBrk="1" fontAlgn="ctr" latinLnBrk="0" hangingPunct="1"/>
+                      <a:r>
+                        <a:rPr lang="en-US" sz="1200" b="0" i="0" u="none" strike="noStrike" kern="1200" dirty="0">
+                          <a:solidFill>
+                            <a:srgbClr val="000000"/>
+                          </a:solidFill>
+                          <a:effectLst/>
+                          <a:latin typeface="+mn-lt"/>
+                          <a:ea typeface="+mn-ea"/>
+                          <a:cs typeface="+mn-cs"/>
+                        </a:rPr>
+                        <a:t>Dem.</a:t>
+                      </a:r>
+                    </a:p>
+                  </a:txBody>
+                  <a:tcPr marL="9525" marR="9525" marT="9525" marB="0" anchor="ctr">
+                    <a:solidFill>
+                      <a:srgbClr val="E7F0F9"/>
+                    </a:solidFill>
+                  </a:tcPr>
+                </a:tc>
+                <a:tc>
+                  <a:txBody>
+                    <a:bodyPr/>
+                    <a:lstStyle/>
+                    <a:p>
+                      <a:pPr marL="0" algn="ctr" defTabSz="914400" rtl="0" eaLnBrk="1" fontAlgn="ctr" latinLnBrk="0" hangingPunct="1"/>
+                      <a:r>
+                        <a:rPr lang="en-US" sz="1200" b="0" i="0" u="none" strike="noStrike" kern="1200" dirty="0">
+                          <a:solidFill>
+                            <a:srgbClr val="000000"/>
+                          </a:solidFill>
+                          <a:effectLst/>
+                          <a:latin typeface="+mn-lt"/>
+                          <a:ea typeface="+mn-ea"/>
+                          <a:cs typeface="+mn-cs"/>
+                        </a:rPr>
+                        <a:t>NA</a:t>
+                      </a:r>
+                    </a:p>
+                  </a:txBody>
+                  <a:tcPr marL="9525" marR="9525" marT="9525" marB="0" anchor="ctr">
+                    <a:solidFill>
+                      <a:srgbClr val="E7F0F9"/>
+                    </a:solidFill>
+                  </a:tcPr>
+                </a:tc>
+                <a:tc>
+                  <a:txBody>
+                    <a:bodyPr/>
+                    <a:lstStyle/>
+                    <a:p>
+                      <a:pPr marL="0" algn="ctr" defTabSz="914400" rtl="0" eaLnBrk="1" fontAlgn="ctr" latinLnBrk="0" hangingPunct="1"/>
+                      <a:r>
+                        <a:rPr lang="en-US" sz="1200" b="0" i="0" u="none" strike="noStrike" kern="1200">
+                          <a:solidFill>
+                            <a:srgbClr val="000000"/>
+                          </a:solidFill>
+                          <a:effectLst/>
+                          <a:latin typeface="+mn-lt"/>
+                          <a:ea typeface="+mn-ea"/>
+                          <a:cs typeface="+mn-cs"/>
+                        </a:rPr>
+                        <a:t>2</a:t>
+                      </a:r>
+                    </a:p>
+                  </a:txBody>
+                  <a:tcPr marL="9525" marR="9525" marT="9525" marB="0" anchor="ctr">
+                    <a:solidFill>
+                      <a:srgbClr val="E7F0F9"/>
+                    </a:solidFill>
+                  </a:tcPr>
+                </a:tc>
+                <a:tc>
+                  <a:txBody>
+                    <a:bodyPr/>
+                    <a:lstStyle/>
+                    <a:p>
+                      <a:pPr marL="0" algn="ctr" defTabSz="914400" rtl="0" eaLnBrk="1" fontAlgn="ctr" latinLnBrk="0" hangingPunct="1"/>
+                      <a:r>
+                        <a:rPr lang="en-US" sz="1200" b="0" i="0" u="none" strike="noStrike" kern="1200" dirty="0">
+                          <a:solidFill>
+                            <a:srgbClr val="000000"/>
+                          </a:solidFill>
+                          <a:effectLst/>
+                          <a:latin typeface="+mn-lt"/>
+                          <a:ea typeface="+mn-ea"/>
+                          <a:cs typeface="+mn-cs"/>
+                        </a:rPr>
+                        <a:t>0</a:t>
+                      </a:r>
+                    </a:p>
+                  </a:txBody>
+                  <a:tcPr marL="9525" marR="9525" marT="9525" marB="0" anchor="ctr">
+                    <a:solidFill>
+                      <a:srgbClr val="E7F0F9"/>
+                    </a:solidFill>
+                  </a:tcPr>
+                </a:tc>
+                <a:extLst>
+                  <a:ext uri="{0D108BD9-81ED-4DB2-BD59-A6C34878D82A}">
+                    <a16:rowId xmlns:a16="http://schemas.microsoft.com/office/drawing/2014/main" val="2945919797"/>
+                  </a:ext>
+                </a:extLst>
+              </a:tr>
+              <a:tr h="187740">
+                <a:tc>
+                  <a:txBody>
+                    <a:bodyPr/>
+                    <a:lstStyle/>
+                    <a:p>
+                      <a:pPr algn="ctr" rtl="0" fontAlgn="ctr"/>
+                      <a:r>
+                        <a:rPr lang="en-US" sz="1200" b="0" i="0" u="none" strike="noStrike">
+                          <a:solidFill>
+                            <a:srgbClr val="000000"/>
+                          </a:solidFill>
+                          <a:effectLst/>
+                          <a:latin typeface="+mn-lt"/>
+                        </a:rPr>
+                        <a:t>Albania</a:t>
+                      </a:r>
+                    </a:p>
+                  </a:txBody>
+                  <a:tcPr marL="9525" marR="9525" marT="9525" marB="0" anchor="ctr">
+                    <a:solidFill>
+                      <a:schemeClr val="accent5">
+                        <a:lumMod val="20000"/>
+                        <a:lumOff val="80000"/>
+                      </a:schemeClr>
+                    </a:solidFill>
+                  </a:tcPr>
+                </a:tc>
+                <a:tc>
+                  <a:txBody>
+                    <a:bodyPr/>
+                    <a:lstStyle/>
+                    <a:p>
+                      <a:pPr algn="ctr" rtl="0" fontAlgn="ctr"/>
+                      <a:r>
+                        <a:rPr lang="en-US" sz="1200" b="0" i="0" u="none" strike="noStrike" dirty="0">
+                          <a:solidFill>
+                            <a:srgbClr val="000000"/>
+                          </a:solidFill>
+                          <a:effectLst/>
+                          <a:latin typeface="+mn-lt"/>
+                        </a:rPr>
+                        <a:t>1999</a:t>
+                      </a:r>
+                    </a:p>
+                  </a:txBody>
+                  <a:tcPr marL="9525" marR="9525" marT="9525" marB="0" anchor="ctr">
+                    <a:solidFill>
+                      <a:schemeClr val="accent5">
+                        <a:lumMod val="20000"/>
+                        <a:lumOff val="80000"/>
+                      </a:schemeClr>
+                    </a:solidFill>
+                  </a:tcPr>
+                </a:tc>
+                <a:tc>
+                  <a:txBody>
+                    <a:bodyPr/>
+                    <a:lstStyle/>
+                    <a:p>
+                      <a:pPr algn="ctr" rtl="0" fontAlgn="ctr"/>
+                      <a:r>
+                        <a:rPr lang="en-US" sz="1200" b="0" i="0" u="none" strike="noStrike" dirty="0">
+                          <a:solidFill>
+                            <a:srgbClr val="000000"/>
+                          </a:solidFill>
+                          <a:effectLst/>
+                          <a:latin typeface="+mn-lt"/>
+                        </a:rPr>
+                        <a:t>Meta</a:t>
+                      </a:r>
+                    </a:p>
+                  </a:txBody>
+                  <a:tcPr marL="9525" marR="9525" marT="9525" marB="0" anchor="ctr">
+                    <a:solidFill>
+                      <a:schemeClr val="accent5">
+                        <a:lumMod val="20000"/>
+                        <a:lumOff val="80000"/>
+                      </a:schemeClr>
+                    </a:solidFill>
+                  </a:tcPr>
+                </a:tc>
+                <a:tc>
+                  <a:txBody>
+                    <a:bodyPr/>
+                    <a:lstStyle/>
+                    <a:p>
+                      <a:pPr algn="ctr" rtl="0" fontAlgn="ctr"/>
+                      <a:r>
+                        <a:rPr lang="en-US" sz="1200" b="0" i="0" u="none" strike="noStrike">
+                          <a:solidFill>
+                            <a:srgbClr val="000000"/>
+                          </a:solidFill>
+                          <a:effectLst/>
+                          <a:latin typeface="+mn-lt"/>
+                        </a:rPr>
+                        <a:t>Dem.</a:t>
+                      </a:r>
+                    </a:p>
+                  </a:txBody>
+                  <a:tcPr marL="9525" marR="9525" marT="9525" marB="0" anchor="ctr">
+                    <a:solidFill>
+                      <a:schemeClr val="accent5">
+                        <a:lumMod val="20000"/>
+                        <a:lumOff val="80000"/>
+                      </a:schemeClr>
+                    </a:solidFill>
+                  </a:tcPr>
+                </a:tc>
+                <a:tc>
+                  <a:txBody>
+                    <a:bodyPr/>
+                    <a:lstStyle/>
+                    <a:p>
+                      <a:pPr algn="ctr" rtl="0" fontAlgn="ctr"/>
+                      <a:r>
+                        <a:rPr lang="en-US" sz="1200" b="0" i="0" u="none" strike="noStrike" dirty="0">
+                          <a:solidFill>
+                            <a:srgbClr val="000000"/>
+                          </a:solidFill>
+                          <a:effectLst/>
+                          <a:latin typeface="+mn-lt"/>
+                        </a:rPr>
+                        <a:t>NA</a:t>
+                      </a:r>
+                    </a:p>
+                  </a:txBody>
+                  <a:tcPr marL="9525" marR="9525" marT="9525" marB="0" anchor="ctr">
+                    <a:solidFill>
+                      <a:schemeClr val="accent5">
+                        <a:lumMod val="20000"/>
+                        <a:lumOff val="80000"/>
+                      </a:schemeClr>
+                    </a:solidFill>
+                  </a:tcPr>
+                </a:tc>
+                <a:tc>
+                  <a:txBody>
+                    <a:bodyPr/>
+                    <a:lstStyle/>
+                    <a:p>
+                      <a:pPr algn="ctr" rtl="0" fontAlgn="ctr"/>
+                      <a:r>
+                        <a:rPr lang="en-US" sz="1200" b="0" i="0" u="none" strike="noStrike" dirty="0">
+                          <a:solidFill>
+                            <a:srgbClr val="000000"/>
+                          </a:solidFill>
+                          <a:effectLst/>
+                          <a:latin typeface="+mn-lt"/>
+                        </a:rPr>
+                        <a:t>2</a:t>
+                      </a:r>
+                    </a:p>
+                  </a:txBody>
+                  <a:tcPr marL="9525" marR="9525" marT="9525" marB="0" anchor="ctr">
+                    <a:solidFill>
+                      <a:schemeClr val="accent5">
+                        <a:lumMod val="20000"/>
+                        <a:lumOff val="80000"/>
+                      </a:schemeClr>
+                    </a:solidFill>
+                  </a:tcPr>
+                </a:tc>
+                <a:tc>
+                  <a:txBody>
+                    <a:bodyPr/>
+                    <a:lstStyle/>
+                    <a:p>
+                      <a:pPr algn="ctr" rtl="0" fontAlgn="ctr"/>
+                      <a:r>
+                        <a:rPr lang="en-US" sz="1200" b="0" i="0" u="none" strike="noStrike" dirty="0">
+                          <a:solidFill>
+                            <a:srgbClr val="000000"/>
+                          </a:solidFill>
+                          <a:effectLst/>
+                          <a:latin typeface="+mn-lt"/>
+                        </a:rPr>
+                        <a:t>0</a:t>
+                      </a:r>
+                    </a:p>
+                  </a:txBody>
+                  <a:tcPr marL="9525" marR="9525" marT="9525" marB="0" anchor="ctr">
+                    <a:solidFill>
+                      <a:schemeClr val="accent5">
+                        <a:lumMod val="20000"/>
+                        <a:lumOff val="80000"/>
+                      </a:schemeClr>
+                    </a:solidFill>
+                  </a:tcPr>
+                </a:tc>
+                <a:extLst>
+                  <a:ext uri="{0D108BD9-81ED-4DB2-BD59-A6C34878D82A}">
+                    <a16:rowId xmlns:a16="http://schemas.microsoft.com/office/drawing/2014/main" val="59049679"/>
+                  </a:ext>
+                </a:extLst>
+              </a:tr>
+              <a:tr h="187740">
+                <a:tc>
+                  <a:txBody>
+                    <a:bodyPr/>
+                    <a:lstStyle/>
+                    <a:p>
+                      <a:pPr algn="ctr" rtl="0" fontAlgn="ctr"/>
+                      <a:r>
+                        <a:rPr lang="en-US" sz="1200" b="0" i="0" u="none" strike="noStrike">
+                          <a:solidFill>
+                            <a:srgbClr val="000000"/>
+                          </a:solidFill>
+                          <a:effectLst/>
+                          <a:latin typeface="+mn-lt"/>
+                        </a:rPr>
+                        <a:t>Albania</a:t>
+                      </a:r>
+                    </a:p>
+                  </a:txBody>
+                  <a:tcPr marL="9525" marR="9525" marT="9525" marB="0" anchor="ctr">
+                    <a:solidFill>
+                      <a:schemeClr val="accent5">
+                        <a:lumMod val="20000"/>
+                        <a:lumOff val="80000"/>
+                      </a:schemeClr>
+                    </a:solidFill>
+                  </a:tcPr>
+                </a:tc>
+                <a:tc>
+                  <a:txBody>
+                    <a:bodyPr/>
+                    <a:lstStyle/>
+                    <a:p>
+                      <a:pPr algn="ctr" rtl="0" fontAlgn="ctr"/>
+                      <a:r>
+                        <a:rPr lang="en-US" sz="1200" b="0" i="0" u="none" strike="noStrike" dirty="0">
+                          <a:solidFill>
+                            <a:srgbClr val="000000"/>
+                          </a:solidFill>
+                          <a:effectLst/>
+                          <a:latin typeface="+mn-lt"/>
+                        </a:rPr>
+                        <a:t>2000</a:t>
+                      </a:r>
+                    </a:p>
+                  </a:txBody>
+                  <a:tcPr marL="9525" marR="9525" marT="9525" marB="0" anchor="ctr">
+                    <a:solidFill>
+                      <a:schemeClr val="accent5">
+                        <a:lumMod val="20000"/>
+                        <a:lumOff val="80000"/>
+                      </a:schemeClr>
+                    </a:solidFill>
+                  </a:tcPr>
+                </a:tc>
+                <a:tc>
+                  <a:txBody>
+                    <a:bodyPr/>
+                    <a:lstStyle/>
+                    <a:p>
+                      <a:pPr algn="ctr" rtl="0" fontAlgn="ctr"/>
+                      <a:r>
+                        <a:rPr lang="en-US" sz="1200" b="0" i="0" u="none" strike="noStrike" dirty="0">
+                          <a:solidFill>
+                            <a:srgbClr val="000000"/>
+                          </a:solidFill>
+                          <a:effectLst/>
+                          <a:latin typeface="+mn-lt"/>
+                        </a:rPr>
+                        <a:t>Meta</a:t>
+                      </a:r>
+                    </a:p>
+                  </a:txBody>
+                  <a:tcPr marL="9525" marR="9525" marT="9525" marB="0" anchor="ctr">
+                    <a:solidFill>
+                      <a:schemeClr val="accent5">
+                        <a:lumMod val="20000"/>
+                        <a:lumOff val="80000"/>
+                      </a:schemeClr>
+                    </a:solidFill>
+                  </a:tcPr>
+                </a:tc>
+                <a:tc>
+                  <a:txBody>
+                    <a:bodyPr/>
+                    <a:lstStyle/>
+                    <a:p>
+                      <a:pPr algn="ctr" rtl="0" fontAlgn="ctr"/>
+                      <a:r>
+                        <a:rPr lang="en-US" sz="1200" b="0" i="0" u="none" strike="noStrike" dirty="0">
+                          <a:solidFill>
+                            <a:srgbClr val="000000"/>
+                          </a:solidFill>
+                          <a:effectLst/>
+                          <a:latin typeface="+mn-lt"/>
+                        </a:rPr>
+                        <a:t>Dem.</a:t>
+                      </a:r>
+                    </a:p>
+                  </a:txBody>
+                  <a:tcPr marL="9525" marR="9525" marT="9525" marB="0" anchor="ctr">
+                    <a:solidFill>
+                      <a:schemeClr val="accent5">
+                        <a:lumMod val="20000"/>
+                        <a:lumOff val="80000"/>
+                      </a:schemeClr>
+                    </a:solidFill>
+                  </a:tcPr>
+                </a:tc>
+                <a:tc>
+                  <a:txBody>
+                    <a:bodyPr/>
+                    <a:lstStyle/>
+                    <a:p>
+                      <a:pPr algn="ctr" rtl="0" fontAlgn="ctr"/>
+                      <a:r>
+                        <a:rPr lang="en-US" sz="1200" b="0" i="0" u="none" strike="noStrike" dirty="0">
+                          <a:solidFill>
+                            <a:srgbClr val="000000"/>
+                          </a:solidFill>
+                          <a:effectLst/>
+                          <a:latin typeface="+mn-lt"/>
+                        </a:rPr>
+                        <a:t>NA</a:t>
+                      </a:r>
+                    </a:p>
+                  </a:txBody>
+                  <a:tcPr marL="9525" marR="9525" marT="9525" marB="0" anchor="ctr">
+                    <a:solidFill>
+                      <a:schemeClr val="accent5">
+                        <a:lumMod val="20000"/>
+                        <a:lumOff val="80000"/>
+                      </a:schemeClr>
+                    </a:solidFill>
+                  </a:tcPr>
+                </a:tc>
+                <a:tc>
+                  <a:txBody>
+                    <a:bodyPr/>
+                    <a:lstStyle/>
+                    <a:p>
+                      <a:pPr algn="ctr" rtl="0" fontAlgn="ctr"/>
+                      <a:r>
+                        <a:rPr lang="en-US" sz="1200" b="0" i="0" u="none" strike="noStrike" dirty="0">
+                          <a:solidFill>
+                            <a:srgbClr val="000000"/>
+                          </a:solidFill>
+                          <a:effectLst/>
+                          <a:latin typeface="+mn-lt"/>
+                        </a:rPr>
+                        <a:t>2</a:t>
+                      </a:r>
+                    </a:p>
+                  </a:txBody>
+                  <a:tcPr marL="9525" marR="9525" marT="9525" marB="0" anchor="ctr">
+                    <a:solidFill>
+                      <a:schemeClr val="accent5">
+                        <a:lumMod val="20000"/>
+                        <a:lumOff val="80000"/>
+                      </a:schemeClr>
+                    </a:solidFill>
+                  </a:tcPr>
+                </a:tc>
+                <a:tc>
+                  <a:txBody>
+                    <a:bodyPr/>
+                    <a:lstStyle/>
+                    <a:p>
+                      <a:pPr algn="ctr" rtl="0" fontAlgn="ctr"/>
+                      <a:r>
+                        <a:rPr lang="en-US" sz="1200" b="0" i="0" u="none" strike="noStrike" dirty="0">
+                          <a:solidFill>
+                            <a:srgbClr val="000000"/>
+                          </a:solidFill>
+                          <a:effectLst/>
+                          <a:latin typeface="+mn-lt"/>
+                        </a:rPr>
+                        <a:t>0</a:t>
+                      </a:r>
+                    </a:p>
+                  </a:txBody>
+                  <a:tcPr marL="9525" marR="9525" marT="9525" marB="0" anchor="ctr">
+                    <a:solidFill>
+                      <a:schemeClr val="accent5">
+                        <a:lumMod val="20000"/>
+                        <a:lumOff val="80000"/>
+                      </a:schemeClr>
+                    </a:solidFill>
+                  </a:tcPr>
+                </a:tc>
+                <a:extLst>
+                  <a:ext uri="{0D108BD9-81ED-4DB2-BD59-A6C34878D82A}">
+                    <a16:rowId xmlns:a16="http://schemas.microsoft.com/office/drawing/2014/main" val="4174102305"/>
+                  </a:ext>
+                </a:extLst>
+              </a:tr>
+              <a:tr h="187740">
+                <a:tc>
+                  <a:txBody>
+                    <a:bodyPr/>
+                    <a:lstStyle/>
+                    <a:p>
+                      <a:pPr algn="ctr" rtl="0" fontAlgn="ctr"/>
+                      <a:r>
+                        <a:rPr lang="en-US" sz="1200" b="0" i="0" u="none" strike="noStrike">
+                          <a:solidFill>
+                            <a:srgbClr val="000000"/>
+                          </a:solidFill>
+                          <a:effectLst/>
+                          <a:latin typeface="+mn-lt"/>
+                        </a:rPr>
+                        <a:t>Albania</a:t>
+                      </a:r>
+                    </a:p>
+                  </a:txBody>
+                  <a:tcPr marL="9525" marR="9525" marT="9525" marB="0" anchor="ctr">
+                    <a:solidFill>
+                      <a:schemeClr val="accent5">
+                        <a:lumMod val="20000"/>
+                        <a:lumOff val="80000"/>
+                      </a:schemeClr>
+                    </a:solidFill>
+                  </a:tcPr>
+                </a:tc>
+                <a:tc>
+                  <a:txBody>
+                    <a:bodyPr/>
+                    <a:lstStyle/>
+                    <a:p>
+                      <a:pPr algn="ctr" rtl="0" fontAlgn="ctr"/>
+                      <a:r>
+                        <a:rPr lang="en-US" sz="1200" b="0" i="0" u="none" strike="noStrike">
+                          <a:solidFill>
+                            <a:srgbClr val="000000"/>
+                          </a:solidFill>
+                          <a:effectLst/>
+                          <a:latin typeface="+mn-lt"/>
+                        </a:rPr>
+                        <a:t>2001</a:t>
+                      </a:r>
+                    </a:p>
+                  </a:txBody>
+                  <a:tcPr marL="9525" marR="9525" marT="9525" marB="0" anchor="ctr">
+                    <a:solidFill>
+                      <a:schemeClr val="accent5">
+                        <a:lumMod val="20000"/>
+                        <a:lumOff val="80000"/>
+                      </a:schemeClr>
+                    </a:solidFill>
+                  </a:tcPr>
+                </a:tc>
+                <a:tc>
+                  <a:txBody>
+                    <a:bodyPr/>
+                    <a:lstStyle/>
+                    <a:p>
+                      <a:pPr algn="ctr" rtl="0" fontAlgn="ctr"/>
+                      <a:r>
+                        <a:rPr lang="en-US" sz="1200" b="0" i="0" u="none" strike="noStrike" dirty="0">
+                          <a:solidFill>
+                            <a:srgbClr val="000000"/>
+                          </a:solidFill>
+                          <a:effectLst/>
+                          <a:latin typeface="+mn-lt"/>
+                        </a:rPr>
+                        <a:t>Meta</a:t>
+                      </a:r>
+                    </a:p>
+                  </a:txBody>
+                  <a:tcPr marL="9525" marR="9525" marT="9525" marB="0" anchor="ctr">
+                    <a:solidFill>
+                      <a:schemeClr val="accent5">
+                        <a:lumMod val="20000"/>
+                        <a:lumOff val="80000"/>
+                      </a:schemeClr>
+                    </a:solidFill>
+                  </a:tcPr>
+                </a:tc>
+                <a:tc>
+                  <a:txBody>
+                    <a:bodyPr/>
+                    <a:lstStyle/>
+                    <a:p>
+                      <a:pPr algn="ctr" rtl="0" fontAlgn="ctr"/>
+                      <a:r>
+                        <a:rPr lang="en-US" sz="1200" b="0" i="0" u="none" strike="noStrike" dirty="0">
+                          <a:solidFill>
+                            <a:srgbClr val="000000"/>
+                          </a:solidFill>
+                          <a:effectLst/>
+                          <a:latin typeface="+mn-lt"/>
+                        </a:rPr>
+                        <a:t>Dem.</a:t>
+                      </a:r>
+                    </a:p>
+                  </a:txBody>
+                  <a:tcPr marL="9525" marR="9525" marT="9525" marB="0" anchor="ctr">
+                    <a:solidFill>
+                      <a:schemeClr val="accent5">
+                        <a:lumMod val="20000"/>
+                        <a:lumOff val="80000"/>
+                      </a:schemeClr>
+                    </a:solidFill>
+                  </a:tcPr>
+                </a:tc>
+                <a:tc>
+                  <a:txBody>
+                    <a:bodyPr/>
+                    <a:lstStyle/>
+                    <a:p>
+                      <a:pPr algn="ctr" rtl="0" fontAlgn="ctr"/>
+                      <a:r>
+                        <a:rPr lang="en-US" sz="1200" b="0" i="0" u="none" strike="noStrike" dirty="0">
+                          <a:solidFill>
+                            <a:srgbClr val="000000"/>
+                          </a:solidFill>
+                          <a:effectLst/>
+                          <a:latin typeface="+mn-lt"/>
+                        </a:rPr>
+                        <a:t>NA</a:t>
+                      </a:r>
+                    </a:p>
+                  </a:txBody>
+                  <a:tcPr marL="9525" marR="9525" marT="9525" marB="0" anchor="ctr">
+                    <a:solidFill>
+                      <a:schemeClr val="accent5">
+                        <a:lumMod val="20000"/>
+                        <a:lumOff val="80000"/>
+                      </a:schemeClr>
+                    </a:solidFill>
+                  </a:tcPr>
+                </a:tc>
+                <a:tc>
+                  <a:txBody>
+                    <a:bodyPr/>
+                    <a:lstStyle/>
+                    <a:p>
+                      <a:pPr algn="ctr" rtl="0" fontAlgn="ctr"/>
+                      <a:r>
+                        <a:rPr lang="en-US" sz="1200" b="0" i="0" u="none" strike="noStrike" dirty="0">
+                          <a:solidFill>
+                            <a:srgbClr val="000000"/>
+                          </a:solidFill>
+                          <a:effectLst/>
+                          <a:latin typeface="+mn-lt"/>
+                        </a:rPr>
+                        <a:t>2</a:t>
+                      </a:r>
+                    </a:p>
+                  </a:txBody>
+                  <a:tcPr marL="9525" marR="9525" marT="9525" marB="0" anchor="ctr">
+                    <a:solidFill>
+                      <a:schemeClr val="accent5">
+                        <a:lumMod val="20000"/>
+                        <a:lumOff val="80000"/>
+                      </a:schemeClr>
+                    </a:solidFill>
+                  </a:tcPr>
+                </a:tc>
+                <a:tc>
+                  <a:txBody>
+                    <a:bodyPr/>
+                    <a:lstStyle/>
+                    <a:p>
+                      <a:pPr algn="ctr" rtl="0" fontAlgn="ctr"/>
+                      <a:r>
+                        <a:rPr lang="en-US" sz="1200" b="0" i="0" u="none" strike="noStrike" dirty="0">
+                          <a:solidFill>
+                            <a:srgbClr val="000000"/>
+                          </a:solidFill>
+                          <a:effectLst/>
+                          <a:latin typeface="+mn-lt"/>
+                        </a:rPr>
+                        <a:t>0</a:t>
+                      </a:r>
+                    </a:p>
+                  </a:txBody>
+                  <a:tcPr marL="9525" marR="9525" marT="9525" marB="0" anchor="ctr">
+                    <a:solidFill>
+                      <a:schemeClr val="accent5">
+                        <a:lumMod val="20000"/>
+                        <a:lumOff val="80000"/>
+                      </a:schemeClr>
+                    </a:solidFill>
+                  </a:tcPr>
+                </a:tc>
+                <a:extLst>
+                  <a:ext uri="{0D108BD9-81ED-4DB2-BD59-A6C34878D82A}">
+                    <a16:rowId xmlns:a16="http://schemas.microsoft.com/office/drawing/2014/main" val="2709939687"/>
+                  </a:ext>
+                </a:extLst>
+              </a:tr>
+              <a:tr h="187740">
+                <a:tc>
+                  <a:txBody>
+                    <a:bodyPr/>
+                    <a:lstStyle/>
+                    <a:p>
+                      <a:pPr algn="ctr" rtl="0" fontAlgn="ctr"/>
+                      <a:r>
+                        <a:rPr lang="en-US" sz="1200" b="0" i="0" u="none" strike="noStrike" dirty="0">
+                          <a:solidFill>
+                            <a:srgbClr val="000000"/>
+                          </a:solidFill>
+                          <a:effectLst/>
+                          <a:latin typeface="+mn-lt"/>
+                        </a:rPr>
+                        <a:t>Albania</a:t>
+                      </a:r>
+                    </a:p>
+                  </a:txBody>
+                  <a:tcPr marL="9525" marR="9525" marT="9525" marB="0" anchor="ctr">
+                    <a:solidFill>
+                      <a:schemeClr val="accent5">
+                        <a:lumMod val="20000"/>
+                        <a:lumOff val="80000"/>
+                      </a:schemeClr>
+                    </a:solidFill>
+                  </a:tcPr>
+                </a:tc>
+                <a:tc>
+                  <a:txBody>
+                    <a:bodyPr/>
+                    <a:lstStyle/>
+                    <a:p>
+                      <a:pPr algn="ctr" rtl="0" fontAlgn="ctr"/>
+                      <a:r>
+                        <a:rPr lang="en-US" sz="1200" b="0" i="0" u="none" strike="noStrike">
+                          <a:solidFill>
+                            <a:srgbClr val="000000"/>
+                          </a:solidFill>
+                          <a:effectLst/>
+                          <a:latin typeface="+mn-lt"/>
+                        </a:rPr>
+                        <a:t>2002</a:t>
+                      </a:r>
+                    </a:p>
+                  </a:txBody>
+                  <a:tcPr marL="9525" marR="9525" marT="9525" marB="0" anchor="ctr">
+                    <a:solidFill>
+                      <a:schemeClr val="accent5">
+                        <a:lumMod val="20000"/>
+                        <a:lumOff val="80000"/>
+                      </a:schemeClr>
+                    </a:solidFill>
+                  </a:tcPr>
+                </a:tc>
+                <a:tc>
+                  <a:txBody>
+                    <a:bodyPr/>
+                    <a:lstStyle/>
+                    <a:p>
+                      <a:pPr algn="ctr" rtl="0" fontAlgn="ctr"/>
+                      <a:r>
+                        <a:rPr lang="en-US" sz="1200" b="0" i="0" u="none" strike="noStrike">
+                          <a:solidFill>
+                            <a:srgbClr val="000000"/>
+                          </a:solidFill>
+                          <a:effectLst/>
+                          <a:latin typeface="+mn-lt"/>
+                        </a:rPr>
+                        <a:t>Meta</a:t>
+                      </a:r>
+                    </a:p>
+                  </a:txBody>
+                  <a:tcPr marL="9525" marR="9525" marT="9525" marB="0" anchor="ctr">
+                    <a:solidFill>
+                      <a:schemeClr val="accent5">
+                        <a:lumMod val="20000"/>
+                        <a:lumOff val="80000"/>
+                      </a:schemeClr>
+                    </a:solidFill>
+                  </a:tcPr>
+                </a:tc>
+                <a:tc>
+                  <a:txBody>
+                    <a:bodyPr/>
+                    <a:lstStyle/>
+                    <a:p>
+                      <a:pPr algn="ctr" rtl="0" fontAlgn="ctr"/>
+                      <a:r>
+                        <a:rPr lang="en-US" sz="1200" b="0" i="0" u="none" strike="noStrike">
+                          <a:solidFill>
+                            <a:srgbClr val="000000"/>
+                          </a:solidFill>
+                          <a:effectLst/>
+                          <a:latin typeface="+mn-lt"/>
+                        </a:rPr>
+                        <a:t>Dem.</a:t>
+                      </a:r>
+                    </a:p>
+                  </a:txBody>
+                  <a:tcPr marL="9525" marR="9525" marT="9525" marB="0" anchor="ctr">
+                    <a:solidFill>
+                      <a:schemeClr val="accent5">
+                        <a:lumMod val="20000"/>
+                        <a:lumOff val="80000"/>
+                      </a:schemeClr>
+                    </a:solidFill>
+                  </a:tcPr>
+                </a:tc>
+                <a:tc>
+                  <a:txBody>
+                    <a:bodyPr/>
+                    <a:lstStyle/>
+                    <a:p>
+                      <a:pPr algn="ctr" rtl="0" fontAlgn="ctr"/>
+                      <a:r>
+                        <a:rPr lang="en-US" sz="1200" b="0" i="0" u="none" strike="noStrike">
+                          <a:solidFill>
+                            <a:srgbClr val="000000"/>
+                          </a:solidFill>
+                          <a:effectLst/>
+                          <a:latin typeface="+mn-lt"/>
+                        </a:rPr>
+                        <a:t>NA</a:t>
+                      </a:r>
+                    </a:p>
+                  </a:txBody>
+                  <a:tcPr marL="9525" marR="9525" marT="9525" marB="0" anchor="ctr">
+                    <a:solidFill>
+                      <a:schemeClr val="accent5">
+                        <a:lumMod val="20000"/>
+                        <a:lumOff val="80000"/>
+                      </a:schemeClr>
+                    </a:solidFill>
+                  </a:tcPr>
+                </a:tc>
+                <a:tc>
+                  <a:txBody>
+                    <a:bodyPr/>
+                    <a:lstStyle/>
+                    <a:p>
+                      <a:pPr algn="ctr" rtl="0" fontAlgn="ctr"/>
+                      <a:r>
+                        <a:rPr lang="en-US" sz="1200" b="0" i="0" u="none" strike="noStrike" dirty="0">
+                          <a:solidFill>
+                            <a:srgbClr val="000000"/>
+                          </a:solidFill>
+                          <a:effectLst/>
+                          <a:latin typeface="+mn-lt"/>
+                        </a:rPr>
+                        <a:t>2</a:t>
+                      </a:r>
+                    </a:p>
+                  </a:txBody>
+                  <a:tcPr marL="9525" marR="9525" marT="9525" marB="0" anchor="ctr">
+                    <a:solidFill>
+                      <a:schemeClr val="accent5">
+                        <a:lumMod val="20000"/>
+                        <a:lumOff val="80000"/>
+                      </a:schemeClr>
+                    </a:solidFill>
+                  </a:tcPr>
+                </a:tc>
+                <a:tc>
+                  <a:txBody>
+                    <a:bodyPr/>
+                    <a:lstStyle/>
+                    <a:p>
+                      <a:pPr algn="ctr" rtl="0" fontAlgn="ctr"/>
+                      <a:r>
+                        <a:rPr lang="en-US" sz="1200" b="0" i="0" u="none" strike="noStrike" dirty="0">
+                          <a:solidFill>
+                            <a:srgbClr val="000000"/>
+                          </a:solidFill>
+                          <a:effectLst/>
+                          <a:latin typeface="+mn-lt"/>
+                        </a:rPr>
+                        <a:t>1</a:t>
+                      </a:r>
+                    </a:p>
+                  </a:txBody>
+                  <a:tcPr marL="9525" marR="9525" marT="9525" marB="0" anchor="ctr">
+                    <a:solidFill>
+                      <a:schemeClr val="accent5">
+                        <a:lumMod val="20000"/>
+                        <a:lumOff val="80000"/>
+                      </a:schemeClr>
+                    </a:solidFill>
+                  </a:tcPr>
+                </a:tc>
+                <a:extLst>
+                  <a:ext uri="{0D108BD9-81ED-4DB2-BD59-A6C34878D82A}">
+                    <a16:rowId xmlns:a16="http://schemas.microsoft.com/office/drawing/2014/main" val="1429165349"/>
+                  </a:ext>
+                </a:extLst>
+              </a:tr>
+              <a:tr h="299269">
+                <a:tc>
+                  <a:txBody>
+                    <a:bodyPr/>
+                    <a:lstStyle/>
+                    <a:p>
+                      <a:pPr algn="ctr" rtl="0" fontAlgn="ctr">
+                        <a:lnSpc>
+                          <a:spcPct val="50000"/>
+                        </a:lnSpc>
+                      </a:pPr>
+                      <a:endParaRPr lang="en-US" sz="1200" b="0" i="0" u="none" strike="noStrike" dirty="0">
+                        <a:solidFill>
+                          <a:srgbClr val="000000"/>
+                        </a:solidFill>
+                        <a:effectLst/>
+                        <a:latin typeface="+mn-lt"/>
+                      </a:endParaRPr>
+                    </a:p>
+                  </a:txBody>
+                  <a:tcPr marL="9525" marR="9525" marT="9525" marB="0" anchor="ctr">
+                    <a:solidFill>
+                      <a:srgbClr val="E7F0F9"/>
+                    </a:solidFill>
+                  </a:tcPr>
+                </a:tc>
+                <a:tc>
+                  <a:txBody>
+                    <a:bodyPr/>
+                    <a:lstStyle/>
+                    <a:p>
+                      <a:pPr algn="ctr" rtl="0" fontAlgn="ctr">
+                        <a:lnSpc>
+                          <a:spcPct val="50000"/>
+                        </a:lnSpc>
+                      </a:pPr>
+                      <a:endParaRPr lang="en-US" sz="1200" b="0" i="0" u="none" strike="noStrike">
+                        <a:solidFill>
+                          <a:srgbClr val="000000"/>
+                        </a:solidFill>
+                        <a:effectLst/>
+                        <a:latin typeface="+mn-lt"/>
+                      </a:endParaRPr>
+                    </a:p>
+                  </a:txBody>
+                  <a:tcPr marL="9525" marR="9525" marT="9525" marB="0" anchor="ctr">
+                    <a:solidFill>
+                      <a:srgbClr val="E7F0F9"/>
+                    </a:solidFill>
+                  </a:tcPr>
+                </a:tc>
+                <a:tc>
+                  <a:txBody>
+                    <a:bodyPr/>
+                    <a:lstStyle/>
+                    <a:p>
+                      <a:pPr algn="ctr" rtl="0" fontAlgn="ctr">
+                        <a:lnSpc>
+                          <a:spcPct val="50000"/>
+                        </a:lnSpc>
+                      </a:pPr>
+                      <a:endParaRPr lang="en-US" sz="1200" b="0" i="0" u="none" strike="noStrike" dirty="0">
+                        <a:solidFill>
+                          <a:srgbClr val="000000"/>
+                        </a:solidFill>
+                        <a:effectLst/>
+                        <a:latin typeface="+mn-lt"/>
+                      </a:endParaRPr>
+                    </a:p>
+                  </a:txBody>
+                  <a:tcPr marL="9525" marR="9525" marT="9525" marB="0" anchor="ctr">
+                    <a:solidFill>
+                      <a:srgbClr val="E7F0F9"/>
+                    </a:solidFill>
+                  </a:tcPr>
+                </a:tc>
+                <a:tc>
+                  <a:txBody>
+                    <a:bodyPr/>
+                    <a:lstStyle/>
+                    <a:p>
+                      <a:pPr algn="ctr" rtl="0" fontAlgn="ctr">
+                        <a:lnSpc>
+                          <a:spcPct val="50000"/>
+                        </a:lnSpc>
+                      </a:pPr>
+                      <a:r>
+                        <a:rPr lang="en-US" sz="1200" b="1" i="0" u="none" strike="noStrike" dirty="0">
+                          <a:solidFill>
+                            <a:srgbClr val="000000"/>
+                          </a:solidFill>
+                          <a:effectLst/>
+                          <a:latin typeface="+mn-lt"/>
+                        </a:rPr>
+                        <a:t>.</a:t>
+                      </a:r>
+                    </a:p>
+                    <a:p>
+                      <a:pPr algn="ctr" rtl="0" fontAlgn="ctr">
+                        <a:lnSpc>
+                          <a:spcPct val="50000"/>
+                        </a:lnSpc>
+                      </a:pPr>
+                      <a:r>
+                        <a:rPr lang="en-US" sz="1200" b="1" i="0" u="none" strike="noStrike" dirty="0">
+                          <a:solidFill>
+                            <a:srgbClr val="000000"/>
+                          </a:solidFill>
+                          <a:effectLst/>
+                          <a:latin typeface="+mn-lt"/>
+                        </a:rPr>
+                        <a:t>.</a:t>
+                      </a:r>
+                    </a:p>
+                    <a:p>
+                      <a:pPr algn="ctr" rtl="0" fontAlgn="ctr">
+                        <a:lnSpc>
+                          <a:spcPct val="50000"/>
+                        </a:lnSpc>
+                      </a:pPr>
+                      <a:r>
+                        <a:rPr lang="en-US" sz="1200" b="1" i="0" u="none" strike="noStrike" dirty="0">
+                          <a:solidFill>
+                            <a:srgbClr val="000000"/>
+                          </a:solidFill>
+                          <a:effectLst/>
+                          <a:latin typeface="+mn-lt"/>
+                        </a:rPr>
+                        <a:t>.</a:t>
+                      </a:r>
+                    </a:p>
+                  </a:txBody>
+                  <a:tcPr marL="9525" marR="9525" marT="9525" marB="0" anchor="ctr">
+                    <a:solidFill>
+                      <a:srgbClr val="E7F0F9"/>
+                    </a:solidFill>
+                  </a:tcPr>
+                </a:tc>
+                <a:tc>
+                  <a:txBody>
+                    <a:bodyPr/>
+                    <a:lstStyle/>
+                    <a:p>
+                      <a:pPr algn="ctr" rtl="0" fontAlgn="ctr">
+                        <a:lnSpc>
+                          <a:spcPct val="50000"/>
+                        </a:lnSpc>
+                      </a:pPr>
+                      <a:endParaRPr lang="en-US" sz="1200" b="0" i="0" u="none" strike="noStrike" dirty="0">
+                        <a:solidFill>
+                          <a:srgbClr val="000000"/>
+                        </a:solidFill>
+                        <a:effectLst/>
+                        <a:latin typeface="+mn-lt"/>
+                      </a:endParaRPr>
+                    </a:p>
+                  </a:txBody>
+                  <a:tcPr marL="9525" marR="9525" marT="9525" marB="0" anchor="ctr">
+                    <a:solidFill>
+                      <a:srgbClr val="E7F0F9"/>
+                    </a:solidFill>
+                  </a:tcPr>
+                </a:tc>
+                <a:tc>
+                  <a:txBody>
+                    <a:bodyPr/>
+                    <a:lstStyle/>
+                    <a:p>
+                      <a:pPr algn="ctr" rtl="0" fontAlgn="ctr">
+                        <a:lnSpc>
+                          <a:spcPct val="50000"/>
+                        </a:lnSpc>
+                      </a:pPr>
+                      <a:endParaRPr lang="en-US" sz="1200" b="0" i="0" u="none" strike="noStrike" dirty="0">
+                        <a:solidFill>
+                          <a:srgbClr val="000000"/>
+                        </a:solidFill>
+                        <a:effectLst/>
+                        <a:latin typeface="+mn-lt"/>
+                      </a:endParaRPr>
+                    </a:p>
+                  </a:txBody>
+                  <a:tcPr marL="9525" marR="9525" marT="9525" marB="0" anchor="ctr">
+                    <a:solidFill>
+                      <a:srgbClr val="E7F0F9"/>
+                    </a:solidFill>
+                  </a:tcPr>
+                </a:tc>
+                <a:tc>
+                  <a:txBody>
+                    <a:bodyPr/>
+                    <a:lstStyle/>
+                    <a:p>
+                      <a:pPr algn="ctr" rtl="0" fontAlgn="ctr">
+                        <a:lnSpc>
+                          <a:spcPct val="50000"/>
+                        </a:lnSpc>
+                      </a:pPr>
+                      <a:endParaRPr lang="en-US" sz="1200" b="0" i="0" u="none" strike="noStrike" dirty="0">
+                        <a:solidFill>
+                          <a:srgbClr val="000000"/>
+                        </a:solidFill>
+                        <a:effectLst/>
+                        <a:latin typeface="+mn-lt"/>
+                      </a:endParaRPr>
+                    </a:p>
+                  </a:txBody>
+                  <a:tcPr marL="9525" marR="9525" marT="9525" marB="0" anchor="ctr">
+                    <a:solidFill>
+                      <a:srgbClr val="E7F0F9"/>
+                    </a:solidFill>
+                  </a:tcPr>
+                </a:tc>
+                <a:extLst>
+                  <a:ext uri="{0D108BD9-81ED-4DB2-BD59-A6C34878D82A}">
+                    <a16:rowId xmlns:a16="http://schemas.microsoft.com/office/drawing/2014/main" val="3902031351"/>
+                  </a:ext>
+                </a:extLst>
+              </a:tr>
+              <a:tr h="187740">
+                <a:tc>
+                  <a:txBody>
+                    <a:bodyPr/>
+                    <a:lstStyle/>
+                    <a:p>
+                      <a:pPr algn="ctr" rtl="0" fontAlgn="ctr"/>
+                      <a:r>
+                        <a:rPr lang="en-US" sz="1200" b="0" i="0" u="none" strike="noStrike" dirty="0">
+                          <a:solidFill>
+                            <a:srgbClr val="000000"/>
+                          </a:solidFill>
+                          <a:effectLst/>
+                          <a:latin typeface="+mn-lt"/>
+                        </a:rPr>
+                        <a:t>Algeria</a:t>
+                      </a:r>
+                    </a:p>
+                  </a:txBody>
+                  <a:tcPr marL="9525" marR="9525" marT="9525" marB="0" anchor="ctr">
+                    <a:solidFill>
+                      <a:schemeClr val="accent5">
+                        <a:lumMod val="20000"/>
+                        <a:lumOff val="80000"/>
+                      </a:schemeClr>
+                    </a:solidFill>
+                  </a:tcPr>
+                </a:tc>
+                <a:tc>
+                  <a:txBody>
+                    <a:bodyPr/>
+                    <a:lstStyle/>
+                    <a:p>
+                      <a:pPr algn="ctr" rtl="0" fontAlgn="ctr"/>
+                      <a:r>
+                        <a:rPr lang="en-US" sz="1200" b="0" i="0" u="none" strike="noStrike">
+                          <a:solidFill>
+                            <a:srgbClr val="000000"/>
+                          </a:solidFill>
+                          <a:effectLst/>
+                          <a:latin typeface="+mn-lt"/>
+                        </a:rPr>
+                        <a:t>1995</a:t>
+                      </a:r>
+                    </a:p>
+                  </a:txBody>
+                  <a:tcPr marL="9525" marR="9525" marT="9525" marB="0" anchor="ctr">
+                    <a:solidFill>
+                      <a:schemeClr val="accent5">
+                        <a:lumMod val="20000"/>
+                        <a:lumOff val="80000"/>
+                      </a:schemeClr>
+                    </a:solidFill>
+                  </a:tcPr>
+                </a:tc>
+                <a:tc>
+                  <a:txBody>
+                    <a:bodyPr/>
+                    <a:lstStyle/>
+                    <a:p>
+                      <a:pPr algn="ctr" rtl="0" fontAlgn="ctr"/>
+                      <a:r>
+                        <a:rPr lang="en-US" sz="1200" b="0" i="0" u="none" strike="noStrike">
+                          <a:solidFill>
+                            <a:srgbClr val="000000"/>
+                          </a:solidFill>
+                          <a:effectLst/>
+                          <a:latin typeface="+mn-lt"/>
+                        </a:rPr>
+                        <a:t>Zeroual</a:t>
+                      </a:r>
+                    </a:p>
+                  </a:txBody>
+                  <a:tcPr marL="9525" marR="9525" marT="9525" marB="0" anchor="ctr">
+                    <a:solidFill>
+                      <a:schemeClr val="accent5">
+                        <a:lumMod val="20000"/>
+                        <a:lumOff val="80000"/>
+                      </a:schemeClr>
+                    </a:solidFill>
+                  </a:tcPr>
+                </a:tc>
+                <a:tc>
+                  <a:txBody>
+                    <a:bodyPr/>
+                    <a:lstStyle/>
+                    <a:p>
+                      <a:pPr algn="ctr" rtl="0" fontAlgn="ctr"/>
+                      <a:r>
+                        <a:rPr lang="en-US" sz="1200" b="0" i="0" u="none" strike="noStrike">
+                          <a:solidFill>
+                            <a:srgbClr val="000000"/>
+                          </a:solidFill>
+                          <a:effectLst/>
+                          <a:latin typeface="+mn-lt"/>
+                        </a:rPr>
+                        <a:t>Dict.</a:t>
+                      </a:r>
+                    </a:p>
+                  </a:txBody>
+                  <a:tcPr marL="9525" marR="9525" marT="9525" marB="0" anchor="ctr">
+                    <a:solidFill>
+                      <a:schemeClr val="accent5">
+                        <a:lumMod val="20000"/>
+                        <a:lumOff val="80000"/>
+                      </a:schemeClr>
+                    </a:solidFill>
+                  </a:tcPr>
+                </a:tc>
+                <a:tc>
+                  <a:txBody>
+                    <a:bodyPr/>
+                    <a:lstStyle/>
+                    <a:p>
+                      <a:pPr algn="ctr" rtl="0" fontAlgn="ctr"/>
+                      <a:r>
+                        <a:rPr lang="en-US" sz="1200" b="0" i="0" u="none" strike="noStrike" dirty="0">
+                          <a:solidFill>
+                            <a:srgbClr val="000000"/>
+                          </a:solidFill>
+                          <a:effectLst/>
+                          <a:latin typeface="+mn-lt"/>
+                        </a:rPr>
+                        <a:t>Regime</a:t>
+                      </a:r>
+                    </a:p>
+                  </a:txBody>
+                  <a:tcPr marL="9525" marR="9525" marT="9525" marB="0" anchor="ctr">
+                    <a:solidFill>
+                      <a:schemeClr val="accent5">
+                        <a:lumMod val="20000"/>
+                        <a:lumOff val="80000"/>
+                      </a:schemeClr>
+                    </a:solidFill>
+                  </a:tcPr>
+                </a:tc>
+                <a:tc>
+                  <a:txBody>
+                    <a:bodyPr/>
+                    <a:lstStyle/>
+                    <a:p>
+                      <a:pPr algn="ctr" rtl="0" fontAlgn="ctr"/>
+                      <a:r>
+                        <a:rPr lang="en-US" sz="1200" b="0" i="0" u="none" strike="noStrike">
+                          <a:solidFill>
+                            <a:srgbClr val="000000"/>
+                          </a:solidFill>
+                          <a:effectLst/>
+                          <a:latin typeface="+mn-lt"/>
+                        </a:rPr>
+                        <a:t>2</a:t>
+                      </a:r>
+                    </a:p>
+                  </a:txBody>
+                  <a:tcPr marL="9525" marR="9525" marT="9525" marB="0" anchor="ctr">
+                    <a:solidFill>
+                      <a:schemeClr val="accent5">
+                        <a:lumMod val="20000"/>
+                        <a:lumOff val="80000"/>
+                      </a:schemeClr>
+                    </a:solidFill>
+                  </a:tcPr>
+                </a:tc>
+                <a:tc>
+                  <a:txBody>
+                    <a:bodyPr/>
+                    <a:lstStyle/>
+                    <a:p>
+                      <a:pPr marL="0" algn="ctr" defTabSz="914400" rtl="0" eaLnBrk="1" fontAlgn="ctr" latinLnBrk="0" hangingPunct="1"/>
+                      <a:r>
+                        <a:rPr lang="en-US" sz="1200" b="0" i="0" u="none" strike="noStrike" kern="1200" dirty="0">
+                          <a:solidFill>
+                            <a:srgbClr val="000000"/>
+                          </a:solidFill>
+                          <a:effectLst/>
+                          <a:latin typeface="+mn-lt"/>
+                          <a:ea typeface="+mn-ea"/>
+                          <a:cs typeface="+mn-cs"/>
+                        </a:rPr>
+                        <a:t>0</a:t>
+                      </a:r>
+                    </a:p>
+                  </a:txBody>
+                  <a:tcPr marL="9525" marR="9525" marT="9525" marB="0" anchor="ctr">
+                    <a:solidFill>
+                      <a:schemeClr val="accent5">
+                        <a:lumMod val="20000"/>
+                        <a:lumOff val="80000"/>
+                      </a:schemeClr>
+                    </a:solidFill>
+                  </a:tcPr>
+                </a:tc>
+                <a:extLst>
+                  <a:ext uri="{0D108BD9-81ED-4DB2-BD59-A6C34878D82A}">
+                    <a16:rowId xmlns:a16="http://schemas.microsoft.com/office/drawing/2014/main" val="1521732952"/>
+                  </a:ext>
+                </a:extLst>
+              </a:tr>
+              <a:tr h="187740">
+                <a:tc>
+                  <a:txBody>
+                    <a:bodyPr/>
+                    <a:lstStyle/>
+                    <a:p>
+                      <a:pPr algn="ctr" fontAlgn="b"/>
+                      <a:r>
+                        <a:rPr lang="en-US" sz="1200" b="0" i="0" u="none" strike="noStrike" dirty="0">
+                          <a:solidFill>
+                            <a:srgbClr val="000000"/>
+                          </a:solidFill>
+                          <a:effectLst/>
+                          <a:latin typeface="+mn-lt"/>
+                        </a:rPr>
+                        <a:t>Algeria</a:t>
+                      </a:r>
+                      <a:endParaRPr lang="en-US" sz="1200" b="0" i="0" u="none" strike="noStrike" kern="1200" dirty="0">
+                        <a:solidFill>
+                          <a:srgbClr val="000000"/>
+                        </a:solidFill>
+                        <a:effectLst/>
+                        <a:latin typeface="+mn-lt"/>
+                        <a:ea typeface="+mn-ea"/>
+                        <a:cs typeface="+mn-cs"/>
+                      </a:endParaRPr>
+                    </a:p>
+                  </a:txBody>
+                  <a:tcPr marL="9525" marR="9525" marT="9525" marB="0" anchor="ctr">
+                    <a:solidFill>
+                      <a:schemeClr val="accent5">
+                        <a:lumMod val="20000"/>
+                        <a:lumOff val="80000"/>
+                      </a:schemeClr>
+                    </a:solidFill>
+                  </a:tcPr>
+                </a:tc>
+                <a:tc>
+                  <a:txBody>
+                    <a:bodyPr/>
+                    <a:lstStyle/>
+                    <a:p>
+                      <a:pPr algn="ctr" rtl="0" fontAlgn="ctr"/>
+                      <a:r>
+                        <a:rPr lang="en-US" sz="1200" b="0" i="0" u="none" strike="noStrike" kern="1200" dirty="0">
+                          <a:solidFill>
+                            <a:srgbClr val="000000"/>
+                          </a:solidFill>
+                          <a:effectLst/>
+                          <a:latin typeface="+mn-lt"/>
+                          <a:ea typeface="+mn-ea"/>
+                          <a:cs typeface="+mn-cs"/>
+                        </a:rPr>
+                        <a:t>1996</a:t>
+                      </a:r>
+                    </a:p>
+                  </a:txBody>
+                  <a:tcPr marL="9525" marR="9525" marT="9525" marB="0" anchor="ctr">
+                    <a:solidFill>
+                      <a:schemeClr val="accent5">
+                        <a:lumMod val="20000"/>
+                        <a:lumOff val="80000"/>
+                      </a:schemeClr>
+                    </a:solidFill>
+                  </a:tcPr>
+                </a:tc>
+                <a:tc>
+                  <a:txBody>
+                    <a:bodyPr/>
+                    <a:lstStyle/>
+                    <a:p>
+                      <a:pPr algn="ctr" rtl="0" fontAlgn="ctr"/>
+                      <a:r>
+                        <a:rPr lang="en-US" sz="1200" b="0" i="0" u="none" strike="noStrike" kern="1200" dirty="0" err="1">
+                          <a:solidFill>
+                            <a:srgbClr val="000000"/>
+                          </a:solidFill>
+                          <a:effectLst/>
+                          <a:latin typeface="+mn-lt"/>
+                          <a:ea typeface="+mn-ea"/>
+                          <a:cs typeface="+mn-cs"/>
+                        </a:rPr>
+                        <a:t>Zeroual</a:t>
+                      </a:r>
+                      <a:endParaRPr lang="en-US" sz="1200" b="0" i="0" u="none" strike="noStrike" kern="1200" dirty="0">
+                        <a:solidFill>
+                          <a:srgbClr val="000000"/>
+                        </a:solidFill>
+                        <a:effectLst/>
+                        <a:latin typeface="+mn-lt"/>
+                        <a:ea typeface="+mn-ea"/>
+                        <a:cs typeface="+mn-cs"/>
+                      </a:endParaRPr>
+                    </a:p>
+                  </a:txBody>
+                  <a:tcPr marL="9525" marR="9525" marT="9525" marB="0" anchor="ctr">
+                    <a:solidFill>
+                      <a:schemeClr val="accent5">
+                        <a:lumMod val="20000"/>
+                        <a:lumOff val="80000"/>
+                      </a:schemeClr>
+                    </a:solidFill>
+                  </a:tcPr>
+                </a:tc>
+                <a:tc>
+                  <a:txBody>
+                    <a:bodyPr/>
+                    <a:lstStyle/>
+                    <a:p>
+                      <a:pPr algn="ctr" rtl="0" fontAlgn="ctr"/>
+                      <a:r>
+                        <a:rPr lang="en-US" sz="1200" b="0" i="0" u="none" strike="noStrike" kern="1200">
+                          <a:solidFill>
+                            <a:srgbClr val="000000"/>
+                          </a:solidFill>
+                          <a:effectLst/>
+                          <a:latin typeface="+mn-lt"/>
+                          <a:ea typeface="+mn-ea"/>
+                          <a:cs typeface="+mn-cs"/>
+                        </a:rPr>
+                        <a:t>Dict.</a:t>
+                      </a:r>
+                    </a:p>
+                  </a:txBody>
+                  <a:tcPr marL="9525" marR="9525" marT="9525" marB="0" anchor="ctr">
+                    <a:solidFill>
+                      <a:schemeClr val="accent5">
+                        <a:lumMod val="20000"/>
+                        <a:lumOff val="80000"/>
+                      </a:schemeClr>
+                    </a:solidFill>
+                  </a:tcPr>
+                </a:tc>
+                <a:tc>
+                  <a:txBody>
+                    <a:bodyPr/>
+                    <a:lstStyle/>
+                    <a:p>
+                      <a:pPr algn="ctr" rtl="0" fontAlgn="ctr"/>
+                      <a:r>
+                        <a:rPr lang="en-US" sz="1200" b="0" i="0" u="none" strike="noStrike" kern="1200">
+                          <a:solidFill>
+                            <a:srgbClr val="000000"/>
+                          </a:solidFill>
+                          <a:effectLst/>
+                          <a:latin typeface="+mn-lt"/>
+                          <a:ea typeface="+mn-ea"/>
+                          <a:cs typeface="+mn-cs"/>
+                        </a:rPr>
+                        <a:t>Regime</a:t>
+                      </a:r>
+                    </a:p>
+                  </a:txBody>
+                  <a:tcPr marL="9525" marR="9525" marT="9525" marB="0" anchor="ctr">
+                    <a:solidFill>
+                      <a:schemeClr val="accent5">
+                        <a:lumMod val="20000"/>
+                        <a:lumOff val="80000"/>
+                      </a:schemeClr>
+                    </a:solidFill>
+                  </a:tcPr>
+                </a:tc>
+                <a:tc>
+                  <a:txBody>
+                    <a:bodyPr/>
+                    <a:lstStyle/>
+                    <a:p>
+                      <a:pPr algn="ctr" rtl="0" fontAlgn="ctr"/>
+                      <a:r>
+                        <a:rPr lang="en-US" sz="1200" b="0" i="0" u="none" strike="noStrike" kern="1200">
+                          <a:solidFill>
+                            <a:srgbClr val="000000"/>
+                          </a:solidFill>
+                          <a:effectLst/>
+                          <a:latin typeface="+mn-lt"/>
+                          <a:ea typeface="+mn-ea"/>
+                          <a:cs typeface="+mn-cs"/>
+                        </a:rPr>
+                        <a:t>2</a:t>
+                      </a:r>
+                    </a:p>
+                  </a:txBody>
+                  <a:tcPr marL="9525" marR="9525" marT="9525" marB="0" anchor="ctr">
+                    <a:solidFill>
+                      <a:schemeClr val="accent5">
+                        <a:lumMod val="20000"/>
+                        <a:lumOff val="80000"/>
+                      </a:schemeClr>
+                    </a:solidFill>
+                  </a:tcPr>
+                </a:tc>
+                <a:tc>
+                  <a:txBody>
+                    <a:bodyPr/>
+                    <a:lstStyle/>
+                    <a:p>
+                      <a:pPr marL="0" algn="ctr" defTabSz="914400" rtl="0" eaLnBrk="1" fontAlgn="ctr" latinLnBrk="0" hangingPunct="1"/>
+                      <a:r>
+                        <a:rPr lang="en-US" sz="1200" b="0" i="0" u="none" strike="noStrike" kern="1200" dirty="0">
+                          <a:solidFill>
+                            <a:srgbClr val="000000"/>
+                          </a:solidFill>
+                          <a:effectLst/>
+                          <a:latin typeface="+mn-lt"/>
+                          <a:ea typeface="+mn-ea"/>
+                          <a:cs typeface="+mn-cs"/>
+                        </a:rPr>
+                        <a:t>1</a:t>
+                      </a:r>
+                    </a:p>
+                  </a:txBody>
+                  <a:tcPr marL="9525" marR="9525" marT="9525" marB="0" anchor="ctr">
+                    <a:solidFill>
+                      <a:schemeClr val="accent5">
+                        <a:lumMod val="20000"/>
+                        <a:lumOff val="80000"/>
+                      </a:schemeClr>
+                    </a:solidFill>
+                  </a:tcPr>
+                </a:tc>
+                <a:extLst>
+                  <a:ext uri="{0D108BD9-81ED-4DB2-BD59-A6C34878D82A}">
+                    <a16:rowId xmlns:a16="http://schemas.microsoft.com/office/drawing/2014/main" val="2771247102"/>
+                  </a:ext>
+                </a:extLst>
+              </a:tr>
+              <a:tr h="187740">
+                <a:tc>
+                  <a:txBody>
+                    <a:bodyPr/>
+                    <a:lstStyle/>
+                    <a:p>
+                      <a:pPr algn="ctr" fontAlgn="b"/>
+                      <a:r>
+                        <a:rPr lang="en-US" sz="1200" b="0" i="0" u="none" strike="noStrike" dirty="0">
+                          <a:solidFill>
+                            <a:srgbClr val="000000"/>
+                          </a:solidFill>
+                          <a:effectLst/>
+                          <a:latin typeface="+mn-lt"/>
+                        </a:rPr>
+                        <a:t>Algeria</a:t>
+                      </a:r>
+                      <a:endParaRPr lang="en-US" sz="1200" b="0" i="0" u="none" strike="noStrike" kern="1200" dirty="0">
+                        <a:solidFill>
+                          <a:srgbClr val="000000"/>
+                        </a:solidFill>
+                        <a:effectLst/>
+                        <a:latin typeface="+mn-lt"/>
+                        <a:ea typeface="+mn-ea"/>
+                        <a:cs typeface="+mn-cs"/>
+                      </a:endParaRPr>
+                    </a:p>
+                  </a:txBody>
+                  <a:tcPr marL="9525" marR="9525" marT="9525" marB="0" anchor="ctr">
+                    <a:solidFill>
+                      <a:schemeClr val="accent5">
+                        <a:lumMod val="20000"/>
+                        <a:lumOff val="80000"/>
+                      </a:schemeClr>
+                    </a:solidFill>
+                  </a:tcPr>
+                </a:tc>
+                <a:tc>
+                  <a:txBody>
+                    <a:bodyPr/>
+                    <a:lstStyle/>
+                    <a:p>
+                      <a:pPr algn="ctr" rtl="0" fontAlgn="ctr"/>
+                      <a:r>
+                        <a:rPr lang="en-US" sz="1200" b="0" i="0" u="none" strike="noStrike" kern="1200">
+                          <a:solidFill>
+                            <a:srgbClr val="000000"/>
+                          </a:solidFill>
+                          <a:effectLst/>
+                          <a:latin typeface="+mn-lt"/>
+                          <a:ea typeface="+mn-ea"/>
+                          <a:cs typeface="+mn-cs"/>
+                        </a:rPr>
+                        <a:t>1997</a:t>
+                      </a:r>
+                    </a:p>
+                  </a:txBody>
+                  <a:tcPr marL="9525" marR="9525" marT="9525" marB="0" anchor="ctr">
+                    <a:solidFill>
+                      <a:schemeClr val="accent5">
+                        <a:lumMod val="20000"/>
+                        <a:lumOff val="80000"/>
+                      </a:schemeClr>
+                    </a:solidFill>
+                  </a:tcPr>
+                </a:tc>
+                <a:tc>
+                  <a:txBody>
+                    <a:bodyPr/>
+                    <a:lstStyle/>
+                    <a:p>
+                      <a:pPr algn="ctr" rtl="0" fontAlgn="ctr"/>
+                      <a:r>
+                        <a:rPr lang="en-US" sz="1200" b="0" i="0" u="none" strike="noStrike" kern="1200" dirty="0" err="1">
+                          <a:solidFill>
+                            <a:srgbClr val="000000"/>
+                          </a:solidFill>
+                          <a:effectLst/>
+                          <a:latin typeface="+mn-lt"/>
+                          <a:ea typeface="+mn-ea"/>
+                          <a:cs typeface="+mn-cs"/>
+                        </a:rPr>
+                        <a:t>Zeroual</a:t>
+                      </a:r>
+                      <a:endParaRPr lang="en-US" sz="1200" b="0" i="0" u="none" strike="noStrike" kern="1200" dirty="0">
+                        <a:solidFill>
+                          <a:srgbClr val="000000"/>
+                        </a:solidFill>
+                        <a:effectLst/>
+                        <a:latin typeface="+mn-lt"/>
+                        <a:ea typeface="+mn-ea"/>
+                        <a:cs typeface="+mn-cs"/>
+                      </a:endParaRPr>
+                    </a:p>
+                  </a:txBody>
+                  <a:tcPr marL="9525" marR="9525" marT="9525" marB="0" anchor="ctr">
+                    <a:solidFill>
+                      <a:schemeClr val="accent5">
+                        <a:lumMod val="20000"/>
+                        <a:lumOff val="80000"/>
+                      </a:schemeClr>
+                    </a:solidFill>
+                  </a:tcPr>
+                </a:tc>
+                <a:tc>
+                  <a:txBody>
+                    <a:bodyPr/>
+                    <a:lstStyle/>
+                    <a:p>
+                      <a:pPr algn="ctr" rtl="0" fontAlgn="ctr"/>
+                      <a:r>
+                        <a:rPr lang="en-US" sz="1200" b="0" i="0" u="none" strike="noStrike" kern="1200" dirty="0">
+                          <a:solidFill>
+                            <a:srgbClr val="000000"/>
+                          </a:solidFill>
+                          <a:effectLst/>
+                          <a:latin typeface="+mn-lt"/>
+                          <a:ea typeface="+mn-ea"/>
+                          <a:cs typeface="+mn-cs"/>
+                        </a:rPr>
+                        <a:t>Dict.</a:t>
+                      </a:r>
+                    </a:p>
+                  </a:txBody>
+                  <a:tcPr marL="9525" marR="9525" marT="9525" marB="0" anchor="ctr">
+                    <a:solidFill>
+                      <a:schemeClr val="accent5">
+                        <a:lumMod val="20000"/>
+                        <a:lumOff val="80000"/>
+                      </a:schemeClr>
+                    </a:solidFill>
+                  </a:tcPr>
+                </a:tc>
+                <a:tc>
+                  <a:txBody>
+                    <a:bodyPr/>
+                    <a:lstStyle/>
+                    <a:p>
+                      <a:pPr algn="ctr" rtl="0" fontAlgn="ctr"/>
+                      <a:r>
+                        <a:rPr lang="en-US" sz="1200" b="0" i="0" u="none" strike="noStrike" kern="1200">
+                          <a:solidFill>
+                            <a:srgbClr val="000000"/>
+                          </a:solidFill>
+                          <a:effectLst/>
+                          <a:latin typeface="+mn-lt"/>
+                          <a:ea typeface="+mn-ea"/>
+                          <a:cs typeface="+mn-cs"/>
+                        </a:rPr>
+                        <a:t>Regime</a:t>
+                      </a:r>
+                    </a:p>
+                  </a:txBody>
+                  <a:tcPr marL="9525" marR="9525" marT="9525" marB="0" anchor="ctr">
+                    <a:solidFill>
+                      <a:schemeClr val="accent5">
+                        <a:lumMod val="20000"/>
+                        <a:lumOff val="80000"/>
+                      </a:schemeClr>
+                    </a:solidFill>
+                  </a:tcPr>
+                </a:tc>
+                <a:tc>
+                  <a:txBody>
+                    <a:bodyPr/>
+                    <a:lstStyle/>
+                    <a:p>
+                      <a:pPr algn="ctr" rtl="0" fontAlgn="ctr"/>
+                      <a:r>
+                        <a:rPr lang="en-US" sz="1200" b="0" i="0" u="none" strike="noStrike" kern="1200">
+                          <a:solidFill>
+                            <a:srgbClr val="000000"/>
+                          </a:solidFill>
+                          <a:effectLst/>
+                          <a:latin typeface="+mn-lt"/>
+                          <a:ea typeface="+mn-ea"/>
+                          <a:cs typeface="+mn-cs"/>
+                        </a:rPr>
+                        <a:t>2</a:t>
+                      </a:r>
+                    </a:p>
+                  </a:txBody>
+                  <a:tcPr marL="9525" marR="9525" marT="9525" marB="0" anchor="ctr">
+                    <a:solidFill>
+                      <a:schemeClr val="accent5">
+                        <a:lumMod val="20000"/>
+                        <a:lumOff val="80000"/>
+                      </a:schemeClr>
+                    </a:solidFill>
+                  </a:tcPr>
+                </a:tc>
+                <a:tc>
+                  <a:txBody>
+                    <a:bodyPr/>
+                    <a:lstStyle/>
+                    <a:p>
+                      <a:pPr marL="0" algn="ctr" defTabSz="914400" rtl="0" eaLnBrk="1" fontAlgn="ctr" latinLnBrk="0" hangingPunct="1"/>
+                      <a:r>
+                        <a:rPr lang="en-US" sz="1200" b="0" i="0" u="none" strike="noStrike" kern="1200" dirty="0">
+                          <a:solidFill>
+                            <a:srgbClr val="000000"/>
+                          </a:solidFill>
+                          <a:effectLst/>
+                          <a:latin typeface="+mn-lt"/>
+                          <a:ea typeface="+mn-ea"/>
+                          <a:cs typeface="+mn-cs"/>
+                        </a:rPr>
+                        <a:t>0</a:t>
+                      </a:r>
+                    </a:p>
+                  </a:txBody>
+                  <a:tcPr marL="9525" marR="9525" marT="9525" marB="0" anchor="ctr">
+                    <a:solidFill>
+                      <a:schemeClr val="accent5">
+                        <a:lumMod val="20000"/>
+                        <a:lumOff val="80000"/>
+                      </a:schemeClr>
+                    </a:solidFill>
+                  </a:tcPr>
+                </a:tc>
+                <a:extLst>
+                  <a:ext uri="{0D108BD9-81ED-4DB2-BD59-A6C34878D82A}">
+                    <a16:rowId xmlns:a16="http://schemas.microsoft.com/office/drawing/2014/main" val="888584525"/>
+                  </a:ext>
+                </a:extLst>
+              </a:tr>
+              <a:tr h="187740">
+                <a:tc>
+                  <a:txBody>
+                    <a:bodyPr/>
+                    <a:lstStyle/>
+                    <a:p>
+                      <a:pPr algn="ctr" fontAlgn="b"/>
+                      <a:r>
+                        <a:rPr lang="en-US" sz="1200" b="0" i="0" u="none" strike="noStrike" dirty="0">
+                          <a:solidFill>
+                            <a:srgbClr val="000000"/>
+                          </a:solidFill>
+                          <a:effectLst/>
+                          <a:latin typeface="+mn-lt"/>
+                        </a:rPr>
+                        <a:t>Algeria</a:t>
+                      </a:r>
+                      <a:endParaRPr lang="en-US" sz="1200" b="0" i="0" u="none" strike="noStrike" kern="1200" dirty="0">
+                        <a:solidFill>
+                          <a:srgbClr val="000000"/>
+                        </a:solidFill>
+                        <a:effectLst/>
+                        <a:latin typeface="+mn-lt"/>
+                        <a:ea typeface="+mn-ea"/>
+                        <a:cs typeface="+mn-cs"/>
+                      </a:endParaRPr>
+                    </a:p>
+                  </a:txBody>
+                  <a:tcPr marL="9525" marR="9525" marT="9525" marB="0" anchor="ctr">
+                    <a:solidFill>
+                      <a:schemeClr val="accent5">
+                        <a:lumMod val="20000"/>
+                        <a:lumOff val="80000"/>
+                      </a:schemeClr>
+                    </a:solidFill>
+                  </a:tcPr>
+                </a:tc>
+                <a:tc>
+                  <a:txBody>
+                    <a:bodyPr/>
+                    <a:lstStyle/>
+                    <a:p>
+                      <a:pPr algn="ctr" rtl="0" fontAlgn="ctr"/>
+                      <a:r>
+                        <a:rPr lang="en-US" sz="1200" b="0" i="0" u="none" strike="noStrike" kern="1200">
+                          <a:solidFill>
+                            <a:srgbClr val="000000"/>
+                          </a:solidFill>
+                          <a:effectLst/>
+                          <a:latin typeface="+mn-lt"/>
+                          <a:ea typeface="+mn-ea"/>
+                          <a:cs typeface="+mn-cs"/>
+                        </a:rPr>
+                        <a:t>1998</a:t>
+                      </a:r>
+                    </a:p>
+                  </a:txBody>
+                  <a:tcPr marL="9525" marR="9525" marT="9525" marB="0" anchor="ctr">
+                    <a:solidFill>
+                      <a:schemeClr val="accent5">
+                        <a:lumMod val="20000"/>
+                        <a:lumOff val="80000"/>
+                      </a:schemeClr>
+                    </a:solidFill>
+                  </a:tcPr>
+                </a:tc>
+                <a:tc>
+                  <a:txBody>
+                    <a:bodyPr/>
+                    <a:lstStyle/>
+                    <a:p>
+                      <a:pPr algn="ctr" rtl="0" fontAlgn="ctr"/>
+                      <a:r>
+                        <a:rPr lang="en-US" sz="1200" b="0" i="0" u="none" strike="noStrike" kern="1200">
+                          <a:solidFill>
+                            <a:srgbClr val="000000"/>
+                          </a:solidFill>
+                          <a:effectLst/>
+                          <a:latin typeface="+mn-lt"/>
+                          <a:ea typeface="+mn-ea"/>
+                          <a:cs typeface="+mn-cs"/>
+                        </a:rPr>
+                        <a:t>Zeroual</a:t>
+                      </a:r>
+                    </a:p>
+                  </a:txBody>
+                  <a:tcPr marL="9525" marR="9525" marT="9525" marB="0" anchor="ctr">
+                    <a:solidFill>
+                      <a:schemeClr val="accent5">
+                        <a:lumMod val="20000"/>
+                        <a:lumOff val="80000"/>
+                      </a:schemeClr>
+                    </a:solidFill>
+                  </a:tcPr>
+                </a:tc>
+                <a:tc>
+                  <a:txBody>
+                    <a:bodyPr/>
+                    <a:lstStyle/>
+                    <a:p>
+                      <a:pPr algn="ctr" rtl="0" fontAlgn="ctr"/>
+                      <a:r>
+                        <a:rPr lang="en-US" sz="1200" b="0" i="0" u="none" strike="noStrike" kern="1200">
+                          <a:solidFill>
+                            <a:srgbClr val="000000"/>
+                          </a:solidFill>
+                          <a:effectLst/>
+                          <a:latin typeface="+mn-lt"/>
+                          <a:ea typeface="+mn-ea"/>
+                          <a:cs typeface="+mn-cs"/>
+                        </a:rPr>
+                        <a:t>Dict.</a:t>
+                      </a:r>
+                    </a:p>
+                  </a:txBody>
+                  <a:tcPr marL="9525" marR="9525" marT="9525" marB="0" anchor="ctr">
+                    <a:solidFill>
+                      <a:schemeClr val="accent5">
+                        <a:lumMod val="20000"/>
+                        <a:lumOff val="80000"/>
+                      </a:schemeClr>
+                    </a:solidFill>
+                  </a:tcPr>
+                </a:tc>
+                <a:tc>
+                  <a:txBody>
+                    <a:bodyPr/>
+                    <a:lstStyle/>
+                    <a:p>
+                      <a:pPr algn="ctr" rtl="0" fontAlgn="ctr"/>
+                      <a:r>
+                        <a:rPr lang="en-US" sz="1200" b="0" i="0" u="none" strike="noStrike" kern="1200" dirty="0">
+                          <a:solidFill>
+                            <a:srgbClr val="000000"/>
+                          </a:solidFill>
+                          <a:effectLst/>
+                          <a:latin typeface="+mn-lt"/>
+                          <a:ea typeface="+mn-ea"/>
+                          <a:cs typeface="+mn-cs"/>
+                        </a:rPr>
+                        <a:t>Regime</a:t>
+                      </a:r>
+                    </a:p>
+                  </a:txBody>
+                  <a:tcPr marL="9525" marR="9525" marT="9525" marB="0" anchor="ctr">
+                    <a:solidFill>
+                      <a:schemeClr val="accent5">
+                        <a:lumMod val="20000"/>
+                        <a:lumOff val="80000"/>
+                      </a:schemeClr>
+                    </a:solidFill>
+                  </a:tcPr>
+                </a:tc>
+                <a:tc>
+                  <a:txBody>
+                    <a:bodyPr/>
+                    <a:lstStyle/>
+                    <a:p>
+                      <a:pPr algn="ctr" rtl="0" fontAlgn="ctr"/>
+                      <a:r>
+                        <a:rPr lang="en-US" sz="1200" b="0" i="0" u="none" strike="noStrike" kern="1200" dirty="0">
+                          <a:solidFill>
+                            <a:srgbClr val="000000"/>
+                          </a:solidFill>
+                          <a:effectLst/>
+                          <a:latin typeface="+mn-lt"/>
+                          <a:ea typeface="+mn-ea"/>
+                          <a:cs typeface="+mn-cs"/>
+                        </a:rPr>
+                        <a:t>2</a:t>
+                      </a:r>
+                    </a:p>
+                  </a:txBody>
+                  <a:tcPr marL="9525" marR="9525" marT="9525" marB="0" anchor="ctr">
+                    <a:solidFill>
+                      <a:schemeClr val="accent5">
+                        <a:lumMod val="20000"/>
+                        <a:lumOff val="80000"/>
+                      </a:schemeClr>
+                    </a:solidFill>
+                  </a:tcPr>
+                </a:tc>
+                <a:tc>
+                  <a:txBody>
+                    <a:bodyPr/>
+                    <a:lstStyle/>
+                    <a:p>
+                      <a:pPr marL="0" algn="ctr" defTabSz="914400" rtl="0" eaLnBrk="1" fontAlgn="ctr" latinLnBrk="0" hangingPunct="1"/>
+                      <a:r>
+                        <a:rPr lang="en-US" sz="1200" b="0" i="0" u="none" strike="noStrike" kern="1200" dirty="0">
+                          <a:solidFill>
+                            <a:srgbClr val="000000"/>
+                          </a:solidFill>
+                          <a:effectLst/>
+                          <a:latin typeface="+mn-lt"/>
+                          <a:ea typeface="+mn-ea"/>
+                          <a:cs typeface="+mn-cs"/>
+                        </a:rPr>
+                        <a:t>0</a:t>
+                      </a:r>
+                    </a:p>
+                  </a:txBody>
+                  <a:tcPr marL="9525" marR="9525" marT="9525" marB="0" anchor="ctr">
+                    <a:solidFill>
+                      <a:schemeClr val="accent5">
+                        <a:lumMod val="20000"/>
+                        <a:lumOff val="80000"/>
+                      </a:schemeClr>
+                    </a:solidFill>
+                  </a:tcPr>
+                </a:tc>
+                <a:extLst>
+                  <a:ext uri="{0D108BD9-81ED-4DB2-BD59-A6C34878D82A}">
+                    <a16:rowId xmlns:a16="http://schemas.microsoft.com/office/drawing/2014/main" val="2779463443"/>
+                  </a:ext>
+                </a:extLst>
+              </a:tr>
+              <a:tr h="187740">
+                <a:tc>
+                  <a:txBody>
+                    <a:bodyPr/>
+                    <a:lstStyle/>
+                    <a:p>
+                      <a:pPr algn="ctr" fontAlgn="b"/>
+                      <a:r>
+                        <a:rPr lang="en-US" sz="1200" b="0" i="0" u="none" strike="noStrike" dirty="0">
+                          <a:solidFill>
+                            <a:srgbClr val="000000"/>
+                          </a:solidFill>
+                          <a:effectLst/>
+                          <a:latin typeface="+mn-lt"/>
+                        </a:rPr>
+                        <a:t>Algeria</a:t>
+                      </a:r>
+                      <a:endParaRPr lang="en-US" sz="1200" b="0" i="0" u="none" strike="noStrike" kern="1200" dirty="0">
+                        <a:solidFill>
+                          <a:srgbClr val="000000"/>
+                        </a:solidFill>
+                        <a:effectLst/>
+                        <a:latin typeface="+mn-lt"/>
+                        <a:ea typeface="+mn-ea"/>
+                        <a:cs typeface="+mn-cs"/>
+                      </a:endParaRPr>
+                    </a:p>
+                  </a:txBody>
+                  <a:tcPr marL="9525" marR="9525" marT="9525" marB="0" anchor="ctr">
+                    <a:solidFill>
+                      <a:schemeClr val="accent5">
+                        <a:lumMod val="20000"/>
+                        <a:lumOff val="80000"/>
+                      </a:schemeClr>
+                    </a:solidFill>
+                  </a:tcPr>
+                </a:tc>
+                <a:tc>
+                  <a:txBody>
+                    <a:bodyPr/>
+                    <a:lstStyle/>
+                    <a:p>
+                      <a:pPr algn="ctr" rtl="0" fontAlgn="ctr"/>
+                      <a:r>
+                        <a:rPr lang="en-US" sz="1200" b="0" i="0" u="none" strike="noStrike" kern="1200">
+                          <a:solidFill>
+                            <a:srgbClr val="000000"/>
+                          </a:solidFill>
+                          <a:effectLst/>
+                          <a:latin typeface="+mn-lt"/>
+                          <a:ea typeface="+mn-ea"/>
+                          <a:cs typeface="+mn-cs"/>
+                        </a:rPr>
+                        <a:t>1999</a:t>
+                      </a:r>
+                    </a:p>
+                  </a:txBody>
+                  <a:tcPr marL="9525" marR="9525" marT="9525" marB="0" anchor="ctr">
+                    <a:solidFill>
+                      <a:schemeClr val="accent5">
+                        <a:lumMod val="20000"/>
+                        <a:lumOff val="80000"/>
+                      </a:schemeClr>
+                    </a:solidFill>
+                  </a:tcPr>
+                </a:tc>
+                <a:tc>
+                  <a:txBody>
+                    <a:bodyPr/>
+                    <a:lstStyle/>
+                    <a:p>
+                      <a:pPr algn="ctr" rtl="0" fontAlgn="ctr"/>
+                      <a:r>
+                        <a:rPr lang="en-US" sz="1200" b="0" i="0" u="none" strike="noStrike" kern="1200" dirty="0" err="1">
+                          <a:solidFill>
+                            <a:srgbClr val="000000"/>
+                          </a:solidFill>
+                          <a:effectLst/>
+                          <a:latin typeface="+mn-lt"/>
+                          <a:ea typeface="+mn-ea"/>
+                          <a:cs typeface="+mn-cs"/>
+                        </a:rPr>
+                        <a:t>Zeroual</a:t>
+                      </a:r>
+                      <a:endParaRPr lang="en-US" sz="1200" b="0" i="0" u="none" strike="noStrike" kern="1200" dirty="0">
+                        <a:solidFill>
+                          <a:srgbClr val="000000"/>
+                        </a:solidFill>
+                        <a:effectLst/>
+                        <a:latin typeface="+mn-lt"/>
+                        <a:ea typeface="+mn-ea"/>
+                        <a:cs typeface="+mn-cs"/>
+                      </a:endParaRPr>
+                    </a:p>
+                  </a:txBody>
+                  <a:tcPr marL="9525" marR="9525" marT="9525" marB="0" anchor="ctr">
+                    <a:solidFill>
+                      <a:schemeClr val="accent5">
+                        <a:lumMod val="20000"/>
+                        <a:lumOff val="80000"/>
+                      </a:schemeClr>
+                    </a:solidFill>
+                  </a:tcPr>
+                </a:tc>
+                <a:tc>
+                  <a:txBody>
+                    <a:bodyPr/>
+                    <a:lstStyle/>
+                    <a:p>
+                      <a:pPr algn="ctr" rtl="0" fontAlgn="ctr"/>
+                      <a:r>
+                        <a:rPr lang="en-US" sz="1200" b="0" i="0" u="none" strike="noStrike" kern="1200">
+                          <a:solidFill>
+                            <a:srgbClr val="000000"/>
+                          </a:solidFill>
+                          <a:effectLst/>
+                          <a:latin typeface="+mn-lt"/>
+                          <a:ea typeface="+mn-ea"/>
+                          <a:cs typeface="+mn-cs"/>
+                        </a:rPr>
+                        <a:t>Dict.</a:t>
+                      </a:r>
+                    </a:p>
+                  </a:txBody>
+                  <a:tcPr marL="9525" marR="9525" marT="9525" marB="0" anchor="ctr">
+                    <a:solidFill>
+                      <a:schemeClr val="accent5">
+                        <a:lumMod val="20000"/>
+                        <a:lumOff val="80000"/>
+                      </a:schemeClr>
+                    </a:solidFill>
+                  </a:tcPr>
+                </a:tc>
+                <a:tc>
+                  <a:txBody>
+                    <a:bodyPr/>
+                    <a:lstStyle/>
+                    <a:p>
+                      <a:pPr algn="ctr" rtl="0" fontAlgn="ctr"/>
+                      <a:r>
+                        <a:rPr lang="en-US" sz="1200" b="0" i="0" u="none" strike="noStrike" kern="1200">
+                          <a:solidFill>
+                            <a:srgbClr val="000000"/>
+                          </a:solidFill>
+                          <a:effectLst/>
+                          <a:latin typeface="+mn-lt"/>
+                          <a:ea typeface="+mn-ea"/>
+                          <a:cs typeface="+mn-cs"/>
+                        </a:rPr>
+                        <a:t>Regime</a:t>
+                      </a:r>
+                    </a:p>
+                  </a:txBody>
+                  <a:tcPr marL="9525" marR="9525" marT="9525" marB="0" anchor="ctr">
+                    <a:solidFill>
+                      <a:schemeClr val="accent5">
+                        <a:lumMod val="20000"/>
+                        <a:lumOff val="80000"/>
+                      </a:schemeClr>
+                    </a:solidFill>
+                  </a:tcPr>
+                </a:tc>
+                <a:tc>
+                  <a:txBody>
+                    <a:bodyPr/>
+                    <a:lstStyle/>
+                    <a:p>
+                      <a:pPr algn="ctr" rtl="0" fontAlgn="ctr"/>
+                      <a:r>
+                        <a:rPr lang="en-US" sz="1200" b="0" i="0" u="none" strike="noStrike" kern="1200" dirty="0">
+                          <a:solidFill>
+                            <a:srgbClr val="000000"/>
+                          </a:solidFill>
+                          <a:effectLst/>
+                          <a:latin typeface="+mn-lt"/>
+                          <a:ea typeface="+mn-ea"/>
+                          <a:cs typeface="+mn-cs"/>
+                        </a:rPr>
+                        <a:t>2</a:t>
+                      </a:r>
+                    </a:p>
+                  </a:txBody>
+                  <a:tcPr marL="9525" marR="9525" marT="9525" marB="0" anchor="ctr">
+                    <a:solidFill>
+                      <a:schemeClr val="accent5">
+                        <a:lumMod val="20000"/>
+                        <a:lumOff val="80000"/>
+                      </a:schemeClr>
+                    </a:solidFill>
+                  </a:tcPr>
+                </a:tc>
+                <a:tc>
+                  <a:txBody>
+                    <a:bodyPr/>
+                    <a:lstStyle/>
+                    <a:p>
+                      <a:pPr marL="0" algn="ctr" defTabSz="914400" rtl="0" eaLnBrk="1" fontAlgn="ctr" latinLnBrk="0" hangingPunct="1"/>
+                      <a:r>
+                        <a:rPr lang="en-US" sz="1200" b="0" i="0" u="none" strike="noStrike" kern="1200" dirty="0">
+                          <a:solidFill>
+                            <a:srgbClr val="000000"/>
+                          </a:solidFill>
+                          <a:effectLst/>
+                          <a:latin typeface="+mn-lt"/>
+                          <a:ea typeface="+mn-ea"/>
+                          <a:cs typeface="+mn-cs"/>
+                        </a:rPr>
+                        <a:t>0</a:t>
+                      </a:r>
+                    </a:p>
+                  </a:txBody>
+                  <a:tcPr marL="9525" marR="9525" marT="9525" marB="0" anchor="ctr">
+                    <a:solidFill>
+                      <a:schemeClr val="accent5">
+                        <a:lumMod val="20000"/>
+                        <a:lumOff val="80000"/>
+                      </a:schemeClr>
+                    </a:solidFill>
+                  </a:tcPr>
+                </a:tc>
+                <a:extLst>
+                  <a:ext uri="{0D108BD9-81ED-4DB2-BD59-A6C34878D82A}">
+                    <a16:rowId xmlns:a16="http://schemas.microsoft.com/office/drawing/2014/main" val="3773459128"/>
+                  </a:ext>
+                </a:extLst>
+              </a:tr>
+              <a:tr h="366187">
+                <a:tc>
+                  <a:txBody>
+                    <a:bodyPr/>
+                    <a:lstStyle/>
+                    <a:p>
+                      <a:pPr algn="ctr" fontAlgn="b"/>
+                      <a:r>
+                        <a:rPr lang="en-US" sz="1200" b="0" i="0" u="none" strike="noStrike" kern="1200" dirty="0">
+                          <a:solidFill>
+                            <a:srgbClr val="000000"/>
+                          </a:solidFill>
+                          <a:effectLst/>
+                          <a:latin typeface="+mn-lt"/>
+                          <a:ea typeface="+mn-ea"/>
+                          <a:cs typeface="+mn-cs"/>
+                        </a:rPr>
+                        <a:t>Egypt</a:t>
+                      </a:r>
+                    </a:p>
+                  </a:txBody>
+                  <a:tcPr marL="9525" marR="9525" marT="9525" marB="0" anchor="ctr">
+                    <a:solidFill>
+                      <a:srgbClr val="E7F0F9"/>
+                    </a:solidFill>
+                  </a:tcPr>
+                </a:tc>
+                <a:tc>
+                  <a:txBody>
+                    <a:bodyPr/>
+                    <a:lstStyle/>
+                    <a:p>
+                      <a:pPr algn="ctr" rtl="0" fontAlgn="ctr"/>
+                      <a:r>
+                        <a:rPr lang="en-US" sz="1200" b="0" i="0" u="none" strike="noStrike" kern="1200">
+                          <a:solidFill>
+                            <a:srgbClr val="000000"/>
+                          </a:solidFill>
+                          <a:effectLst/>
+                          <a:latin typeface="+mn-lt"/>
+                          <a:ea typeface="+mn-ea"/>
+                          <a:cs typeface="+mn-cs"/>
+                        </a:rPr>
+                        <a:t>2013</a:t>
+                      </a:r>
+                    </a:p>
+                  </a:txBody>
+                  <a:tcPr marL="9525" marR="9525" marT="9525" marB="0" anchor="ctr">
+                    <a:solidFill>
+                      <a:srgbClr val="E7F0F9"/>
+                    </a:solidFill>
+                  </a:tcPr>
+                </a:tc>
+                <a:tc>
+                  <a:txBody>
+                    <a:bodyPr/>
+                    <a:lstStyle/>
+                    <a:p>
+                      <a:pPr algn="ctr" fontAlgn="b"/>
+                      <a:r>
+                        <a:rPr lang="en-US" sz="1200" b="0" i="0" u="none" strike="noStrike" kern="1200" dirty="0">
+                          <a:solidFill>
+                            <a:srgbClr val="000000"/>
+                          </a:solidFill>
+                          <a:effectLst/>
+                          <a:latin typeface="+mn-lt"/>
+                          <a:ea typeface="+mn-ea"/>
+                          <a:cs typeface="+mn-cs"/>
+                        </a:rPr>
+                        <a:t>Mansour</a:t>
+                      </a:r>
+                    </a:p>
+                  </a:txBody>
+                  <a:tcPr marL="9525" marR="9525" marT="9525" marB="0" anchor="ctr">
+                    <a:solidFill>
+                      <a:srgbClr val="E7F0F9"/>
+                    </a:solidFill>
+                  </a:tcPr>
+                </a:tc>
+                <a:tc>
+                  <a:txBody>
+                    <a:bodyPr/>
+                    <a:lstStyle/>
+                    <a:p>
+                      <a:pPr algn="ctr" rtl="0" fontAlgn="ctr"/>
+                      <a:r>
+                        <a:rPr lang="en-US" sz="1200" b="0" i="0" u="none" strike="noStrike" kern="1200">
+                          <a:solidFill>
+                            <a:srgbClr val="000000"/>
+                          </a:solidFill>
+                          <a:effectLst/>
+                          <a:latin typeface="+mn-lt"/>
+                          <a:ea typeface="+mn-ea"/>
+                          <a:cs typeface="+mn-cs"/>
+                        </a:rPr>
+                        <a:t>Dict.</a:t>
+                      </a:r>
+                    </a:p>
+                  </a:txBody>
+                  <a:tcPr marL="9525" marR="9525" marT="9525" marB="0" anchor="ctr">
+                    <a:solidFill>
+                      <a:srgbClr val="E7F0F9"/>
+                    </a:solidFill>
+                  </a:tcPr>
+                </a:tc>
+                <a:tc>
+                  <a:txBody>
+                    <a:bodyPr/>
+                    <a:lstStyle/>
+                    <a:p>
+                      <a:pPr marL="0" marR="0" lvl="0" indent="0" algn="ctr" defTabSz="457200" rtl="0" eaLnBrk="1" fontAlgn="ctr" latinLnBrk="0" hangingPunct="1">
+                        <a:lnSpc>
+                          <a:spcPct val="100000"/>
+                        </a:lnSpc>
+                        <a:spcBef>
+                          <a:spcPts val="0"/>
+                        </a:spcBef>
+                        <a:spcAft>
+                          <a:spcPts val="0"/>
+                        </a:spcAft>
+                        <a:buClrTx/>
+                        <a:buSzTx/>
+                        <a:buFontTx/>
+                        <a:buNone/>
+                        <a:tabLst/>
+                        <a:defRPr/>
+                      </a:pPr>
+                      <a:r>
+                        <a:rPr lang="en-US" sz="1200" b="0" i="0" u="none" strike="noStrike" kern="1200" dirty="0" err="1">
+                          <a:solidFill>
+                            <a:srgbClr val="000000"/>
+                          </a:solidFill>
+                          <a:effectLst/>
+                          <a:latin typeface="+mn-lt"/>
+                          <a:ea typeface="+mn-ea"/>
+                          <a:cs typeface="+mn-cs"/>
+                        </a:rPr>
+                        <a:t>Opposit</a:t>
+                      </a:r>
+                      <a:r>
+                        <a:rPr lang="en-US" sz="1200" b="0" i="0" u="none" strike="noStrike" kern="1200" dirty="0">
+                          <a:solidFill>
+                            <a:srgbClr val="000000"/>
+                          </a:solidFill>
+                          <a:effectLst/>
+                          <a:latin typeface="+mn-lt"/>
+                          <a:ea typeface="+mn-ea"/>
+                          <a:cs typeface="+mn-cs"/>
+                        </a:rPr>
+                        <a:t>-ion</a:t>
+                      </a:r>
+                    </a:p>
+                  </a:txBody>
+                  <a:tcPr marL="9525" marR="9525" marT="9525" marB="0" anchor="ctr">
+                    <a:solidFill>
+                      <a:srgbClr val="E7F0F9"/>
+                    </a:solidFill>
+                  </a:tcPr>
+                </a:tc>
+                <a:tc>
+                  <a:txBody>
+                    <a:bodyPr/>
+                    <a:lstStyle/>
+                    <a:p>
+                      <a:pPr algn="ctr" rtl="0" fontAlgn="ctr"/>
+                      <a:r>
+                        <a:rPr lang="en-US" sz="1200" b="0" i="0" u="none" strike="noStrike" kern="1200">
+                          <a:solidFill>
+                            <a:srgbClr val="000000"/>
+                          </a:solidFill>
+                          <a:effectLst/>
+                          <a:latin typeface="+mn-lt"/>
+                          <a:ea typeface="+mn-ea"/>
+                          <a:cs typeface="+mn-cs"/>
+                        </a:rPr>
+                        <a:t>2</a:t>
+                      </a:r>
+                    </a:p>
+                  </a:txBody>
+                  <a:tcPr marL="9525" marR="9525" marT="9525" marB="0" anchor="ctr">
+                    <a:solidFill>
+                      <a:srgbClr val="E7F0F9"/>
+                    </a:solidFill>
+                  </a:tcPr>
+                </a:tc>
+                <a:tc>
+                  <a:txBody>
+                    <a:bodyPr/>
+                    <a:lstStyle/>
+                    <a:p>
+                      <a:pPr marL="0" algn="ctr" defTabSz="914400" rtl="0" eaLnBrk="1" fontAlgn="ctr" latinLnBrk="0" hangingPunct="1"/>
+                      <a:r>
+                        <a:rPr lang="en-US" sz="1200" b="0" i="0" u="none" strike="noStrike" kern="1200" dirty="0">
+                          <a:solidFill>
+                            <a:srgbClr val="000000"/>
+                          </a:solidFill>
+                          <a:effectLst/>
+                          <a:latin typeface="+mn-lt"/>
+                          <a:ea typeface="+mn-ea"/>
+                          <a:cs typeface="+mn-cs"/>
+                        </a:rPr>
+                        <a:t>0</a:t>
+                      </a:r>
+                    </a:p>
+                  </a:txBody>
+                  <a:tcPr marL="9525" marR="9525" marT="9525" marB="0" anchor="ctr">
+                    <a:solidFill>
+                      <a:srgbClr val="E7F0F9"/>
+                    </a:solidFill>
+                  </a:tcPr>
+                </a:tc>
+                <a:extLst>
+                  <a:ext uri="{0D108BD9-81ED-4DB2-BD59-A6C34878D82A}">
+                    <a16:rowId xmlns:a16="http://schemas.microsoft.com/office/drawing/2014/main" val="3560999651"/>
+                  </a:ext>
+                </a:extLst>
+              </a:tr>
+              <a:tr h="366187">
+                <a:tc>
+                  <a:txBody>
+                    <a:bodyPr/>
+                    <a:lstStyle/>
+                    <a:p>
+                      <a:pPr algn="ctr" fontAlgn="b"/>
+                      <a:r>
+                        <a:rPr lang="en-US" sz="1200" b="0" i="0" u="none" strike="noStrike" kern="1200" dirty="0">
+                          <a:solidFill>
+                            <a:srgbClr val="000000"/>
+                          </a:solidFill>
+                          <a:effectLst/>
+                          <a:latin typeface="+mn-lt"/>
+                          <a:ea typeface="+mn-ea"/>
+                          <a:cs typeface="+mn-cs"/>
+                        </a:rPr>
+                        <a:t>Egypt</a:t>
+                      </a:r>
+                    </a:p>
+                  </a:txBody>
+                  <a:tcPr marL="9525" marR="9525" marT="9525" marB="0" anchor="ctr">
+                    <a:solidFill>
+                      <a:srgbClr val="E7F0F9"/>
+                    </a:solidFill>
+                  </a:tcPr>
+                </a:tc>
+                <a:tc>
+                  <a:txBody>
+                    <a:bodyPr/>
+                    <a:lstStyle/>
+                    <a:p>
+                      <a:pPr algn="ctr" rtl="0" fontAlgn="ctr"/>
+                      <a:r>
+                        <a:rPr lang="en-US" sz="1200" b="0" i="0" u="none" strike="noStrike" kern="1200">
+                          <a:solidFill>
+                            <a:srgbClr val="000000"/>
+                          </a:solidFill>
+                          <a:effectLst/>
+                          <a:latin typeface="+mn-lt"/>
+                          <a:ea typeface="+mn-ea"/>
+                          <a:cs typeface="+mn-cs"/>
+                        </a:rPr>
+                        <a:t>2014</a:t>
+                      </a:r>
+                    </a:p>
+                  </a:txBody>
+                  <a:tcPr marL="9525" marR="9525" marT="9525" marB="0" anchor="ctr">
+                    <a:solidFill>
+                      <a:srgbClr val="E7F0F9"/>
+                    </a:solidFill>
+                  </a:tcPr>
+                </a:tc>
+                <a:tc>
+                  <a:txBody>
+                    <a:bodyPr/>
+                    <a:lstStyle/>
+                    <a:p>
+                      <a:pPr algn="ctr" fontAlgn="b"/>
+                      <a:r>
+                        <a:rPr lang="en-US" sz="1200" b="0" i="0" u="none" strike="noStrike" kern="1200" dirty="0">
+                          <a:solidFill>
+                            <a:srgbClr val="000000"/>
+                          </a:solidFill>
+                          <a:effectLst/>
+                          <a:latin typeface="+mn-lt"/>
+                          <a:ea typeface="+mn-ea"/>
+                          <a:cs typeface="+mn-cs"/>
+                        </a:rPr>
+                        <a:t>Mansour</a:t>
+                      </a:r>
+                    </a:p>
+                  </a:txBody>
+                  <a:tcPr marL="9525" marR="9525" marT="9525" marB="0" anchor="ctr">
+                    <a:solidFill>
+                      <a:srgbClr val="E7F0F9"/>
+                    </a:solidFill>
+                  </a:tcPr>
+                </a:tc>
+                <a:tc>
+                  <a:txBody>
+                    <a:bodyPr/>
+                    <a:lstStyle/>
+                    <a:p>
+                      <a:pPr algn="ctr" rtl="0" fontAlgn="ctr"/>
+                      <a:r>
+                        <a:rPr lang="en-US" sz="1200" b="0" i="0" u="none" strike="noStrike" kern="1200" dirty="0">
+                          <a:solidFill>
+                            <a:srgbClr val="000000"/>
+                          </a:solidFill>
+                          <a:effectLst/>
+                          <a:latin typeface="+mn-lt"/>
+                          <a:ea typeface="+mn-ea"/>
+                          <a:cs typeface="+mn-cs"/>
+                        </a:rPr>
+                        <a:t>Dict.</a:t>
+                      </a:r>
+                    </a:p>
+                  </a:txBody>
+                  <a:tcPr marL="9525" marR="9525" marT="9525" marB="0" anchor="ctr">
+                    <a:solidFill>
+                      <a:srgbClr val="E7F0F9"/>
+                    </a:solidFill>
+                  </a:tcPr>
+                </a:tc>
+                <a:tc>
+                  <a:txBody>
+                    <a:bodyPr/>
+                    <a:lstStyle/>
+                    <a:p>
+                      <a:pPr marL="0" marR="0" lvl="0" indent="0" algn="ctr" defTabSz="457200" rtl="0" eaLnBrk="1" fontAlgn="ctr" latinLnBrk="0" hangingPunct="1">
+                        <a:lnSpc>
+                          <a:spcPct val="100000"/>
+                        </a:lnSpc>
+                        <a:spcBef>
+                          <a:spcPts val="0"/>
+                        </a:spcBef>
+                        <a:spcAft>
+                          <a:spcPts val="0"/>
+                        </a:spcAft>
+                        <a:buClrTx/>
+                        <a:buSzTx/>
+                        <a:buFontTx/>
+                        <a:buNone/>
+                        <a:tabLst/>
+                        <a:defRPr/>
+                      </a:pPr>
+                      <a:r>
+                        <a:rPr lang="en-US" sz="1200" b="0" i="0" u="none" strike="noStrike" kern="1200" dirty="0" err="1">
+                          <a:solidFill>
+                            <a:srgbClr val="000000"/>
+                          </a:solidFill>
+                          <a:effectLst/>
+                          <a:latin typeface="+mn-lt"/>
+                          <a:ea typeface="+mn-ea"/>
+                          <a:cs typeface="+mn-cs"/>
+                        </a:rPr>
+                        <a:t>Opposit</a:t>
+                      </a:r>
+                      <a:r>
+                        <a:rPr lang="en-US" sz="1200" b="0" i="0" u="none" strike="noStrike" kern="1200" dirty="0">
+                          <a:solidFill>
+                            <a:srgbClr val="000000"/>
+                          </a:solidFill>
+                          <a:effectLst/>
+                          <a:latin typeface="+mn-lt"/>
+                          <a:ea typeface="+mn-ea"/>
+                          <a:cs typeface="+mn-cs"/>
+                        </a:rPr>
+                        <a:t>-ion</a:t>
+                      </a:r>
+                    </a:p>
+                  </a:txBody>
+                  <a:tcPr marL="9525" marR="9525" marT="9525" marB="0" anchor="ctr">
+                    <a:solidFill>
+                      <a:srgbClr val="E7F0F9"/>
+                    </a:solidFill>
+                  </a:tcPr>
+                </a:tc>
+                <a:tc>
+                  <a:txBody>
+                    <a:bodyPr/>
+                    <a:lstStyle/>
+                    <a:p>
+                      <a:pPr algn="ctr" rtl="0" fontAlgn="ctr"/>
+                      <a:r>
+                        <a:rPr lang="en-US" sz="1200" b="0" i="0" u="none" strike="noStrike" kern="1200" dirty="0">
+                          <a:solidFill>
+                            <a:srgbClr val="000000"/>
+                          </a:solidFill>
+                          <a:effectLst/>
+                          <a:latin typeface="+mn-lt"/>
+                          <a:ea typeface="+mn-ea"/>
+                          <a:cs typeface="+mn-cs"/>
+                        </a:rPr>
+                        <a:t>2</a:t>
+                      </a:r>
+                    </a:p>
+                  </a:txBody>
+                  <a:tcPr marL="9525" marR="9525" marT="9525" marB="0" anchor="ctr">
+                    <a:solidFill>
+                      <a:srgbClr val="E7F0F9"/>
+                    </a:solidFill>
+                  </a:tcPr>
+                </a:tc>
+                <a:tc>
+                  <a:txBody>
+                    <a:bodyPr/>
+                    <a:lstStyle/>
+                    <a:p>
+                      <a:pPr marL="0" algn="ctr" defTabSz="914400" rtl="0" eaLnBrk="1" fontAlgn="ctr" latinLnBrk="0" hangingPunct="1"/>
+                      <a:r>
+                        <a:rPr lang="en-US" sz="1200" b="0" i="0" u="none" strike="noStrike" kern="1200" dirty="0">
+                          <a:solidFill>
+                            <a:srgbClr val="000000"/>
+                          </a:solidFill>
+                          <a:effectLst/>
+                          <a:latin typeface="+mn-lt"/>
+                          <a:ea typeface="+mn-ea"/>
+                          <a:cs typeface="+mn-cs"/>
+                        </a:rPr>
+                        <a:t>0</a:t>
+                      </a:r>
+                    </a:p>
+                  </a:txBody>
+                  <a:tcPr marL="9525" marR="9525" marT="9525" marB="0" anchor="ctr">
+                    <a:solidFill>
+                      <a:srgbClr val="E7F0F9"/>
+                    </a:solidFill>
+                  </a:tcPr>
+                </a:tc>
+                <a:extLst>
+                  <a:ext uri="{0D108BD9-81ED-4DB2-BD59-A6C34878D82A}">
+                    <a16:rowId xmlns:a16="http://schemas.microsoft.com/office/drawing/2014/main" val="2609776021"/>
+                  </a:ext>
+                </a:extLst>
+              </a:tr>
+              <a:tr h="366187">
+                <a:tc>
+                  <a:txBody>
+                    <a:bodyPr/>
+                    <a:lstStyle/>
+                    <a:p>
+                      <a:pPr algn="ctr" rtl="0" fontAlgn="ctr"/>
+                      <a:r>
+                        <a:rPr lang="en-US" sz="1200" b="0" i="0" u="none" strike="noStrike" kern="1200" dirty="0" err="1">
+                          <a:solidFill>
+                            <a:srgbClr val="000000"/>
+                          </a:solidFill>
+                          <a:effectLst/>
+                          <a:latin typeface="+mn-lt"/>
+                          <a:ea typeface="+mn-ea"/>
+                          <a:cs typeface="+mn-cs"/>
+                        </a:rPr>
+                        <a:t>Nambia</a:t>
+                      </a:r>
+                      <a:endParaRPr lang="en-US" sz="1200" b="0" i="0" u="none" strike="noStrike" kern="1200" dirty="0">
+                        <a:solidFill>
+                          <a:srgbClr val="000000"/>
+                        </a:solidFill>
+                        <a:effectLst/>
+                        <a:latin typeface="+mn-lt"/>
+                        <a:ea typeface="+mn-ea"/>
+                        <a:cs typeface="+mn-cs"/>
+                      </a:endParaRPr>
+                    </a:p>
+                  </a:txBody>
+                  <a:tcPr marL="9525" marR="9525" marT="9525" marB="0" anchor="ctr">
+                    <a:solidFill>
+                      <a:schemeClr val="accent5">
+                        <a:lumMod val="20000"/>
+                        <a:lumOff val="80000"/>
+                      </a:schemeClr>
+                    </a:solidFill>
+                  </a:tcPr>
+                </a:tc>
+                <a:tc>
+                  <a:txBody>
+                    <a:bodyPr/>
+                    <a:lstStyle/>
+                    <a:p>
+                      <a:pPr algn="ctr" rtl="0" fontAlgn="ctr"/>
+                      <a:r>
+                        <a:rPr lang="en-US" sz="1200" b="0" i="0" u="none" strike="noStrike" kern="1200">
+                          <a:solidFill>
+                            <a:srgbClr val="000000"/>
+                          </a:solidFill>
+                          <a:effectLst/>
+                          <a:latin typeface="+mn-lt"/>
+                          <a:ea typeface="+mn-ea"/>
+                          <a:cs typeface="+mn-cs"/>
+                        </a:rPr>
+                        <a:t>2005</a:t>
+                      </a:r>
+                    </a:p>
+                  </a:txBody>
+                  <a:tcPr marL="9525" marR="9525" marT="9525" marB="0" anchor="ctr">
+                    <a:solidFill>
+                      <a:schemeClr val="accent5">
+                        <a:lumMod val="20000"/>
+                        <a:lumOff val="80000"/>
+                      </a:schemeClr>
+                    </a:solidFill>
+                  </a:tcPr>
+                </a:tc>
+                <a:tc>
+                  <a:txBody>
+                    <a:bodyPr/>
+                    <a:lstStyle/>
+                    <a:p>
+                      <a:pPr algn="ctr" rtl="0" fontAlgn="ctr"/>
+                      <a:r>
+                        <a:rPr lang="en-US" sz="1200" b="0" i="0" u="none" strike="noStrike" kern="1200" dirty="0" err="1">
+                          <a:solidFill>
+                            <a:srgbClr val="000000"/>
+                          </a:solidFill>
+                          <a:effectLst/>
+                          <a:latin typeface="+mn-lt"/>
+                          <a:ea typeface="+mn-ea"/>
+                          <a:cs typeface="+mn-cs"/>
+                        </a:rPr>
+                        <a:t>Pohamb</a:t>
+                      </a:r>
+                      <a:endParaRPr lang="en-US" sz="1200" b="0" i="0" u="none" strike="noStrike" kern="1200" dirty="0">
+                        <a:solidFill>
+                          <a:srgbClr val="000000"/>
+                        </a:solidFill>
+                        <a:effectLst/>
+                        <a:latin typeface="+mn-lt"/>
+                        <a:ea typeface="+mn-ea"/>
+                        <a:cs typeface="+mn-cs"/>
+                      </a:endParaRPr>
+                    </a:p>
+                  </a:txBody>
+                  <a:tcPr marL="9525" marR="9525" marT="9525" marB="0" anchor="ctr">
+                    <a:solidFill>
+                      <a:schemeClr val="accent5">
+                        <a:lumMod val="20000"/>
+                        <a:lumOff val="80000"/>
+                      </a:schemeClr>
+                    </a:solidFill>
+                  </a:tcPr>
+                </a:tc>
+                <a:tc>
+                  <a:txBody>
+                    <a:bodyPr/>
+                    <a:lstStyle/>
+                    <a:p>
+                      <a:pPr algn="ctr" rtl="0" fontAlgn="ctr"/>
+                      <a:r>
+                        <a:rPr lang="en-US" sz="1200" b="0" i="0" u="none" strike="noStrike" kern="1200" dirty="0">
+                          <a:solidFill>
+                            <a:srgbClr val="000000"/>
+                          </a:solidFill>
+                          <a:effectLst/>
+                          <a:latin typeface="+mn-lt"/>
+                          <a:ea typeface="+mn-ea"/>
+                          <a:cs typeface="+mn-cs"/>
+                        </a:rPr>
+                        <a:t>Dict.</a:t>
+                      </a:r>
+                    </a:p>
+                  </a:txBody>
+                  <a:tcPr marL="9525" marR="9525" marT="9525" marB="0" anchor="ctr">
+                    <a:solidFill>
+                      <a:schemeClr val="accent5">
+                        <a:lumMod val="20000"/>
+                        <a:lumOff val="80000"/>
+                      </a:schemeClr>
+                    </a:solidFill>
+                  </a:tcPr>
+                </a:tc>
+                <a:tc>
+                  <a:txBody>
+                    <a:bodyPr/>
+                    <a:lstStyle/>
+                    <a:p>
+                      <a:pPr marL="0" marR="0" lvl="0" indent="0" algn="ctr" defTabSz="457200" rtl="0" eaLnBrk="1" fontAlgn="ctr" latinLnBrk="0" hangingPunct="1">
+                        <a:lnSpc>
+                          <a:spcPct val="100000"/>
+                        </a:lnSpc>
+                        <a:spcBef>
+                          <a:spcPts val="0"/>
+                        </a:spcBef>
+                        <a:spcAft>
+                          <a:spcPts val="0"/>
+                        </a:spcAft>
+                        <a:buClrTx/>
+                        <a:buSzTx/>
+                        <a:buFontTx/>
+                        <a:buNone/>
+                        <a:tabLst/>
+                        <a:defRPr/>
+                      </a:pPr>
+                      <a:r>
+                        <a:rPr lang="en-US" sz="1200" b="0" i="0" u="none" strike="noStrike" kern="1200" dirty="0" err="1">
+                          <a:solidFill>
+                            <a:srgbClr val="000000"/>
+                          </a:solidFill>
+                          <a:effectLst/>
+                          <a:latin typeface="+mn-lt"/>
+                          <a:ea typeface="+mn-ea"/>
+                          <a:cs typeface="+mn-cs"/>
+                        </a:rPr>
+                        <a:t>Opposit</a:t>
+                      </a:r>
+                      <a:r>
+                        <a:rPr lang="en-US" sz="1200" b="0" i="0" u="none" strike="noStrike" kern="1200" dirty="0">
+                          <a:solidFill>
+                            <a:srgbClr val="000000"/>
+                          </a:solidFill>
+                          <a:effectLst/>
+                          <a:latin typeface="+mn-lt"/>
+                          <a:ea typeface="+mn-ea"/>
+                          <a:cs typeface="+mn-cs"/>
+                        </a:rPr>
+                        <a:t>-ion</a:t>
+                      </a:r>
+                    </a:p>
+                  </a:txBody>
+                  <a:tcPr marL="9525" marR="9525" marT="9525" marB="0" anchor="ctr">
+                    <a:solidFill>
+                      <a:schemeClr val="accent5">
+                        <a:lumMod val="20000"/>
+                        <a:lumOff val="80000"/>
+                      </a:schemeClr>
+                    </a:solidFill>
+                  </a:tcPr>
+                </a:tc>
+                <a:tc>
+                  <a:txBody>
+                    <a:bodyPr/>
+                    <a:lstStyle/>
+                    <a:p>
+                      <a:pPr algn="ctr" rtl="0" fontAlgn="ctr"/>
+                      <a:r>
+                        <a:rPr lang="en-US" sz="1200" b="0" i="0" u="none" strike="noStrike" kern="1200" dirty="0">
+                          <a:solidFill>
+                            <a:srgbClr val="000000"/>
+                          </a:solidFill>
+                          <a:effectLst/>
+                          <a:latin typeface="+mn-lt"/>
+                          <a:ea typeface="+mn-ea"/>
+                          <a:cs typeface="+mn-cs"/>
+                        </a:rPr>
+                        <a:t>0</a:t>
+                      </a:r>
+                    </a:p>
+                  </a:txBody>
+                  <a:tcPr marL="9525" marR="9525" marT="9525" marB="0" anchor="ctr">
+                    <a:solidFill>
+                      <a:schemeClr val="accent5">
+                        <a:lumMod val="20000"/>
+                        <a:lumOff val="80000"/>
+                      </a:schemeClr>
+                    </a:solidFill>
+                  </a:tcPr>
+                </a:tc>
+                <a:tc>
+                  <a:txBody>
+                    <a:bodyPr/>
+                    <a:lstStyle/>
+                    <a:p>
+                      <a:pPr marL="0" algn="ctr" defTabSz="914400" rtl="0" eaLnBrk="1" fontAlgn="ctr" latinLnBrk="0" hangingPunct="1"/>
+                      <a:r>
+                        <a:rPr lang="en-US" sz="1200" b="0" i="0" u="none" strike="noStrike" kern="1200" dirty="0">
+                          <a:solidFill>
+                            <a:srgbClr val="000000"/>
+                          </a:solidFill>
+                          <a:effectLst/>
+                          <a:latin typeface="+mn-lt"/>
+                          <a:ea typeface="+mn-ea"/>
+                          <a:cs typeface="+mn-cs"/>
+                        </a:rPr>
+                        <a:t>0</a:t>
+                      </a:r>
+                    </a:p>
+                  </a:txBody>
+                  <a:tcPr marL="9525" marR="9525" marT="9525" marB="0" anchor="ctr">
+                    <a:solidFill>
+                      <a:schemeClr val="accent5">
+                        <a:lumMod val="20000"/>
+                        <a:lumOff val="80000"/>
+                      </a:schemeClr>
+                    </a:solidFill>
+                  </a:tcPr>
+                </a:tc>
+                <a:extLst>
+                  <a:ext uri="{0D108BD9-81ED-4DB2-BD59-A6C34878D82A}">
+                    <a16:rowId xmlns:a16="http://schemas.microsoft.com/office/drawing/2014/main" val="2431220407"/>
+                  </a:ext>
+                </a:extLst>
+              </a:tr>
+              <a:tr h="366187">
+                <a:tc>
+                  <a:txBody>
+                    <a:bodyPr/>
+                    <a:lstStyle/>
+                    <a:p>
+                      <a:pPr marL="0" marR="0" lvl="0" indent="0" algn="ctr" defTabSz="914400" rtl="0" eaLnBrk="1" fontAlgn="b" latinLnBrk="0" hangingPunct="1">
+                        <a:lnSpc>
+                          <a:spcPct val="100000"/>
+                        </a:lnSpc>
+                        <a:spcBef>
+                          <a:spcPts val="0"/>
+                        </a:spcBef>
+                        <a:spcAft>
+                          <a:spcPts val="0"/>
+                        </a:spcAft>
+                        <a:buClrTx/>
+                        <a:buSzTx/>
+                        <a:buFontTx/>
+                        <a:buNone/>
+                        <a:tabLst/>
+                        <a:defRPr/>
+                      </a:pPr>
+                      <a:r>
+                        <a:rPr lang="en-US" sz="1200" b="0" i="0" u="none" strike="noStrike" kern="1200" dirty="0" err="1">
+                          <a:solidFill>
+                            <a:srgbClr val="000000"/>
+                          </a:solidFill>
+                          <a:effectLst/>
+                          <a:latin typeface="+mn-lt"/>
+                          <a:ea typeface="+mn-ea"/>
+                          <a:cs typeface="+mn-cs"/>
+                        </a:rPr>
+                        <a:t>Nambia</a:t>
+                      </a:r>
+                      <a:endParaRPr lang="en-US" sz="1200" b="0" i="0" u="none" strike="noStrike" kern="1200" dirty="0">
+                        <a:solidFill>
+                          <a:srgbClr val="000000"/>
+                        </a:solidFill>
+                        <a:effectLst/>
+                        <a:latin typeface="+mn-lt"/>
+                        <a:ea typeface="+mn-ea"/>
+                        <a:cs typeface="+mn-cs"/>
+                      </a:endParaRPr>
+                    </a:p>
+                  </a:txBody>
+                  <a:tcPr marL="9525" marR="9525" marT="9525" marB="0" anchor="ctr">
+                    <a:solidFill>
+                      <a:schemeClr val="accent5">
+                        <a:lumMod val="20000"/>
+                        <a:lumOff val="80000"/>
+                      </a:schemeClr>
+                    </a:solidFill>
+                  </a:tcPr>
+                </a:tc>
+                <a:tc>
+                  <a:txBody>
+                    <a:bodyPr/>
+                    <a:lstStyle/>
+                    <a:p>
+                      <a:pPr algn="ctr">
+                        <a:lnSpc>
+                          <a:spcPct val="50000"/>
+                        </a:lnSpc>
+                      </a:pPr>
+                      <a:r>
+                        <a:rPr lang="en-US" sz="1200" b="0" i="0" u="none" strike="noStrike" kern="1200" dirty="0">
+                          <a:solidFill>
+                            <a:srgbClr val="000000"/>
+                          </a:solidFill>
+                          <a:effectLst/>
+                          <a:latin typeface="+mn-lt"/>
+                          <a:ea typeface="+mn-ea"/>
+                          <a:cs typeface="+mn-cs"/>
+                        </a:rPr>
+                        <a:t>.</a:t>
+                      </a:r>
+                    </a:p>
+                    <a:p>
+                      <a:pPr algn="ctr">
+                        <a:lnSpc>
+                          <a:spcPct val="50000"/>
+                        </a:lnSpc>
+                      </a:pPr>
+                      <a:r>
+                        <a:rPr lang="en-US" sz="1200" b="0" i="0" u="none" strike="noStrike" kern="1200" dirty="0">
+                          <a:solidFill>
+                            <a:srgbClr val="000000"/>
+                          </a:solidFill>
+                          <a:effectLst/>
+                          <a:latin typeface="+mn-lt"/>
+                          <a:ea typeface="+mn-ea"/>
+                          <a:cs typeface="+mn-cs"/>
+                        </a:rPr>
+                        <a:t>.</a:t>
+                      </a:r>
+                    </a:p>
+                    <a:p>
+                      <a:pPr algn="ctr">
+                        <a:lnSpc>
+                          <a:spcPct val="50000"/>
+                        </a:lnSpc>
+                      </a:pPr>
+                      <a:r>
+                        <a:rPr lang="en-US" sz="1200" b="0" i="0" u="none" strike="noStrike" kern="1200" dirty="0">
+                          <a:solidFill>
+                            <a:srgbClr val="000000"/>
+                          </a:solidFill>
+                          <a:effectLst/>
+                          <a:latin typeface="+mn-lt"/>
+                          <a:ea typeface="+mn-ea"/>
+                          <a:cs typeface="+mn-cs"/>
+                        </a:rPr>
+                        <a:t>.</a:t>
+                      </a:r>
+                    </a:p>
+                  </a:txBody>
+                  <a:tcPr marL="9525" marR="9525" marT="9525" marB="0" anchor="ctr">
+                    <a:solidFill>
+                      <a:schemeClr val="accent5">
+                        <a:lumMod val="20000"/>
+                        <a:lumOff val="80000"/>
+                      </a:schemeClr>
+                    </a:solidFill>
+                  </a:tcPr>
+                </a:tc>
+                <a:tc>
+                  <a:txBody>
+                    <a:bodyPr/>
+                    <a:lstStyle/>
+                    <a:p>
+                      <a:pPr algn="ctr"/>
+                      <a:r>
+                        <a:rPr lang="en-US" sz="1200" b="0" i="0" u="none" strike="noStrike" kern="1200" dirty="0" err="1">
+                          <a:solidFill>
+                            <a:srgbClr val="000000"/>
+                          </a:solidFill>
+                          <a:effectLst/>
+                          <a:latin typeface="+mn-lt"/>
+                          <a:ea typeface="+mn-ea"/>
+                          <a:cs typeface="+mn-cs"/>
+                        </a:rPr>
+                        <a:t>Pohamb</a:t>
+                      </a:r>
+                      <a:endParaRPr lang="en-US" sz="1200" b="0" i="0" u="none" strike="noStrike" kern="1200" dirty="0">
+                        <a:solidFill>
+                          <a:srgbClr val="000000"/>
+                        </a:solidFill>
+                        <a:effectLst/>
+                        <a:latin typeface="+mn-lt"/>
+                        <a:ea typeface="+mn-ea"/>
+                        <a:cs typeface="+mn-cs"/>
+                      </a:endParaRPr>
+                    </a:p>
+                  </a:txBody>
+                  <a:tcPr marL="9525" marR="9525" marT="9525" marB="0" anchor="ctr">
+                    <a:solidFill>
+                      <a:schemeClr val="accent5">
+                        <a:lumMod val="20000"/>
+                        <a:lumOff val="80000"/>
+                      </a:schemeClr>
+                    </a:solidFill>
+                  </a:tcPr>
+                </a:tc>
+                <a:tc>
+                  <a:txBody>
+                    <a:bodyPr/>
+                    <a:lstStyle/>
+                    <a:p>
+                      <a:pPr algn="ctr" rtl="0" fontAlgn="ctr"/>
+                      <a:r>
+                        <a:rPr lang="en-US" sz="1200" b="0" i="0" u="none" strike="noStrike" kern="1200" dirty="0">
+                          <a:solidFill>
+                            <a:srgbClr val="000000"/>
+                          </a:solidFill>
+                          <a:effectLst/>
+                          <a:latin typeface="+mn-lt"/>
+                          <a:ea typeface="+mn-ea"/>
+                          <a:cs typeface="+mn-cs"/>
+                        </a:rPr>
+                        <a:t>Dict.</a:t>
+                      </a:r>
+                    </a:p>
+                  </a:txBody>
+                  <a:tcPr marL="9525" marR="9525" marT="9525" marB="0" anchor="ctr">
+                    <a:solidFill>
+                      <a:schemeClr val="accent5">
+                        <a:lumMod val="20000"/>
+                        <a:lumOff val="80000"/>
+                      </a:schemeClr>
+                    </a:solidFill>
+                  </a:tcPr>
+                </a:tc>
+                <a:tc>
+                  <a:txBody>
+                    <a:bodyPr/>
+                    <a:lstStyle/>
+                    <a:p>
+                      <a:pPr marL="0" marR="0" lvl="0" indent="0" algn="ctr" defTabSz="457200" rtl="0" eaLnBrk="1" fontAlgn="ctr" latinLnBrk="0" hangingPunct="1">
+                        <a:lnSpc>
+                          <a:spcPct val="100000"/>
+                        </a:lnSpc>
+                        <a:spcBef>
+                          <a:spcPts val="0"/>
+                        </a:spcBef>
+                        <a:spcAft>
+                          <a:spcPts val="0"/>
+                        </a:spcAft>
+                        <a:buClrTx/>
+                        <a:buSzTx/>
+                        <a:buFontTx/>
+                        <a:buNone/>
+                        <a:tabLst/>
+                        <a:defRPr/>
+                      </a:pPr>
+                      <a:r>
+                        <a:rPr lang="en-US" sz="1200" b="0" i="0" u="none" strike="noStrike" kern="1200" dirty="0" err="1">
+                          <a:solidFill>
+                            <a:srgbClr val="000000"/>
+                          </a:solidFill>
+                          <a:effectLst/>
+                          <a:latin typeface="+mn-lt"/>
+                          <a:ea typeface="+mn-ea"/>
+                          <a:cs typeface="+mn-cs"/>
+                        </a:rPr>
+                        <a:t>Opposit</a:t>
+                      </a:r>
+                      <a:r>
+                        <a:rPr lang="en-US" sz="1200" b="0" i="0" u="none" strike="noStrike" kern="1200" dirty="0">
+                          <a:solidFill>
+                            <a:srgbClr val="000000"/>
+                          </a:solidFill>
+                          <a:effectLst/>
+                          <a:latin typeface="+mn-lt"/>
+                          <a:ea typeface="+mn-ea"/>
+                          <a:cs typeface="+mn-cs"/>
+                        </a:rPr>
+                        <a:t>-ion</a:t>
+                      </a:r>
+                    </a:p>
+                  </a:txBody>
+                  <a:tcPr marL="9525" marR="9525" marT="9525" marB="0" anchor="ctr">
+                    <a:solidFill>
+                      <a:schemeClr val="accent5">
+                        <a:lumMod val="20000"/>
+                        <a:lumOff val="80000"/>
+                      </a:schemeClr>
+                    </a:solidFill>
+                  </a:tcPr>
+                </a:tc>
+                <a:tc>
+                  <a:txBody>
+                    <a:bodyPr/>
+                    <a:lstStyle/>
+                    <a:p>
+                      <a:pPr algn="ctr">
+                        <a:lnSpc>
+                          <a:spcPct val="50000"/>
+                        </a:lnSpc>
+                      </a:pPr>
+                      <a:r>
+                        <a:rPr lang="en-US" sz="1200" b="0" i="0" u="none" strike="noStrike" kern="1200" dirty="0">
+                          <a:solidFill>
+                            <a:srgbClr val="000000"/>
+                          </a:solidFill>
+                          <a:effectLst/>
+                          <a:latin typeface="+mn-lt"/>
+                          <a:ea typeface="+mn-ea"/>
+                          <a:cs typeface="+mn-cs"/>
+                        </a:rPr>
+                        <a:t>.</a:t>
+                      </a:r>
+                    </a:p>
+                    <a:p>
+                      <a:pPr algn="ctr">
+                        <a:lnSpc>
+                          <a:spcPct val="50000"/>
+                        </a:lnSpc>
+                      </a:pPr>
+                      <a:r>
+                        <a:rPr lang="en-US" sz="1200" b="0" i="0" u="none" strike="noStrike" kern="1200" dirty="0">
+                          <a:solidFill>
+                            <a:srgbClr val="000000"/>
+                          </a:solidFill>
+                          <a:effectLst/>
+                          <a:latin typeface="+mn-lt"/>
+                          <a:ea typeface="+mn-ea"/>
+                          <a:cs typeface="+mn-cs"/>
+                        </a:rPr>
+                        <a:t>.</a:t>
+                      </a:r>
+                    </a:p>
+                    <a:p>
+                      <a:pPr algn="ctr">
+                        <a:lnSpc>
+                          <a:spcPct val="50000"/>
+                        </a:lnSpc>
+                      </a:pPr>
+                      <a:r>
+                        <a:rPr lang="en-US" sz="1200" b="0" i="0" u="none" strike="noStrike" kern="1200" dirty="0">
+                          <a:solidFill>
+                            <a:srgbClr val="000000"/>
+                          </a:solidFill>
+                          <a:effectLst/>
+                          <a:latin typeface="+mn-lt"/>
+                          <a:ea typeface="+mn-ea"/>
+                          <a:cs typeface="+mn-cs"/>
+                        </a:rPr>
+                        <a:t>.</a:t>
+                      </a:r>
+                    </a:p>
+                  </a:txBody>
+                  <a:tcPr marL="9525" marR="9525" marT="9525" marB="0" anchor="ctr">
+                    <a:solidFill>
+                      <a:schemeClr val="accent5">
+                        <a:lumMod val="20000"/>
+                        <a:lumOff val="80000"/>
+                      </a:schemeClr>
+                    </a:solidFill>
+                  </a:tcPr>
+                </a:tc>
+                <a:tc>
+                  <a:txBody>
+                    <a:bodyPr/>
+                    <a:lstStyle/>
+                    <a:p>
+                      <a:pPr algn="ctr">
+                        <a:lnSpc>
+                          <a:spcPct val="50000"/>
+                        </a:lnSpc>
+                      </a:pPr>
+                      <a:r>
+                        <a:rPr lang="en-US" sz="1200" b="0" i="0" u="none" strike="noStrike" kern="1200" dirty="0">
+                          <a:solidFill>
+                            <a:srgbClr val="000000"/>
+                          </a:solidFill>
+                          <a:effectLst/>
+                          <a:latin typeface="+mn-lt"/>
+                          <a:ea typeface="+mn-ea"/>
+                          <a:cs typeface="+mn-cs"/>
+                        </a:rPr>
+                        <a:t>.</a:t>
+                      </a:r>
+                    </a:p>
+                    <a:p>
+                      <a:pPr algn="ctr">
+                        <a:lnSpc>
+                          <a:spcPct val="50000"/>
+                        </a:lnSpc>
+                      </a:pPr>
+                      <a:r>
+                        <a:rPr lang="en-US" sz="1200" b="0" i="0" u="none" strike="noStrike" kern="1200" dirty="0">
+                          <a:solidFill>
+                            <a:srgbClr val="000000"/>
+                          </a:solidFill>
+                          <a:effectLst/>
+                          <a:latin typeface="+mn-lt"/>
+                          <a:ea typeface="+mn-ea"/>
+                          <a:cs typeface="+mn-cs"/>
+                        </a:rPr>
+                        <a:t>.</a:t>
+                      </a:r>
+                    </a:p>
+                    <a:p>
+                      <a:pPr algn="ctr">
+                        <a:lnSpc>
+                          <a:spcPct val="50000"/>
+                        </a:lnSpc>
+                      </a:pPr>
+                      <a:r>
+                        <a:rPr lang="en-US" sz="1200" b="0" i="0" u="none" strike="noStrike" kern="1200" dirty="0">
+                          <a:solidFill>
+                            <a:srgbClr val="000000"/>
+                          </a:solidFill>
+                          <a:effectLst/>
+                          <a:latin typeface="+mn-lt"/>
+                          <a:ea typeface="+mn-ea"/>
+                          <a:cs typeface="+mn-cs"/>
+                        </a:rPr>
+                        <a:t>.</a:t>
+                      </a:r>
+                    </a:p>
+                  </a:txBody>
+                  <a:tcPr marL="9525" marR="9525" marT="9525" marB="0" anchor="ctr">
+                    <a:solidFill>
+                      <a:schemeClr val="accent5">
+                        <a:lumMod val="20000"/>
+                        <a:lumOff val="80000"/>
+                      </a:schemeClr>
+                    </a:solidFill>
+                  </a:tcPr>
+                </a:tc>
+                <a:extLst>
+                  <a:ext uri="{0D108BD9-81ED-4DB2-BD59-A6C34878D82A}">
+                    <a16:rowId xmlns:a16="http://schemas.microsoft.com/office/drawing/2014/main" val="1971928345"/>
+                  </a:ext>
+                </a:extLst>
+              </a:tr>
+              <a:tr h="366187">
+                <a:tc>
+                  <a:txBody>
+                    <a:bodyPr/>
+                    <a:lstStyle/>
+                    <a:p>
+                      <a:pPr marL="0" marR="0" lvl="0" indent="0" algn="ctr" defTabSz="914400" rtl="0" eaLnBrk="1" fontAlgn="b" latinLnBrk="0" hangingPunct="1">
+                        <a:lnSpc>
+                          <a:spcPct val="100000"/>
+                        </a:lnSpc>
+                        <a:spcBef>
+                          <a:spcPts val="0"/>
+                        </a:spcBef>
+                        <a:spcAft>
+                          <a:spcPts val="0"/>
+                        </a:spcAft>
+                        <a:buClrTx/>
+                        <a:buSzTx/>
+                        <a:buFontTx/>
+                        <a:buNone/>
+                        <a:tabLst/>
+                        <a:defRPr/>
+                      </a:pPr>
+                      <a:r>
+                        <a:rPr lang="en-US" sz="1200" b="0" i="0" u="none" strike="noStrike" kern="1200" dirty="0" err="1">
+                          <a:solidFill>
+                            <a:srgbClr val="000000"/>
+                          </a:solidFill>
+                          <a:effectLst/>
+                          <a:latin typeface="+mn-lt"/>
+                          <a:ea typeface="+mn-ea"/>
+                          <a:cs typeface="+mn-cs"/>
+                        </a:rPr>
+                        <a:t>Nambia</a:t>
+                      </a:r>
+                      <a:endParaRPr lang="en-US" sz="1200" b="0" i="0" u="none" strike="noStrike" kern="1200" dirty="0">
+                        <a:solidFill>
+                          <a:srgbClr val="000000"/>
+                        </a:solidFill>
+                        <a:effectLst/>
+                        <a:latin typeface="+mn-lt"/>
+                        <a:ea typeface="+mn-ea"/>
+                        <a:cs typeface="+mn-cs"/>
+                      </a:endParaRPr>
+                    </a:p>
+                  </a:txBody>
+                  <a:tcPr marL="9525" marR="9525" marT="9525" marB="0" anchor="ctr">
+                    <a:solidFill>
+                      <a:schemeClr val="accent5">
+                        <a:lumMod val="20000"/>
+                        <a:lumOff val="80000"/>
+                      </a:schemeClr>
+                    </a:solidFill>
+                  </a:tcPr>
+                </a:tc>
+                <a:tc>
+                  <a:txBody>
+                    <a:bodyPr/>
+                    <a:lstStyle/>
+                    <a:p>
+                      <a:pPr algn="ctr" rtl="0" fontAlgn="ctr"/>
+                      <a:r>
+                        <a:rPr lang="en-US" sz="1200" b="0" i="0" u="none" strike="noStrike" kern="1200">
+                          <a:solidFill>
+                            <a:srgbClr val="000000"/>
+                          </a:solidFill>
+                          <a:effectLst/>
+                          <a:latin typeface="+mn-lt"/>
+                          <a:ea typeface="+mn-ea"/>
+                          <a:cs typeface="+mn-cs"/>
+                        </a:rPr>
+                        <a:t>2015</a:t>
+                      </a:r>
+                    </a:p>
+                  </a:txBody>
+                  <a:tcPr marL="9525" marR="9525" marT="9525" marB="0" anchor="ctr">
+                    <a:solidFill>
+                      <a:schemeClr val="accent5">
+                        <a:lumMod val="20000"/>
+                        <a:lumOff val="80000"/>
+                      </a:schemeClr>
+                    </a:solidFill>
+                  </a:tcPr>
+                </a:tc>
+                <a:tc>
+                  <a:txBody>
+                    <a:bodyPr/>
+                    <a:lstStyle/>
+                    <a:p>
+                      <a:pPr algn="ctr" rtl="0" fontAlgn="ctr"/>
+                      <a:r>
+                        <a:rPr lang="en-US" sz="1200" b="0" i="0" u="none" strike="noStrike" kern="1200">
+                          <a:solidFill>
+                            <a:srgbClr val="000000"/>
+                          </a:solidFill>
+                          <a:effectLst/>
+                          <a:latin typeface="+mn-lt"/>
+                          <a:ea typeface="+mn-ea"/>
+                          <a:cs typeface="+mn-cs"/>
+                        </a:rPr>
+                        <a:t>Pohamb</a:t>
+                      </a:r>
+                    </a:p>
+                  </a:txBody>
+                  <a:tcPr marL="9525" marR="9525" marT="9525" marB="0" anchor="ctr">
+                    <a:solidFill>
+                      <a:schemeClr val="accent5">
+                        <a:lumMod val="20000"/>
+                        <a:lumOff val="80000"/>
+                      </a:schemeClr>
+                    </a:solidFill>
+                  </a:tcPr>
+                </a:tc>
+                <a:tc>
+                  <a:txBody>
+                    <a:bodyPr/>
+                    <a:lstStyle/>
+                    <a:p>
+                      <a:pPr algn="ctr" rtl="0" fontAlgn="ctr"/>
+                      <a:r>
+                        <a:rPr lang="en-US" sz="1200" b="0" i="0" u="none" strike="noStrike" kern="1200" dirty="0">
+                          <a:solidFill>
+                            <a:srgbClr val="000000"/>
+                          </a:solidFill>
+                          <a:effectLst/>
+                          <a:latin typeface="+mn-lt"/>
+                          <a:ea typeface="+mn-ea"/>
+                          <a:cs typeface="+mn-cs"/>
+                        </a:rPr>
+                        <a:t>Dict.</a:t>
+                      </a:r>
+                    </a:p>
+                  </a:txBody>
+                  <a:tcPr marL="9525" marR="9525" marT="9525" marB="0" anchor="ctr">
+                    <a:solidFill>
+                      <a:schemeClr val="accent5">
+                        <a:lumMod val="20000"/>
+                        <a:lumOff val="80000"/>
+                      </a:schemeClr>
+                    </a:solidFill>
+                  </a:tcPr>
+                </a:tc>
+                <a:tc>
+                  <a:txBody>
+                    <a:bodyPr/>
+                    <a:lstStyle/>
+                    <a:p>
+                      <a:pPr marL="0" marR="0" lvl="0" indent="0" algn="ctr" defTabSz="457200" rtl="0" eaLnBrk="1" fontAlgn="ctr" latinLnBrk="0" hangingPunct="1">
+                        <a:lnSpc>
+                          <a:spcPct val="100000"/>
+                        </a:lnSpc>
+                        <a:spcBef>
+                          <a:spcPts val="0"/>
+                        </a:spcBef>
+                        <a:spcAft>
+                          <a:spcPts val="0"/>
+                        </a:spcAft>
+                        <a:buClrTx/>
+                        <a:buSzTx/>
+                        <a:buFontTx/>
+                        <a:buNone/>
+                        <a:tabLst/>
+                        <a:defRPr/>
+                      </a:pPr>
+                      <a:r>
+                        <a:rPr lang="en-US" sz="1200" b="0" i="0" u="none" strike="noStrike" kern="1200" dirty="0" err="1">
+                          <a:solidFill>
+                            <a:srgbClr val="000000"/>
+                          </a:solidFill>
+                          <a:effectLst/>
+                          <a:latin typeface="+mn-lt"/>
+                          <a:ea typeface="+mn-ea"/>
+                          <a:cs typeface="+mn-cs"/>
+                        </a:rPr>
+                        <a:t>Opposit</a:t>
+                      </a:r>
+                      <a:r>
+                        <a:rPr lang="en-US" sz="1200" b="0" i="0" u="none" strike="noStrike" kern="1200" dirty="0">
+                          <a:solidFill>
+                            <a:srgbClr val="000000"/>
+                          </a:solidFill>
+                          <a:effectLst/>
+                          <a:latin typeface="+mn-lt"/>
+                          <a:ea typeface="+mn-ea"/>
+                          <a:cs typeface="+mn-cs"/>
+                        </a:rPr>
+                        <a:t>-ion</a:t>
+                      </a:r>
+                    </a:p>
+                  </a:txBody>
+                  <a:tcPr marL="9525" marR="9525" marT="9525" marB="0" anchor="ctr">
+                    <a:solidFill>
+                      <a:schemeClr val="accent5">
+                        <a:lumMod val="20000"/>
+                        <a:lumOff val="80000"/>
+                      </a:schemeClr>
+                    </a:solidFill>
+                  </a:tcPr>
+                </a:tc>
+                <a:tc>
+                  <a:txBody>
+                    <a:bodyPr/>
+                    <a:lstStyle/>
+                    <a:p>
+                      <a:pPr algn="ctr" rtl="0" fontAlgn="ctr"/>
+                      <a:r>
+                        <a:rPr lang="en-US" sz="1200" b="0" i="0" u="none" strike="noStrike" kern="1200" dirty="0">
+                          <a:solidFill>
+                            <a:srgbClr val="000000"/>
+                          </a:solidFill>
+                          <a:effectLst/>
+                          <a:latin typeface="+mn-lt"/>
+                          <a:ea typeface="+mn-ea"/>
+                          <a:cs typeface="+mn-cs"/>
+                        </a:rPr>
+                        <a:t>0</a:t>
+                      </a:r>
+                    </a:p>
+                  </a:txBody>
+                  <a:tcPr marL="9525" marR="9525" marT="9525" marB="0" anchor="ctr">
+                    <a:solidFill>
+                      <a:schemeClr val="accent5">
+                        <a:lumMod val="20000"/>
+                        <a:lumOff val="80000"/>
+                      </a:schemeClr>
+                    </a:solidFill>
+                  </a:tcPr>
+                </a:tc>
+                <a:tc>
+                  <a:txBody>
+                    <a:bodyPr/>
+                    <a:lstStyle/>
+                    <a:p>
+                      <a:pPr marL="0" algn="ctr" defTabSz="914400" rtl="0" eaLnBrk="1" fontAlgn="ctr" latinLnBrk="0" hangingPunct="1"/>
+                      <a:r>
+                        <a:rPr lang="en-US" sz="1200" b="0" i="0" u="none" strike="noStrike" kern="1200" dirty="0">
+                          <a:solidFill>
+                            <a:srgbClr val="000000"/>
+                          </a:solidFill>
+                          <a:effectLst/>
+                          <a:latin typeface="+mn-lt"/>
+                          <a:ea typeface="+mn-ea"/>
+                          <a:cs typeface="+mn-cs"/>
+                        </a:rPr>
+                        <a:t>0</a:t>
+                      </a:r>
+                    </a:p>
+                  </a:txBody>
+                  <a:tcPr marL="9525" marR="9525" marT="9525" marB="0" anchor="ctr">
+                    <a:solidFill>
+                      <a:schemeClr val="accent5">
+                        <a:lumMod val="20000"/>
+                        <a:lumOff val="80000"/>
+                      </a:schemeClr>
+                    </a:solidFill>
+                  </a:tcPr>
+                </a:tc>
+                <a:extLst>
+                  <a:ext uri="{0D108BD9-81ED-4DB2-BD59-A6C34878D82A}">
+                    <a16:rowId xmlns:a16="http://schemas.microsoft.com/office/drawing/2014/main" val="3832203877"/>
+                  </a:ext>
+                </a:extLst>
+              </a:tr>
+            </a:tbl>
+          </a:graphicData>
+        </a:graphic>
+      </p:graphicFrame>
+      <p:sp>
+        <p:nvSpPr>
+          <p:cNvPr id="5" name="TextBox 4">
+            <a:extLst>
+              <a:ext uri="{FF2B5EF4-FFF2-40B4-BE49-F238E27FC236}">
+                <a16:creationId xmlns:a16="http://schemas.microsoft.com/office/drawing/2014/main" id="{5527A7C9-47F6-430E-B034-6E39C540FABF}"/>
+              </a:ext>
+            </a:extLst>
+          </p:cNvPr>
+          <p:cNvSpPr txBox="1"/>
+          <p:nvPr/>
+        </p:nvSpPr>
+        <p:spPr>
+          <a:xfrm>
+            <a:off x="304800" y="922416"/>
+            <a:ext cx="3550598" cy="400110"/>
+          </a:xfrm>
+          <a:prstGeom prst="rect">
+            <a:avLst/>
+          </a:prstGeom>
+          <a:noFill/>
+        </p:spPr>
+        <p:txBody>
+          <a:bodyPr wrap="square" rtlCol="0">
+            <a:spAutoFit/>
+          </a:bodyPr>
+          <a:lstStyle/>
+          <a:p>
+            <a:pPr algn="ctr"/>
+            <a:r>
+              <a:rPr lang="en-US" sz="2000" dirty="0">
+                <a:latin typeface="Georgia" panose="02040502050405020303" pitchFamily="18" charset="0"/>
+              </a:rPr>
+              <a:t>Unit of analysis: Leader-Year</a:t>
+            </a:r>
+          </a:p>
+        </p:txBody>
+      </p:sp>
+      <p:graphicFrame>
+        <p:nvGraphicFramePr>
+          <p:cNvPr id="7" name="Content Placeholder 3">
+            <a:extLst>
+              <a:ext uri="{FF2B5EF4-FFF2-40B4-BE49-F238E27FC236}">
+                <a16:creationId xmlns:a16="http://schemas.microsoft.com/office/drawing/2014/main" id="{2EBF6D83-0BE0-40F4-983F-8AAF83907AEA}"/>
+              </a:ext>
+            </a:extLst>
+          </p:cNvPr>
+          <p:cNvGraphicFramePr>
+            <a:graphicFrameLocks/>
+          </p:cNvGraphicFramePr>
+          <p:nvPr>
+            <p:extLst>
+              <p:ext uri="{D42A27DB-BD31-4B8C-83A1-F6EECF244321}">
+                <p14:modId xmlns:p14="http://schemas.microsoft.com/office/powerpoint/2010/main" val="3972085739"/>
+              </p:ext>
+            </p:extLst>
+          </p:nvPr>
+        </p:nvGraphicFramePr>
+        <p:xfrm>
+          <a:off x="4412208" y="2255245"/>
+          <a:ext cx="4688928" cy="2418284"/>
+        </p:xfrm>
+        <a:graphic>
+          <a:graphicData uri="http://schemas.openxmlformats.org/drawingml/2006/table">
+            <a:tbl>
+              <a:tblPr firstRow="1" bandRow="1">
+                <a:tableStyleId>{5C22544A-7EE6-4342-B048-85BDC9FD1C3A}</a:tableStyleId>
+              </a:tblPr>
+              <a:tblGrid>
+                <a:gridCol w="571983">
+                  <a:extLst>
+                    <a:ext uri="{9D8B030D-6E8A-4147-A177-3AD203B41FA5}">
+                      <a16:colId xmlns:a16="http://schemas.microsoft.com/office/drawing/2014/main" val="989939223"/>
+                    </a:ext>
+                  </a:extLst>
+                </a:gridCol>
+                <a:gridCol w="681446">
+                  <a:extLst>
+                    <a:ext uri="{9D8B030D-6E8A-4147-A177-3AD203B41FA5}">
+                      <a16:colId xmlns:a16="http://schemas.microsoft.com/office/drawing/2014/main" val="1453167551"/>
+                    </a:ext>
+                  </a:extLst>
+                </a:gridCol>
+                <a:gridCol w="554221">
+                  <a:extLst>
+                    <a:ext uri="{9D8B030D-6E8A-4147-A177-3AD203B41FA5}">
+                      <a16:colId xmlns:a16="http://schemas.microsoft.com/office/drawing/2014/main" val="93091768"/>
+                    </a:ext>
+                  </a:extLst>
+                </a:gridCol>
+                <a:gridCol w="534818">
+                  <a:extLst>
+                    <a:ext uri="{9D8B030D-6E8A-4147-A177-3AD203B41FA5}">
+                      <a16:colId xmlns:a16="http://schemas.microsoft.com/office/drawing/2014/main" val="2714195197"/>
+                    </a:ext>
+                  </a:extLst>
+                </a:gridCol>
+                <a:gridCol w="587979">
+                  <a:extLst>
+                    <a:ext uri="{9D8B030D-6E8A-4147-A177-3AD203B41FA5}">
+                      <a16:colId xmlns:a16="http://schemas.microsoft.com/office/drawing/2014/main" val="427274139"/>
+                    </a:ext>
+                  </a:extLst>
+                </a:gridCol>
+                <a:gridCol w="619494">
+                  <a:extLst>
+                    <a:ext uri="{9D8B030D-6E8A-4147-A177-3AD203B41FA5}">
+                      <a16:colId xmlns:a16="http://schemas.microsoft.com/office/drawing/2014/main" val="310886011"/>
+                    </a:ext>
+                  </a:extLst>
+                </a:gridCol>
+                <a:gridCol w="610351">
+                  <a:extLst>
+                    <a:ext uri="{9D8B030D-6E8A-4147-A177-3AD203B41FA5}">
+                      <a16:colId xmlns:a16="http://schemas.microsoft.com/office/drawing/2014/main" val="410710100"/>
+                    </a:ext>
+                  </a:extLst>
+                </a:gridCol>
+                <a:gridCol w="528636">
+                  <a:extLst>
+                    <a:ext uri="{9D8B030D-6E8A-4147-A177-3AD203B41FA5}">
+                      <a16:colId xmlns:a16="http://schemas.microsoft.com/office/drawing/2014/main" val="3340810437"/>
+                    </a:ext>
+                  </a:extLst>
+                </a:gridCol>
+              </a:tblGrid>
+              <a:tr h="0">
+                <a:tc>
+                  <a:txBody>
+                    <a:bodyPr/>
+                    <a:lstStyle/>
+                    <a:p>
+                      <a:r>
+                        <a:rPr lang="en-US" sz="1200" b="1" kern="1200" dirty="0" err="1">
+                          <a:solidFill>
+                            <a:schemeClr val="lt1"/>
+                          </a:solidFill>
+                          <a:latin typeface="+mn-lt"/>
+                          <a:ea typeface="+mn-ea"/>
+                          <a:cs typeface="+mn-cs"/>
+                        </a:rPr>
+                        <a:t>Cou-ntry</a:t>
+                      </a:r>
+                      <a:endParaRPr lang="en-US" sz="1200" b="1" kern="1200" dirty="0">
+                        <a:solidFill>
+                          <a:schemeClr val="lt1"/>
+                        </a:solidFill>
+                        <a:latin typeface="+mn-lt"/>
+                        <a:ea typeface="+mn-ea"/>
+                        <a:cs typeface="+mn-cs"/>
+                      </a:endParaRPr>
+                    </a:p>
+                  </a:txBody>
+                  <a:tcPr/>
+                </a:tc>
+                <a:tc>
+                  <a:txBody>
+                    <a:bodyPr/>
+                    <a:lstStyle/>
+                    <a:p>
+                      <a:r>
+                        <a:rPr lang="en-US" sz="1200" b="1" kern="1200" dirty="0">
+                          <a:solidFill>
+                            <a:schemeClr val="lt1"/>
+                          </a:solidFill>
+                          <a:latin typeface="+mn-lt"/>
+                          <a:ea typeface="+mn-ea"/>
+                          <a:cs typeface="+mn-cs"/>
+                        </a:rPr>
+                        <a:t>Leader</a:t>
+                      </a:r>
+                    </a:p>
+                  </a:txBody>
+                  <a:tcPr/>
+                </a:tc>
+                <a:tc>
+                  <a:txBody>
+                    <a:bodyPr/>
+                    <a:lstStyle/>
+                    <a:p>
+                      <a:r>
+                        <a:rPr lang="en-US" sz="1200" b="1" kern="1200" dirty="0" err="1">
+                          <a:solidFill>
+                            <a:schemeClr val="lt1"/>
+                          </a:solidFill>
+                          <a:latin typeface="+mn-lt"/>
+                          <a:ea typeface="+mn-ea"/>
+                          <a:cs typeface="+mn-cs"/>
+                        </a:rPr>
+                        <a:t>Te-nure</a:t>
+                      </a:r>
+                      <a:endParaRPr lang="en-US" sz="1200" b="1" kern="1200" dirty="0">
+                        <a:solidFill>
+                          <a:schemeClr val="lt1"/>
+                        </a:solidFill>
+                        <a:latin typeface="+mn-lt"/>
+                        <a:ea typeface="+mn-ea"/>
+                        <a:cs typeface="+mn-cs"/>
+                      </a:endParaRPr>
+                    </a:p>
+                  </a:txBody>
+                  <a:tcPr/>
+                </a:tc>
+                <a:tc>
+                  <a:txBody>
+                    <a:bodyPr/>
+                    <a:lstStyle/>
+                    <a:p>
+                      <a:r>
+                        <a:rPr lang="en-US" sz="1200" b="1" kern="1200" dirty="0">
+                          <a:solidFill>
+                            <a:schemeClr val="lt1"/>
+                          </a:solidFill>
+                          <a:latin typeface="+mn-lt"/>
+                          <a:ea typeface="+mn-ea"/>
+                          <a:cs typeface="+mn-cs"/>
+                        </a:rPr>
+                        <a:t>Reg-</a:t>
+                      </a:r>
+                      <a:r>
+                        <a:rPr lang="en-US" sz="1200" b="1" kern="1200" dirty="0" err="1">
+                          <a:solidFill>
+                            <a:schemeClr val="lt1"/>
+                          </a:solidFill>
+                          <a:latin typeface="+mn-lt"/>
+                          <a:ea typeface="+mn-ea"/>
+                          <a:cs typeface="+mn-cs"/>
+                        </a:rPr>
+                        <a:t>ime</a:t>
+                      </a:r>
+                      <a:endParaRPr lang="en-US" sz="1200" b="1" kern="1200" dirty="0">
+                        <a:solidFill>
+                          <a:schemeClr val="lt1"/>
+                        </a:solidFill>
+                        <a:latin typeface="+mn-lt"/>
+                        <a:ea typeface="+mn-ea"/>
+                        <a:cs typeface="+mn-cs"/>
+                      </a:endParaRPr>
+                    </a:p>
+                  </a:txBody>
+                  <a:tcPr/>
+                </a:tc>
+                <a:tc>
+                  <a:txBody>
+                    <a:bodyPr/>
+                    <a:lstStyle/>
+                    <a:p>
+                      <a:r>
+                        <a:rPr lang="en-US" sz="1200" b="1" kern="1200" dirty="0">
+                          <a:solidFill>
+                            <a:schemeClr val="lt1"/>
+                          </a:solidFill>
+                          <a:latin typeface="+mn-lt"/>
+                          <a:ea typeface="+mn-ea"/>
+                          <a:cs typeface="+mn-cs"/>
+                        </a:rPr>
+                        <a:t>R.T. Past</a:t>
+                      </a:r>
+                    </a:p>
+                  </a:txBody>
+                  <a:tcPr/>
+                </a:tc>
+                <a:tc>
+                  <a:txBody>
+                    <a:bodyPr/>
+                    <a:lstStyle/>
+                    <a:p>
+                      <a:r>
+                        <a:rPr lang="en-US" sz="1200" b="1" kern="1200" dirty="0">
+                          <a:solidFill>
+                            <a:schemeClr val="lt1"/>
+                          </a:solidFill>
+                          <a:latin typeface="+mn-lt"/>
+                          <a:ea typeface="+mn-ea"/>
+                          <a:cs typeface="+mn-cs"/>
+                        </a:rPr>
+                        <a:t>P. Eff</a:t>
+                      </a:r>
+                    </a:p>
+                  </a:txBody>
+                  <a:tcPr/>
+                </a:tc>
+                <a:tc>
+                  <a:txBody>
+                    <a:bodyPr/>
+                    <a:lstStyle/>
+                    <a:p>
+                      <a:r>
+                        <a:rPr lang="en-US" sz="1200" b="1" kern="1200" dirty="0">
+                          <a:solidFill>
+                            <a:schemeClr val="lt1"/>
+                          </a:solidFill>
+                          <a:latin typeface="+mn-lt"/>
+                          <a:ea typeface="+mn-ea"/>
+                          <a:cs typeface="+mn-cs"/>
+                        </a:rPr>
+                        <a:t>Shock (Z)</a:t>
+                      </a:r>
+                    </a:p>
+                  </a:txBody>
+                  <a:tcPr/>
+                </a:tc>
+                <a:tc>
+                  <a:txBody>
+                    <a:bodyPr/>
+                    <a:lstStyle/>
+                    <a:p>
+                      <a:r>
+                        <a:rPr lang="en-US" sz="1200" b="1" kern="1200" dirty="0">
+                          <a:solidFill>
+                            <a:schemeClr val="lt1"/>
+                          </a:solidFill>
+                          <a:latin typeface="+mn-lt"/>
+                          <a:ea typeface="+mn-ea"/>
+                          <a:cs typeface="+mn-cs"/>
+                        </a:rPr>
+                        <a:t>PTA </a:t>
+                      </a:r>
+                    </a:p>
+                    <a:p>
+                      <a:r>
+                        <a:rPr lang="en-US" sz="1200" b="1" kern="1200" dirty="0" err="1">
+                          <a:solidFill>
+                            <a:schemeClr val="lt1"/>
+                          </a:solidFill>
+                          <a:latin typeface="+mn-lt"/>
+                          <a:ea typeface="+mn-ea"/>
+                          <a:cs typeface="+mn-cs"/>
+                        </a:rPr>
+                        <a:t>nego</a:t>
+                      </a:r>
+                      <a:endParaRPr lang="en-US" sz="1200" b="1" kern="1200" dirty="0">
+                        <a:solidFill>
+                          <a:schemeClr val="lt1"/>
+                        </a:solidFill>
+                        <a:latin typeface="+mn-lt"/>
+                        <a:ea typeface="+mn-ea"/>
+                        <a:cs typeface="+mn-cs"/>
+                      </a:endParaRPr>
+                    </a:p>
+                  </a:txBody>
+                  <a:tcPr/>
+                </a:tc>
+                <a:extLst>
+                  <a:ext uri="{0D108BD9-81ED-4DB2-BD59-A6C34878D82A}">
+                    <a16:rowId xmlns:a16="http://schemas.microsoft.com/office/drawing/2014/main" val="3202488615"/>
+                  </a:ext>
+                </a:extLst>
+              </a:tr>
+              <a:tr h="163099">
+                <a:tc>
+                  <a:txBody>
+                    <a:bodyPr/>
+                    <a:lstStyle/>
+                    <a:p>
+                      <a:pPr marL="0" algn="ctr" defTabSz="914400" rtl="0" eaLnBrk="1" fontAlgn="ctr" latinLnBrk="0" hangingPunct="1"/>
+                      <a:r>
+                        <a:rPr lang="en-US" sz="1200" b="0" i="0" u="none" strike="noStrike" kern="1200" dirty="0">
+                          <a:solidFill>
+                            <a:srgbClr val="000000"/>
+                          </a:solidFill>
+                          <a:effectLst/>
+                          <a:latin typeface="+mn-lt"/>
+                          <a:ea typeface="+mn-ea"/>
+                          <a:cs typeface="+mn-cs"/>
+                        </a:rPr>
+                        <a:t>Albania</a:t>
+                      </a:r>
+                    </a:p>
+                  </a:txBody>
+                  <a:tcPr marL="9525" marR="9525" marT="9525" marB="0" anchor="ctr"/>
+                </a:tc>
+                <a:tc>
+                  <a:txBody>
+                    <a:bodyPr/>
+                    <a:lstStyle/>
+                    <a:p>
+                      <a:pPr marL="0" algn="ctr" defTabSz="914400" rtl="0" eaLnBrk="1" fontAlgn="ctr" latinLnBrk="0" hangingPunct="1"/>
+                      <a:r>
+                        <a:rPr lang="en-US" sz="1200" b="0" i="0" u="none" strike="noStrike" kern="1200" dirty="0" err="1">
+                          <a:solidFill>
+                            <a:srgbClr val="000000"/>
+                          </a:solidFill>
+                          <a:effectLst/>
+                          <a:latin typeface="+mn-lt"/>
+                          <a:ea typeface="+mn-ea"/>
+                          <a:cs typeface="+mn-cs"/>
+                        </a:rPr>
+                        <a:t>Berisha</a:t>
+                      </a:r>
+                      <a:endParaRPr lang="en-US" sz="1200" b="0" i="0" u="none" strike="noStrike" kern="1200" dirty="0">
+                        <a:solidFill>
+                          <a:srgbClr val="000000"/>
+                        </a:solidFill>
+                        <a:effectLst/>
+                        <a:latin typeface="+mn-lt"/>
+                        <a:ea typeface="+mn-ea"/>
+                        <a:cs typeface="+mn-cs"/>
+                      </a:endParaRPr>
+                    </a:p>
+                  </a:txBody>
+                  <a:tcPr marL="9525" marR="9525" marT="9525" marB="0" anchor="ctr"/>
+                </a:tc>
+                <a:tc>
+                  <a:txBody>
+                    <a:bodyPr/>
+                    <a:lstStyle/>
+                    <a:p>
+                      <a:pPr marL="0" algn="ctr" defTabSz="914400" rtl="0" eaLnBrk="1" fontAlgn="ctr" latinLnBrk="0" hangingPunct="1"/>
+                      <a:r>
+                        <a:rPr lang="en-US" sz="1200" b="0" i="0" u="none" strike="noStrike" kern="1200" dirty="0">
+                          <a:solidFill>
+                            <a:srgbClr val="000000"/>
+                          </a:solidFill>
+                          <a:effectLst/>
+                          <a:latin typeface="+mn-lt"/>
+                          <a:ea typeface="+mn-ea"/>
+                          <a:cs typeface="+mn-cs"/>
+                        </a:rPr>
+                        <a:t>3</a:t>
+                      </a:r>
+                    </a:p>
+                  </a:txBody>
+                  <a:tcPr marL="9525" marR="9525" marT="9525" marB="0" anchor="ctr"/>
+                </a:tc>
+                <a:tc>
+                  <a:txBody>
+                    <a:bodyPr/>
+                    <a:lstStyle/>
+                    <a:p>
+                      <a:pPr marL="0" algn="ctr" defTabSz="914400" rtl="0" eaLnBrk="1" fontAlgn="ctr" latinLnBrk="0" hangingPunct="1"/>
+                      <a:r>
+                        <a:rPr lang="en-US" sz="1200" b="0" i="0" u="none" strike="noStrike" kern="1200" dirty="0">
+                          <a:solidFill>
+                            <a:srgbClr val="000000"/>
+                          </a:solidFill>
+                          <a:effectLst/>
+                          <a:latin typeface="+mn-lt"/>
+                          <a:ea typeface="+mn-ea"/>
+                          <a:cs typeface="+mn-cs"/>
+                        </a:rPr>
+                        <a:t>Dem.</a:t>
+                      </a:r>
+                    </a:p>
+                  </a:txBody>
+                  <a:tcPr marL="9525" marR="9525" marT="9525" marB="0" anchor="ctr"/>
+                </a:tc>
+                <a:tc>
+                  <a:txBody>
+                    <a:bodyPr/>
+                    <a:lstStyle/>
+                    <a:p>
+                      <a:pPr marL="0" algn="ctr" defTabSz="914400" rtl="0" eaLnBrk="1" fontAlgn="ctr" latinLnBrk="0" hangingPunct="1"/>
+                      <a:r>
+                        <a:rPr lang="en-US" sz="1200" b="0" i="0" u="none" strike="noStrike" kern="1200" dirty="0">
+                          <a:solidFill>
+                            <a:srgbClr val="000000"/>
+                          </a:solidFill>
+                          <a:effectLst/>
+                          <a:latin typeface="+mn-lt"/>
+                          <a:ea typeface="+mn-ea"/>
+                          <a:cs typeface="+mn-cs"/>
+                        </a:rPr>
+                        <a:t>NA</a:t>
+                      </a:r>
+                    </a:p>
+                  </a:txBody>
+                  <a:tcPr marL="9525" marR="9525" marT="9525" marB="0" anchor="ctr"/>
+                </a:tc>
+                <a:tc>
+                  <a:txBody>
+                    <a:bodyPr/>
+                    <a:lstStyle/>
+                    <a:p>
+                      <a:pPr marL="0" algn="ctr" defTabSz="914400" rtl="0" eaLnBrk="1" fontAlgn="ctr" latinLnBrk="0" hangingPunct="1"/>
+                      <a:r>
+                        <a:rPr lang="en-US" sz="1200" b="0" i="0" u="none" strike="noStrike" kern="1200" dirty="0" err="1">
+                          <a:solidFill>
+                            <a:srgbClr val="000000"/>
+                          </a:solidFill>
+                          <a:effectLst/>
+                          <a:latin typeface="+mn-lt"/>
+                          <a:ea typeface="+mn-ea"/>
+                          <a:cs typeface="+mn-cs"/>
+                        </a:rPr>
+                        <a:t>ins_all</a:t>
+                      </a:r>
+                      <a:endParaRPr lang="en-US" sz="1200" b="0" i="0" u="none" strike="noStrike" kern="1200" dirty="0">
+                        <a:solidFill>
+                          <a:srgbClr val="000000"/>
+                        </a:solidFill>
+                        <a:effectLst/>
+                        <a:latin typeface="+mn-lt"/>
+                        <a:ea typeface="+mn-ea"/>
+                        <a:cs typeface="+mn-cs"/>
+                      </a:endParaRPr>
+                    </a:p>
+                  </a:txBody>
+                  <a:tcPr marL="9525" marR="9525" marT="9525" marB="0" anchor="ctr"/>
+                </a:tc>
+                <a:tc>
+                  <a:txBody>
+                    <a:bodyPr/>
+                    <a:lstStyle/>
+                    <a:p>
+                      <a:pPr marL="0" algn="ctr" defTabSz="914400" rtl="0" eaLnBrk="1" fontAlgn="ctr" latinLnBrk="0" hangingPunct="1"/>
+                      <a:r>
+                        <a:rPr lang="en-US" sz="1200" b="0" i="0" u="none" strike="noStrike" kern="1200" dirty="0">
+                          <a:solidFill>
+                            <a:srgbClr val="000000"/>
+                          </a:solidFill>
+                          <a:effectLst/>
+                          <a:latin typeface="+mn-lt"/>
+                          <a:ea typeface="+mn-ea"/>
+                          <a:cs typeface="+mn-cs"/>
+                        </a:rPr>
+                        <a:t>0</a:t>
+                      </a:r>
+                    </a:p>
+                  </a:txBody>
+                  <a:tcPr marL="9525" marR="9525" marT="9525" marB="0" anchor="ctr"/>
+                </a:tc>
+                <a:tc>
+                  <a:txBody>
+                    <a:bodyPr/>
+                    <a:lstStyle/>
+                    <a:p>
+                      <a:pPr marL="0" algn="ctr" defTabSz="914400" rtl="0" eaLnBrk="1" fontAlgn="ctr" latinLnBrk="0" hangingPunct="1"/>
+                      <a:r>
+                        <a:rPr lang="en-US" sz="1200" b="0" i="0" u="none" strike="noStrike" kern="1200" dirty="0">
+                          <a:solidFill>
+                            <a:srgbClr val="000000"/>
+                          </a:solidFill>
+                          <a:effectLst/>
+                          <a:latin typeface="+mn-lt"/>
+                          <a:ea typeface="+mn-ea"/>
+                          <a:cs typeface="+mn-cs"/>
+                        </a:rPr>
+                        <a:t>0</a:t>
+                      </a:r>
+                    </a:p>
+                  </a:txBody>
+                  <a:tcPr marL="9525" marR="9525" marT="9525" marB="0" anchor="ctr"/>
+                </a:tc>
+                <a:extLst>
+                  <a:ext uri="{0D108BD9-81ED-4DB2-BD59-A6C34878D82A}">
+                    <a16:rowId xmlns:a16="http://schemas.microsoft.com/office/drawing/2014/main" val="4035056101"/>
+                  </a:ext>
+                </a:extLst>
+              </a:tr>
+              <a:tr h="163099">
+                <a:tc>
+                  <a:txBody>
+                    <a:bodyPr/>
+                    <a:lstStyle/>
+                    <a:p>
+                      <a:pPr marL="0" algn="ctr" defTabSz="914400" rtl="0" eaLnBrk="1" fontAlgn="ctr" latinLnBrk="0" hangingPunct="1"/>
+                      <a:r>
+                        <a:rPr lang="en-US" sz="1200" b="0" i="0" u="none" strike="noStrike" kern="1200" dirty="0">
+                          <a:solidFill>
+                            <a:srgbClr val="000000"/>
+                          </a:solidFill>
+                          <a:effectLst/>
+                          <a:latin typeface="+mn-lt"/>
+                          <a:ea typeface="+mn-ea"/>
+                          <a:cs typeface="+mn-cs"/>
+                        </a:rPr>
+                        <a:t>Albania</a:t>
+                      </a:r>
+                    </a:p>
+                  </a:txBody>
+                  <a:tcPr marL="9525" marR="9525" marT="9525" marB="0" anchor="ctr"/>
+                </a:tc>
+                <a:tc>
+                  <a:txBody>
+                    <a:bodyPr/>
+                    <a:lstStyle/>
+                    <a:p>
+                      <a:pPr marL="0" algn="ctr" defTabSz="914400" rtl="0" eaLnBrk="1" fontAlgn="ctr" latinLnBrk="0" hangingPunct="1"/>
+                      <a:r>
+                        <a:rPr lang="en-US" sz="1200" b="0" i="0" u="none" strike="noStrike" kern="1200" dirty="0" err="1">
+                          <a:solidFill>
+                            <a:srgbClr val="000000"/>
+                          </a:solidFill>
+                          <a:effectLst/>
+                          <a:latin typeface="+mn-lt"/>
+                          <a:ea typeface="+mn-ea"/>
+                          <a:cs typeface="+mn-cs"/>
+                        </a:rPr>
+                        <a:t>Fatas</a:t>
+                      </a:r>
+                      <a:endParaRPr lang="en-US" sz="1200" b="0" i="0" u="none" strike="noStrike" kern="1200" dirty="0">
+                        <a:solidFill>
+                          <a:srgbClr val="000000"/>
+                        </a:solidFill>
+                        <a:effectLst/>
+                        <a:latin typeface="+mn-lt"/>
+                        <a:ea typeface="+mn-ea"/>
+                        <a:cs typeface="+mn-cs"/>
+                      </a:endParaRPr>
+                    </a:p>
+                  </a:txBody>
+                  <a:tcPr marL="9525" marR="9525" marT="9525" marB="0" anchor="ctr"/>
+                </a:tc>
+                <a:tc>
+                  <a:txBody>
+                    <a:bodyPr/>
+                    <a:lstStyle/>
+                    <a:p>
+                      <a:pPr marL="0" algn="ctr" defTabSz="914400" rtl="0" eaLnBrk="1" fontAlgn="ctr" latinLnBrk="0" hangingPunct="1"/>
+                      <a:r>
+                        <a:rPr lang="en-US" sz="1200" b="0" i="0" u="none" strike="noStrike" kern="1200" dirty="0">
+                          <a:solidFill>
+                            <a:srgbClr val="000000"/>
+                          </a:solidFill>
+                          <a:effectLst/>
+                          <a:latin typeface="+mn-lt"/>
+                          <a:ea typeface="+mn-ea"/>
+                          <a:cs typeface="+mn-cs"/>
+                        </a:rPr>
+                        <a:t>2</a:t>
+                      </a:r>
+                    </a:p>
+                  </a:txBody>
+                  <a:tcPr marL="9525" marR="9525" marT="9525" marB="0" anchor="ctr"/>
+                </a:tc>
+                <a:tc>
+                  <a:txBody>
+                    <a:bodyPr/>
+                    <a:lstStyle/>
+                    <a:p>
+                      <a:pPr marL="0" algn="ctr" defTabSz="914400" rtl="0" eaLnBrk="1" fontAlgn="ctr" latinLnBrk="0" hangingPunct="1"/>
+                      <a:r>
+                        <a:rPr lang="en-US" sz="1200" b="0" i="0" u="none" strike="noStrike" kern="1200" dirty="0">
+                          <a:solidFill>
+                            <a:srgbClr val="000000"/>
+                          </a:solidFill>
+                          <a:effectLst/>
+                          <a:latin typeface="+mn-lt"/>
+                          <a:ea typeface="+mn-ea"/>
+                          <a:cs typeface="+mn-cs"/>
+                        </a:rPr>
+                        <a:t>Dem.</a:t>
+                      </a:r>
+                    </a:p>
+                  </a:txBody>
+                  <a:tcPr marL="9525" marR="9525" marT="9525" marB="0" anchor="ctr"/>
+                </a:tc>
+                <a:tc>
+                  <a:txBody>
+                    <a:bodyPr/>
+                    <a:lstStyle/>
+                    <a:p>
+                      <a:pPr marL="0" algn="ctr" defTabSz="914400" rtl="0" eaLnBrk="1" fontAlgn="ctr" latinLnBrk="0" hangingPunct="1"/>
+                      <a:r>
+                        <a:rPr lang="en-US" sz="1200" b="0" i="0" u="none" strike="noStrike" kern="1200" dirty="0">
+                          <a:solidFill>
+                            <a:srgbClr val="000000"/>
+                          </a:solidFill>
+                          <a:effectLst/>
+                          <a:latin typeface="+mn-lt"/>
+                          <a:ea typeface="+mn-ea"/>
+                          <a:cs typeface="+mn-cs"/>
+                        </a:rPr>
+                        <a:t>NA</a:t>
+                      </a:r>
+                    </a:p>
+                  </a:txBody>
+                  <a:tcPr marL="9525" marR="9525" marT="9525" marB="0" anchor="ctr"/>
+                </a:tc>
+                <a:tc>
+                  <a:txBody>
+                    <a:bodyPr/>
+                    <a:lstStyle/>
+                    <a:p>
+                      <a:pPr marL="0" algn="ctr" defTabSz="914400" rtl="0" eaLnBrk="1" fontAlgn="ctr" latinLnBrk="0" hangingPunct="1"/>
+                      <a:r>
+                        <a:rPr lang="en-US" sz="1200" b="0" i="0" u="none" strike="noStrike" kern="1200" dirty="0" err="1">
+                          <a:solidFill>
+                            <a:srgbClr val="000000"/>
+                          </a:solidFill>
+                          <a:effectLst/>
+                          <a:latin typeface="+mn-lt"/>
+                          <a:ea typeface="+mn-ea"/>
+                          <a:cs typeface="+mn-cs"/>
+                        </a:rPr>
+                        <a:t>shock_t</a:t>
+                      </a:r>
+                      <a:endParaRPr lang="en-US" sz="1200" b="0" i="0" u="none" strike="noStrike" kern="1200" dirty="0">
+                        <a:solidFill>
+                          <a:srgbClr val="000000"/>
+                        </a:solidFill>
+                        <a:effectLst/>
+                        <a:latin typeface="+mn-lt"/>
+                        <a:ea typeface="+mn-ea"/>
+                        <a:cs typeface="+mn-cs"/>
+                      </a:endParaRPr>
+                    </a:p>
+                  </a:txBody>
+                  <a:tcPr marL="9525" marR="9525" marT="9525" marB="0" anchor="ctr"/>
+                </a:tc>
+                <a:tc>
+                  <a:txBody>
+                    <a:bodyPr/>
+                    <a:lstStyle/>
+                    <a:p>
+                      <a:pPr marL="0" algn="ctr" defTabSz="914400" rtl="0" eaLnBrk="1" fontAlgn="ctr" latinLnBrk="0" hangingPunct="1"/>
+                      <a:r>
+                        <a:rPr lang="en-US" sz="1200" b="0" i="0" u="none" strike="noStrike" kern="1200" dirty="0">
+                          <a:solidFill>
+                            <a:srgbClr val="000000"/>
+                          </a:solidFill>
+                          <a:effectLst/>
+                          <a:latin typeface="+mn-lt"/>
+                          <a:ea typeface="+mn-ea"/>
+                          <a:cs typeface="+mn-cs"/>
+                        </a:rPr>
+                        <a:t>1</a:t>
+                      </a:r>
+                    </a:p>
+                  </a:txBody>
+                  <a:tcPr marL="9525" marR="9525" marT="9525" marB="0" anchor="ctr"/>
+                </a:tc>
+                <a:tc>
+                  <a:txBody>
+                    <a:bodyPr/>
+                    <a:lstStyle/>
+                    <a:p>
+                      <a:pPr marL="0" algn="ctr" defTabSz="914400" rtl="0" eaLnBrk="1" fontAlgn="ctr" latinLnBrk="0" hangingPunct="1"/>
+                      <a:r>
+                        <a:rPr lang="en-US" sz="1200" b="0" i="0" u="none" strike="noStrike" kern="1200" dirty="0">
+                          <a:solidFill>
+                            <a:srgbClr val="000000"/>
+                          </a:solidFill>
+                          <a:effectLst/>
+                          <a:latin typeface="+mn-lt"/>
+                          <a:ea typeface="+mn-ea"/>
+                          <a:cs typeface="+mn-cs"/>
+                        </a:rPr>
+                        <a:t>0</a:t>
+                      </a:r>
+                    </a:p>
+                  </a:txBody>
+                  <a:tcPr marL="9525" marR="9525" marT="9525" marB="0" anchor="ctr"/>
+                </a:tc>
+                <a:extLst>
+                  <a:ext uri="{0D108BD9-81ED-4DB2-BD59-A6C34878D82A}">
+                    <a16:rowId xmlns:a16="http://schemas.microsoft.com/office/drawing/2014/main" val="888031211"/>
+                  </a:ext>
+                </a:extLst>
+              </a:tr>
+              <a:tr h="319228">
+                <a:tc>
+                  <a:txBody>
+                    <a:bodyPr/>
+                    <a:lstStyle/>
+                    <a:p>
+                      <a:pPr marL="0" algn="ctr" defTabSz="914400" rtl="0" eaLnBrk="1" fontAlgn="ctr" latinLnBrk="0" hangingPunct="1"/>
+                      <a:r>
+                        <a:rPr lang="en-US" sz="1200" b="0" i="0" u="none" strike="noStrike" kern="1200" dirty="0">
+                          <a:solidFill>
+                            <a:srgbClr val="000000"/>
+                          </a:solidFill>
+                          <a:effectLst/>
+                          <a:latin typeface="+mn-lt"/>
+                          <a:ea typeface="+mn-ea"/>
+                          <a:cs typeface="+mn-cs"/>
+                        </a:rPr>
+                        <a:t>Albania</a:t>
+                      </a:r>
+                    </a:p>
+                  </a:txBody>
+                  <a:tcPr marL="9525" marR="9525" marT="9525" marB="0" anchor="ctr"/>
+                </a:tc>
+                <a:tc>
+                  <a:txBody>
+                    <a:bodyPr/>
+                    <a:lstStyle/>
+                    <a:p>
+                      <a:pPr marL="0" algn="ctr" defTabSz="914400" rtl="0" eaLnBrk="1" fontAlgn="ctr" latinLnBrk="0" hangingPunct="1"/>
+                      <a:r>
+                        <a:rPr lang="en-US" sz="1200" b="0" i="0" u="none" strike="noStrike" kern="1200" dirty="0">
+                          <a:solidFill>
+                            <a:srgbClr val="000000"/>
+                          </a:solidFill>
+                          <a:effectLst/>
+                          <a:latin typeface="+mn-lt"/>
+                          <a:ea typeface="+mn-ea"/>
+                          <a:cs typeface="+mn-cs"/>
+                        </a:rPr>
+                        <a:t>Meta</a:t>
+                      </a:r>
+                    </a:p>
+                  </a:txBody>
+                  <a:tcPr marL="9525" marR="9525" marT="9525" marB="0" anchor="ctr"/>
+                </a:tc>
+                <a:tc>
+                  <a:txBody>
+                    <a:bodyPr/>
+                    <a:lstStyle/>
+                    <a:p>
+                      <a:pPr marL="0" algn="ctr" defTabSz="914400" rtl="0" eaLnBrk="1" fontAlgn="ctr" latinLnBrk="0" hangingPunct="1"/>
+                      <a:r>
+                        <a:rPr lang="en-US" sz="1200" b="0" i="0" u="none" strike="noStrike" kern="1200" dirty="0">
+                          <a:solidFill>
+                            <a:srgbClr val="000000"/>
+                          </a:solidFill>
+                          <a:effectLst/>
+                          <a:latin typeface="+mn-lt"/>
+                          <a:ea typeface="+mn-ea"/>
+                          <a:cs typeface="+mn-cs"/>
+                        </a:rPr>
+                        <a:t>4</a:t>
+                      </a:r>
+                    </a:p>
+                  </a:txBody>
+                  <a:tcPr marL="9525" marR="9525" marT="9525" marB="0" anchor="ctr"/>
+                </a:tc>
+                <a:tc>
+                  <a:txBody>
+                    <a:bodyPr/>
+                    <a:lstStyle/>
+                    <a:p>
+                      <a:pPr marL="0" algn="ctr" defTabSz="914400" rtl="0" eaLnBrk="1" fontAlgn="ctr" latinLnBrk="0" hangingPunct="1"/>
+                      <a:r>
+                        <a:rPr lang="en-US" sz="1200" b="0" i="0" u="none" strike="noStrike" kern="1200" dirty="0">
+                          <a:solidFill>
+                            <a:srgbClr val="000000"/>
+                          </a:solidFill>
+                          <a:effectLst/>
+                          <a:latin typeface="+mn-lt"/>
+                          <a:ea typeface="+mn-ea"/>
+                          <a:cs typeface="+mn-cs"/>
+                        </a:rPr>
+                        <a:t>Dem.</a:t>
+                      </a:r>
+                    </a:p>
+                  </a:txBody>
+                  <a:tcPr marL="9525" marR="9525" marT="9525" marB="0" anchor="ctr"/>
+                </a:tc>
+                <a:tc>
+                  <a:txBody>
+                    <a:bodyPr/>
+                    <a:lstStyle/>
+                    <a:p>
+                      <a:pPr marL="0" algn="ctr" defTabSz="914400" rtl="0" eaLnBrk="1" fontAlgn="ctr" latinLnBrk="0" hangingPunct="1"/>
+                      <a:r>
+                        <a:rPr lang="en-US" sz="1200" b="0" i="0" u="none" strike="noStrike" kern="1200" dirty="0">
+                          <a:solidFill>
+                            <a:srgbClr val="000000"/>
+                          </a:solidFill>
+                          <a:effectLst/>
+                          <a:latin typeface="+mn-lt"/>
+                          <a:ea typeface="+mn-ea"/>
+                          <a:cs typeface="+mn-cs"/>
+                        </a:rPr>
+                        <a:t>NA</a:t>
+                      </a:r>
+                    </a:p>
+                  </a:txBody>
+                  <a:tcPr marL="9525" marR="9525" marT="9525" marB="0" anchor="ctr"/>
+                </a:tc>
+                <a:tc>
+                  <a:txBody>
+                    <a:bodyPr/>
+                    <a:lstStyle/>
+                    <a:p>
+                      <a:pPr marL="0" algn="ctr" defTabSz="914400" rtl="0" eaLnBrk="1" fontAlgn="ctr" latinLnBrk="0" hangingPunct="1"/>
+                      <a:r>
+                        <a:rPr lang="en-US" sz="1200" b="0" i="0" u="none" strike="noStrike" kern="1200" dirty="0">
+                          <a:solidFill>
+                            <a:srgbClr val="000000"/>
+                          </a:solidFill>
+                          <a:effectLst/>
+                          <a:latin typeface="+mn-lt"/>
+                          <a:ea typeface="+mn-ea"/>
+                          <a:cs typeface="+mn-cs"/>
+                        </a:rPr>
+                        <a:t>shock_t1</a:t>
+                      </a:r>
+                    </a:p>
+                  </a:txBody>
+                  <a:tcPr marL="9525" marR="9525" marT="9525" marB="0" anchor="ctr"/>
+                </a:tc>
+                <a:tc>
+                  <a:txBody>
+                    <a:bodyPr/>
+                    <a:lstStyle/>
+                    <a:p>
+                      <a:pPr marL="0" algn="ctr" defTabSz="914400" rtl="0" eaLnBrk="1" fontAlgn="ctr" latinLnBrk="0" hangingPunct="1"/>
+                      <a:r>
+                        <a:rPr lang="en-US" sz="1200" b="0" i="0" u="none" strike="noStrike" kern="1200" dirty="0">
+                          <a:solidFill>
+                            <a:srgbClr val="000000"/>
+                          </a:solidFill>
+                          <a:effectLst/>
+                          <a:latin typeface="+mn-lt"/>
+                          <a:ea typeface="+mn-ea"/>
+                          <a:cs typeface="+mn-cs"/>
+                        </a:rPr>
+                        <a:t>1</a:t>
+                      </a:r>
+                    </a:p>
+                  </a:txBody>
+                  <a:tcPr marL="9525" marR="9525" marT="9525" marB="0" anchor="ctr"/>
+                </a:tc>
+                <a:tc>
+                  <a:txBody>
+                    <a:bodyPr/>
+                    <a:lstStyle/>
+                    <a:p>
+                      <a:pPr marL="0" algn="ctr" defTabSz="914400" rtl="0" eaLnBrk="1" fontAlgn="ctr" latinLnBrk="0" hangingPunct="1"/>
+                      <a:r>
+                        <a:rPr lang="en-US" sz="1200" b="0" i="0" u="none" strike="noStrike" kern="1200" dirty="0">
+                          <a:solidFill>
+                            <a:srgbClr val="000000"/>
+                          </a:solidFill>
+                          <a:effectLst/>
+                          <a:latin typeface="+mn-lt"/>
+                          <a:ea typeface="+mn-ea"/>
+                          <a:cs typeface="+mn-cs"/>
+                        </a:rPr>
+                        <a:t>1</a:t>
+                      </a:r>
+                    </a:p>
+                  </a:txBody>
+                  <a:tcPr marL="9525" marR="9525" marT="9525" marB="0" anchor="ctr"/>
+                </a:tc>
+                <a:extLst>
+                  <a:ext uri="{0D108BD9-81ED-4DB2-BD59-A6C34878D82A}">
+                    <a16:rowId xmlns:a16="http://schemas.microsoft.com/office/drawing/2014/main" val="59049679"/>
+                  </a:ext>
+                </a:extLst>
+              </a:tr>
+              <a:tr h="151096">
+                <a:tc>
+                  <a:txBody>
+                    <a:bodyPr/>
+                    <a:lstStyle/>
+                    <a:p>
+                      <a:pPr marL="0" algn="ctr" defTabSz="914400" rtl="0" eaLnBrk="1" fontAlgn="ctr" latinLnBrk="0" hangingPunct="1">
+                        <a:lnSpc>
+                          <a:spcPct val="50000"/>
+                        </a:lnSpc>
+                      </a:pPr>
+                      <a:endParaRPr lang="en-US" sz="1200" b="0" i="0" u="none" strike="noStrike" kern="1200" dirty="0">
+                        <a:solidFill>
+                          <a:srgbClr val="000000"/>
+                        </a:solidFill>
+                        <a:effectLst/>
+                        <a:latin typeface="+mn-lt"/>
+                        <a:ea typeface="+mn-ea"/>
+                        <a:cs typeface="+mn-cs"/>
+                      </a:endParaRPr>
+                    </a:p>
+                  </a:txBody>
+                  <a:tcPr marL="9525" marR="9525" marT="9525" marB="0" anchor="ctr"/>
+                </a:tc>
+                <a:tc>
+                  <a:txBody>
+                    <a:bodyPr/>
+                    <a:lstStyle/>
+                    <a:p>
+                      <a:pPr marL="0" algn="ctr" defTabSz="914400" rtl="0" eaLnBrk="1" fontAlgn="ctr" latinLnBrk="0" hangingPunct="1">
+                        <a:lnSpc>
+                          <a:spcPct val="50000"/>
+                        </a:lnSpc>
+                      </a:pPr>
+                      <a:endParaRPr lang="en-US" sz="1200" b="0" i="0" u="none" strike="noStrike" kern="1200" dirty="0">
+                        <a:solidFill>
+                          <a:srgbClr val="000000"/>
+                        </a:solidFill>
+                        <a:effectLst/>
+                        <a:latin typeface="+mn-lt"/>
+                        <a:ea typeface="+mn-ea"/>
+                        <a:cs typeface="+mn-cs"/>
+                      </a:endParaRPr>
+                    </a:p>
+                  </a:txBody>
+                  <a:tcPr marL="9525" marR="9525" marT="9525" marB="0" anchor="ctr"/>
+                </a:tc>
+                <a:tc>
+                  <a:txBody>
+                    <a:bodyPr/>
+                    <a:lstStyle/>
+                    <a:p>
+                      <a:pPr marL="0" algn="ctr" defTabSz="914400" rtl="0" eaLnBrk="1" fontAlgn="ctr" latinLnBrk="0" hangingPunct="1">
+                        <a:lnSpc>
+                          <a:spcPct val="50000"/>
+                        </a:lnSpc>
+                      </a:pPr>
+                      <a:endParaRPr lang="en-US" sz="1200" b="0" i="0" u="none" strike="noStrike" kern="1200" dirty="0">
+                        <a:solidFill>
+                          <a:srgbClr val="000000"/>
+                        </a:solidFill>
+                        <a:effectLst/>
+                        <a:latin typeface="+mn-lt"/>
+                        <a:ea typeface="+mn-ea"/>
+                        <a:cs typeface="+mn-cs"/>
+                      </a:endParaRPr>
+                    </a:p>
+                  </a:txBody>
+                  <a:tcPr marL="9525" marR="9525" marT="9525" marB="0" anchor="ctr"/>
+                </a:tc>
+                <a:tc>
+                  <a:txBody>
+                    <a:bodyPr/>
+                    <a:lstStyle/>
+                    <a:p>
+                      <a:pPr marL="0" algn="ctr" defTabSz="914400" rtl="0" eaLnBrk="1" fontAlgn="ctr" latinLnBrk="0" hangingPunct="1">
+                        <a:lnSpc>
+                          <a:spcPct val="50000"/>
+                        </a:lnSpc>
+                      </a:pPr>
+                      <a:r>
+                        <a:rPr lang="en-US" sz="1200" b="0" i="0" u="none" strike="noStrike" kern="1200" dirty="0">
+                          <a:solidFill>
+                            <a:srgbClr val="000000"/>
+                          </a:solidFill>
+                          <a:effectLst/>
+                          <a:latin typeface="+mn-lt"/>
+                          <a:ea typeface="+mn-ea"/>
+                          <a:cs typeface="+mn-cs"/>
+                        </a:rPr>
+                        <a:t>.</a:t>
+                      </a:r>
+                    </a:p>
+                    <a:p>
+                      <a:pPr marL="0" algn="ctr" defTabSz="914400" rtl="0" eaLnBrk="1" fontAlgn="ctr" latinLnBrk="0" hangingPunct="1">
+                        <a:lnSpc>
+                          <a:spcPct val="50000"/>
+                        </a:lnSpc>
+                      </a:pPr>
+                      <a:r>
+                        <a:rPr lang="en-US" sz="1200" b="0" i="0" u="none" strike="noStrike" kern="1200" dirty="0">
+                          <a:solidFill>
+                            <a:srgbClr val="000000"/>
+                          </a:solidFill>
+                          <a:effectLst/>
+                          <a:latin typeface="+mn-lt"/>
+                          <a:ea typeface="+mn-ea"/>
+                          <a:cs typeface="+mn-cs"/>
+                        </a:rPr>
+                        <a:t>.</a:t>
+                      </a:r>
+                    </a:p>
+                    <a:p>
+                      <a:pPr marL="0" algn="ctr" defTabSz="914400" rtl="0" eaLnBrk="1" fontAlgn="ctr" latinLnBrk="0" hangingPunct="1">
+                        <a:lnSpc>
+                          <a:spcPct val="50000"/>
+                        </a:lnSpc>
+                      </a:pPr>
+                      <a:r>
+                        <a:rPr lang="en-US" sz="1200" b="0" i="0" u="none" strike="noStrike" kern="1200" dirty="0">
+                          <a:solidFill>
+                            <a:srgbClr val="000000"/>
+                          </a:solidFill>
+                          <a:effectLst/>
+                          <a:latin typeface="+mn-lt"/>
+                          <a:ea typeface="+mn-ea"/>
+                          <a:cs typeface="+mn-cs"/>
+                        </a:rPr>
+                        <a:t>.</a:t>
+                      </a:r>
+                    </a:p>
+                  </a:txBody>
+                  <a:tcPr marL="9525" marR="9525" marT="9525" marB="0" anchor="ctr"/>
+                </a:tc>
+                <a:tc>
+                  <a:txBody>
+                    <a:bodyPr/>
+                    <a:lstStyle/>
+                    <a:p>
+                      <a:pPr marL="0" algn="ctr" defTabSz="914400" rtl="0" eaLnBrk="1" fontAlgn="ctr" latinLnBrk="0" hangingPunct="1">
+                        <a:lnSpc>
+                          <a:spcPct val="50000"/>
+                        </a:lnSpc>
+                      </a:pPr>
+                      <a:endParaRPr lang="en-US" sz="1200" b="0" i="0" u="none" strike="noStrike" kern="1200" dirty="0">
+                        <a:solidFill>
+                          <a:srgbClr val="000000"/>
+                        </a:solidFill>
+                        <a:effectLst/>
+                        <a:latin typeface="+mn-lt"/>
+                        <a:ea typeface="+mn-ea"/>
+                        <a:cs typeface="+mn-cs"/>
+                      </a:endParaRPr>
+                    </a:p>
+                  </a:txBody>
+                  <a:tcPr marL="9525" marR="9525" marT="9525" marB="0" anchor="ctr"/>
+                </a:tc>
+                <a:tc>
+                  <a:txBody>
+                    <a:bodyPr/>
+                    <a:lstStyle/>
+                    <a:p>
+                      <a:pPr marL="0" algn="ctr" defTabSz="914400" rtl="0" eaLnBrk="1" fontAlgn="ctr" latinLnBrk="0" hangingPunct="1">
+                        <a:lnSpc>
+                          <a:spcPct val="50000"/>
+                        </a:lnSpc>
+                      </a:pPr>
+                      <a:endParaRPr lang="en-US" sz="1200" b="0" i="0" u="none" strike="noStrike" kern="1200" dirty="0">
+                        <a:solidFill>
+                          <a:srgbClr val="000000"/>
+                        </a:solidFill>
+                        <a:effectLst/>
+                        <a:latin typeface="+mn-lt"/>
+                        <a:ea typeface="+mn-ea"/>
+                        <a:cs typeface="+mn-cs"/>
+                      </a:endParaRPr>
+                    </a:p>
+                  </a:txBody>
+                  <a:tcPr marL="9525" marR="9525" marT="9525" marB="0" anchor="ctr"/>
+                </a:tc>
+                <a:tc>
+                  <a:txBody>
+                    <a:bodyPr/>
+                    <a:lstStyle/>
+                    <a:p>
+                      <a:pPr marL="0" algn="ctr" defTabSz="914400" rtl="0" eaLnBrk="1" fontAlgn="ctr" latinLnBrk="0" hangingPunct="1">
+                        <a:lnSpc>
+                          <a:spcPct val="50000"/>
+                        </a:lnSpc>
+                      </a:pPr>
+                      <a:endParaRPr lang="en-US" sz="1200" b="0" i="0" u="none" strike="noStrike" kern="1200" dirty="0">
+                        <a:solidFill>
+                          <a:srgbClr val="000000"/>
+                        </a:solidFill>
+                        <a:effectLst/>
+                        <a:latin typeface="+mn-lt"/>
+                        <a:ea typeface="+mn-ea"/>
+                        <a:cs typeface="+mn-cs"/>
+                      </a:endParaRPr>
+                    </a:p>
+                  </a:txBody>
+                  <a:tcPr marL="9525" marR="9525" marT="9525" marB="0" anchor="ctr"/>
+                </a:tc>
+                <a:tc>
+                  <a:txBody>
+                    <a:bodyPr/>
+                    <a:lstStyle/>
+                    <a:p>
+                      <a:pPr marL="0" algn="ctr" defTabSz="914400" rtl="0" eaLnBrk="1" fontAlgn="ctr" latinLnBrk="0" hangingPunct="1"/>
+                      <a:endParaRPr lang="en-US" sz="1200" b="0" i="0" u="none" strike="noStrike" kern="1200">
+                        <a:solidFill>
+                          <a:srgbClr val="000000"/>
+                        </a:solidFill>
+                        <a:effectLst/>
+                        <a:latin typeface="+mn-lt"/>
+                        <a:ea typeface="+mn-ea"/>
+                        <a:cs typeface="+mn-cs"/>
+                      </a:endParaRPr>
+                    </a:p>
+                  </a:txBody>
+                  <a:tcPr marL="9525" marR="9525" marT="9525" marB="0" anchor="ctr"/>
+                </a:tc>
+                <a:extLst>
+                  <a:ext uri="{0D108BD9-81ED-4DB2-BD59-A6C34878D82A}">
+                    <a16:rowId xmlns:a16="http://schemas.microsoft.com/office/drawing/2014/main" val="390991799"/>
+                  </a:ext>
+                </a:extLst>
+              </a:tr>
+              <a:tr h="199771">
+                <a:tc>
+                  <a:txBody>
+                    <a:bodyPr/>
+                    <a:lstStyle/>
+                    <a:p>
+                      <a:pPr marL="0" algn="ctr" defTabSz="914400" rtl="0" eaLnBrk="1" fontAlgn="ctr" latinLnBrk="0" hangingPunct="1"/>
+                      <a:r>
+                        <a:rPr lang="en-US" sz="1200" b="0" i="0" u="none" strike="noStrike" kern="1200" dirty="0">
+                          <a:solidFill>
+                            <a:srgbClr val="000000"/>
+                          </a:solidFill>
+                          <a:effectLst/>
+                          <a:latin typeface="+mn-lt"/>
+                          <a:ea typeface="+mn-ea"/>
+                          <a:cs typeface="+mn-cs"/>
+                        </a:rPr>
+                        <a:t>Algeria</a:t>
+                      </a:r>
+                    </a:p>
+                  </a:txBody>
+                  <a:tcPr marL="9525" marR="9525" marT="9525" marB="0" anchor="ctr"/>
+                </a:tc>
+                <a:tc>
+                  <a:txBody>
+                    <a:bodyPr/>
+                    <a:lstStyle/>
+                    <a:p>
+                      <a:pPr marL="0" algn="ctr" defTabSz="914400" rtl="0" eaLnBrk="1" fontAlgn="ctr" latinLnBrk="0" hangingPunct="1"/>
+                      <a:r>
+                        <a:rPr lang="en-US" sz="1200" b="0" i="0" u="none" strike="noStrike" kern="1200" dirty="0" err="1">
+                          <a:solidFill>
+                            <a:srgbClr val="000000"/>
+                          </a:solidFill>
+                          <a:effectLst/>
+                          <a:latin typeface="+mn-lt"/>
+                          <a:ea typeface="+mn-ea"/>
+                          <a:cs typeface="+mn-cs"/>
+                        </a:rPr>
+                        <a:t>Zeroual</a:t>
+                      </a:r>
+                      <a:endParaRPr lang="en-US" sz="1200" b="0" i="0" u="none" strike="noStrike" kern="1200" dirty="0">
+                        <a:solidFill>
+                          <a:srgbClr val="000000"/>
+                        </a:solidFill>
+                        <a:effectLst/>
+                        <a:latin typeface="+mn-lt"/>
+                        <a:ea typeface="+mn-ea"/>
+                        <a:cs typeface="+mn-cs"/>
+                      </a:endParaRPr>
+                    </a:p>
+                  </a:txBody>
+                  <a:tcPr marL="9525" marR="9525" marT="9525" marB="0" anchor="ctr"/>
+                </a:tc>
+                <a:tc>
+                  <a:txBody>
+                    <a:bodyPr/>
+                    <a:lstStyle/>
+                    <a:p>
+                      <a:pPr marL="0" algn="ctr" defTabSz="914400" rtl="0" eaLnBrk="1" fontAlgn="ctr" latinLnBrk="0" hangingPunct="1"/>
+                      <a:r>
+                        <a:rPr lang="en-US" sz="1200" b="0" i="0" u="none" strike="noStrike" kern="1200" dirty="0">
+                          <a:solidFill>
+                            <a:srgbClr val="000000"/>
+                          </a:solidFill>
+                          <a:effectLst/>
+                          <a:latin typeface="+mn-lt"/>
+                          <a:ea typeface="+mn-ea"/>
+                          <a:cs typeface="+mn-cs"/>
+                        </a:rPr>
+                        <a:t>6</a:t>
+                      </a:r>
+                    </a:p>
+                  </a:txBody>
+                  <a:tcPr marL="9525" marR="9525" marT="9525" marB="0" anchor="ctr"/>
+                </a:tc>
+                <a:tc>
+                  <a:txBody>
+                    <a:bodyPr/>
+                    <a:lstStyle/>
+                    <a:p>
+                      <a:pPr marL="0" algn="ctr" defTabSz="914400" rtl="0" eaLnBrk="1" fontAlgn="ctr" latinLnBrk="0" hangingPunct="1"/>
+                      <a:r>
+                        <a:rPr lang="en-US" sz="1200" b="0" i="0" u="none" strike="noStrike" kern="1200" dirty="0">
+                          <a:solidFill>
+                            <a:srgbClr val="000000"/>
+                          </a:solidFill>
+                          <a:effectLst/>
+                          <a:latin typeface="+mn-lt"/>
+                          <a:ea typeface="+mn-ea"/>
+                          <a:cs typeface="+mn-cs"/>
+                        </a:rPr>
+                        <a:t>Dict.</a:t>
+                      </a:r>
+                    </a:p>
+                  </a:txBody>
+                  <a:tcPr marL="9525" marR="9525" marT="9525" marB="0" anchor="ctr"/>
+                </a:tc>
+                <a:tc>
+                  <a:txBody>
+                    <a:bodyPr/>
+                    <a:lstStyle/>
+                    <a:p>
+                      <a:pPr marL="0" algn="ctr" defTabSz="914400" rtl="0" eaLnBrk="1" fontAlgn="ctr" latinLnBrk="0" hangingPunct="1"/>
+                      <a:r>
+                        <a:rPr lang="en-US" sz="1200" b="0" i="0" u="none" strike="noStrike" kern="1200" dirty="0">
+                          <a:solidFill>
+                            <a:srgbClr val="000000"/>
+                          </a:solidFill>
+                          <a:effectLst/>
+                          <a:latin typeface="+mn-lt"/>
+                          <a:ea typeface="+mn-ea"/>
+                          <a:cs typeface="+mn-cs"/>
+                        </a:rPr>
+                        <a:t>Regime</a:t>
+                      </a:r>
+                    </a:p>
+                  </a:txBody>
+                  <a:tcPr marL="9525" marR="9525" marT="9525" marB="0" anchor="ctr"/>
+                </a:tc>
+                <a:tc>
+                  <a:txBody>
+                    <a:bodyPr/>
+                    <a:lstStyle/>
+                    <a:p>
+                      <a:pPr marL="0" algn="ctr" defTabSz="914400" rtl="0" eaLnBrk="1" fontAlgn="ctr" latinLnBrk="0" hangingPunct="1"/>
+                      <a:r>
+                        <a:rPr lang="en-US" sz="1200" b="0" i="0" u="none" strike="noStrike" kern="1200" dirty="0">
+                          <a:solidFill>
+                            <a:srgbClr val="000000"/>
+                          </a:solidFill>
+                          <a:effectLst/>
+                          <a:latin typeface="+mn-lt"/>
+                          <a:ea typeface="+mn-ea"/>
+                          <a:cs typeface="+mn-cs"/>
+                        </a:rPr>
+                        <a:t>shock_t1</a:t>
+                      </a:r>
+                    </a:p>
+                  </a:txBody>
+                  <a:tcPr marL="9525" marR="9525" marT="9525" marB="0" anchor="ctr"/>
+                </a:tc>
+                <a:tc>
+                  <a:txBody>
+                    <a:bodyPr/>
+                    <a:lstStyle/>
+                    <a:p>
+                      <a:pPr marL="0" algn="ctr" defTabSz="914400" rtl="0" eaLnBrk="1" fontAlgn="ctr" latinLnBrk="0" hangingPunct="1"/>
+                      <a:r>
+                        <a:rPr lang="en-US" sz="1200" b="0" i="0" u="none" strike="noStrike" kern="1200" dirty="0">
+                          <a:solidFill>
+                            <a:srgbClr val="000000"/>
+                          </a:solidFill>
+                          <a:effectLst/>
+                          <a:latin typeface="+mn-lt"/>
+                          <a:ea typeface="+mn-ea"/>
+                          <a:cs typeface="+mn-cs"/>
+                        </a:rPr>
+                        <a:t>1</a:t>
+                      </a:r>
+                    </a:p>
+                  </a:txBody>
+                  <a:tcPr marL="9525" marR="9525" marT="9525" marB="0" anchor="ctr"/>
+                </a:tc>
+                <a:tc>
+                  <a:txBody>
+                    <a:bodyPr/>
+                    <a:lstStyle/>
+                    <a:p>
+                      <a:pPr marL="0" algn="ctr" defTabSz="914400" rtl="0" eaLnBrk="1" fontAlgn="ctr" latinLnBrk="0" hangingPunct="1"/>
+                      <a:r>
+                        <a:rPr lang="en-US" sz="1200" b="0" i="0" u="none" strike="noStrike" kern="1200" dirty="0">
+                          <a:solidFill>
+                            <a:srgbClr val="000000"/>
+                          </a:solidFill>
+                          <a:effectLst/>
+                          <a:latin typeface="+mn-lt"/>
+                          <a:ea typeface="+mn-ea"/>
+                          <a:cs typeface="+mn-cs"/>
+                        </a:rPr>
+                        <a:t>1</a:t>
+                      </a:r>
+                    </a:p>
+                  </a:txBody>
+                  <a:tcPr marL="9525" marR="9525" marT="9525" marB="0" anchor="ctr"/>
+                </a:tc>
+                <a:extLst>
+                  <a:ext uri="{0D108BD9-81ED-4DB2-BD59-A6C34878D82A}">
+                    <a16:rowId xmlns:a16="http://schemas.microsoft.com/office/drawing/2014/main" val="3425224846"/>
+                  </a:ext>
+                </a:extLst>
+              </a:tr>
+              <a:tr h="133689">
+                <a:tc>
+                  <a:txBody>
+                    <a:bodyPr/>
+                    <a:lstStyle/>
+                    <a:p>
+                      <a:pPr marL="0" algn="ctr" defTabSz="914400" rtl="0" eaLnBrk="1" fontAlgn="ctr" latinLnBrk="0" hangingPunct="1"/>
+                      <a:r>
+                        <a:rPr lang="en-US" sz="1200" b="0" i="0" u="none" strike="noStrike" kern="1200" dirty="0">
+                          <a:solidFill>
+                            <a:srgbClr val="000000"/>
+                          </a:solidFill>
+                          <a:effectLst/>
+                          <a:latin typeface="+mn-lt"/>
+                          <a:ea typeface="+mn-ea"/>
+                          <a:cs typeface="+mn-cs"/>
+                        </a:rPr>
+                        <a:t>Egypt</a:t>
+                      </a:r>
+                    </a:p>
+                  </a:txBody>
+                  <a:tcPr marL="9525" marR="9525" marT="9525" marB="0" anchor="ctr"/>
+                </a:tc>
+                <a:tc>
+                  <a:txBody>
+                    <a:bodyPr/>
+                    <a:lstStyle/>
+                    <a:p>
+                      <a:pPr marL="0" algn="ctr" defTabSz="914400" rtl="0" eaLnBrk="1" fontAlgn="ctr" latinLnBrk="0" hangingPunct="1"/>
+                      <a:r>
+                        <a:rPr lang="en-US" sz="1200" b="0" i="0" u="none" strike="noStrike" kern="1200" dirty="0">
+                          <a:solidFill>
+                            <a:srgbClr val="000000"/>
+                          </a:solidFill>
+                          <a:effectLst/>
+                          <a:latin typeface="+mn-lt"/>
+                          <a:ea typeface="+mn-ea"/>
+                          <a:cs typeface="+mn-cs"/>
+                        </a:rPr>
+                        <a:t>Mansour</a:t>
+                      </a:r>
+                    </a:p>
+                  </a:txBody>
+                  <a:tcPr marL="9525" marR="9525" marT="9525" marB="0" anchor="ctr"/>
+                </a:tc>
+                <a:tc>
+                  <a:txBody>
+                    <a:bodyPr/>
+                    <a:lstStyle/>
+                    <a:p>
+                      <a:pPr marL="0" algn="ctr" defTabSz="914400" rtl="0" eaLnBrk="1" fontAlgn="ctr" latinLnBrk="0" hangingPunct="1"/>
+                      <a:r>
+                        <a:rPr lang="en-US" sz="1200" b="0" i="0" u="none" strike="noStrike" kern="1200" dirty="0">
+                          <a:solidFill>
+                            <a:srgbClr val="000000"/>
+                          </a:solidFill>
+                          <a:effectLst/>
+                          <a:latin typeface="+mn-lt"/>
+                          <a:ea typeface="+mn-ea"/>
+                          <a:cs typeface="+mn-cs"/>
+                        </a:rPr>
+                        <a:t>2</a:t>
+                      </a:r>
+                    </a:p>
+                  </a:txBody>
+                  <a:tcPr marL="9525" marR="9525" marT="9525" marB="0" anchor="ctr"/>
+                </a:tc>
+                <a:tc>
+                  <a:txBody>
+                    <a:bodyPr/>
+                    <a:lstStyle/>
+                    <a:p>
+                      <a:pPr marL="0" marR="0" lvl="0" indent="0" algn="ctr" defTabSz="914400" rtl="0" eaLnBrk="1" fontAlgn="ctr" latinLnBrk="0" hangingPunct="1">
+                        <a:lnSpc>
+                          <a:spcPct val="100000"/>
+                        </a:lnSpc>
+                        <a:spcBef>
+                          <a:spcPts val="0"/>
+                        </a:spcBef>
+                        <a:spcAft>
+                          <a:spcPts val="0"/>
+                        </a:spcAft>
+                        <a:buClrTx/>
+                        <a:buSzTx/>
+                        <a:buFontTx/>
+                        <a:buNone/>
+                        <a:tabLst/>
+                        <a:defRPr/>
+                      </a:pPr>
+                      <a:r>
+                        <a:rPr lang="en-US" sz="1200" b="0" i="0" u="none" strike="noStrike" kern="1200" dirty="0">
+                          <a:solidFill>
+                            <a:srgbClr val="000000"/>
+                          </a:solidFill>
+                          <a:effectLst/>
+                          <a:latin typeface="+mn-lt"/>
+                          <a:ea typeface="+mn-ea"/>
+                          <a:cs typeface="+mn-cs"/>
+                        </a:rPr>
+                        <a:t>Dict.</a:t>
+                      </a:r>
+                    </a:p>
+                  </a:txBody>
+                  <a:tcPr marL="9525" marR="9525" marT="9525" marB="0" anchor="ctr"/>
+                </a:tc>
+                <a:tc>
+                  <a:txBody>
+                    <a:bodyPr/>
+                    <a:lstStyle/>
+                    <a:p>
+                      <a:pPr marL="0" algn="ctr" defTabSz="914400" rtl="0" eaLnBrk="1" fontAlgn="ctr" latinLnBrk="0" hangingPunct="1"/>
+                      <a:r>
+                        <a:rPr lang="en-US" sz="1200" b="0" i="0" u="none" strike="noStrike" kern="1200" dirty="0" err="1">
+                          <a:solidFill>
+                            <a:srgbClr val="000000"/>
+                          </a:solidFill>
+                          <a:effectLst/>
+                          <a:latin typeface="+mn-lt"/>
+                          <a:ea typeface="+mn-ea"/>
+                          <a:cs typeface="+mn-cs"/>
+                        </a:rPr>
+                        <a:t>Opposi-tion</a:t>
+                      </a:r>
+                      <a:endParaRPr lang="en-US" sz="1200" b="0" i="0" u="none" strike="noStrike" kern="1200" dirty="0">
+                        <a:solidFill>
+                          <a:srgbClr val="000000"/>
+                        </a:solidFill>
+                        <a:effectLst/>
+                        <a:latin typeface="+mn-lt"/>
+                        <a:ea typeface="+mn-ea"/>
+                        <a:cs typeface="+mn-cs"/>
+                      </a:endParaRPr>
+                    </a:p>
+                  </a:txBody>
+                  <a:tcPr marL="9525" marR="9525" marT="9525" marB="0" anchor="ctr"/>
+                </a:tc>
+                <a:tc>
+                  <a:txBody>
+                    <a:bodyPr/>
+                    <a:lstStyle/>
+                    <a:p>
+                      <a:pPr marL="0" marR="0" lvl="0" indent="0" algn="ctr" defTabSz="914400" rtl="0" eaLnBrk="1" fontAlgn="ctr" latinLnBrk="0" hangingPunct="1">
+                        <a:lnSpc>
+                          <a:spcPct val="100000"/>
+                        </a:lnSpc>
+                        <a:spcBef>
+                          <a:spcPts val="0"/>
+                        </a:spcBef>
+                        <a:spcAft>
+                          <a:spcPts val="0"/>
+                        </a:spcAft>
+                        <a:buClrTx/>
+                        <a:buSzTx/>
+                        <a:buFontTx/>
+                        <a:buNone/>
+                        <a:tabLst/>
+                        <a:defRPr/>
+                      </a:pPr>
+                      <a:r>
+                        <a:rPr lang="en-US" sz="1200" b="0" i="0" u="none" strike="noStrike" kern="1200" dirty="0" err="1">
+                          <a:solidFill>
+                            <a:srgbClr val="000000"/>
+                          </a:solidFill>
+                          <a:effectLst/>
+                          <a:latin typeface="+mn-lt"/>
+                          <a:ea typeface="+mn-ea"/>
+                          <a:cs typeface="+mn-cs"/>
+                        </a:rPr>
+                        <a:t>ins_all</a:t>
+                      </a:r>
+                      <a:endParaRPr lang="en-US" sz="1200" b="0" i="0" u="none" strike="noStrike" kern="1200" dirty="0">
+                        <a:solidFill>
+                          <a:srgbClr val="000000"/>
+                        </a:solidFill>
+                        <a:effectLst/>
+                        <a:latin typeface="+mn-lt"/>
+                        <a:ea typeface="+mn-ea"/>
+                        <a:cs typeface="+mn-cs"/>
+                      </a:endParaRPr>
+                    </a:p>
+                  </a:txBody>
+                  <a:tcPr marL="9525" marR="9525" marT="9525" marB="0" anchor="ctr"/>
+                </a:tc>
+                <a:tc>
+                  <a:txBody>
+                    <a:bodyPr/>
+                    <a:lstStyle/>
+                    <a:p>
+                      <a:pPr marL="0" algn="ctr" defTabSz="914400" rtl="0" eaLnBrk="1" fontAlgn="ctr" latinLnBrk="0" hangingPunct="1"/>
+                      <a:r>
+                        <a:rPr lang="en-US" sz="1200" b="0" i="0" u="none" strike="noStrike" kern="1200" dirty="0">
+                          <a:solidFill>
+                            <a:srgbClr val="000000"/>
+                          </a:solidFill>
+                          <a:effectLst/>
+                          <a:latin typeface="+mn-lt"/>
+                          <a:ea typeface="+mn-ea"/>
+                          <a:cs typeface="+mn-cs"/>
+                        </a:rPr>
+                        <a:t>0</a:t>
+                      </a:r>
+                    </a:p>
+                  </a:txBody>
+                  <a:tcPr marL="9525" marR="9525" marT="9525" marB="0" anchor="ctr"/>
+                </a:tc>
+                <a:tc>
+                  <a:txBody>
+                    <a:bodyPr/>
+                    <a:lstStyle/>
+                    <a:p>
+                      <a:pPr marL="0" algn="ctr" defTabSz="914400" rtl="0" eaLnBrk="1" fontAlgn="ctr" latinLnBrk="0" hangingPunct="1"/>
+                      <a:r>
+                        <a:rPr lang="en-US" sz="1200" b="0" i="0" u="none" strike="noStrike" kern="1200" dirty="0">
+                          <a:solidFill>
+                            <a:srgbClr val="000000"/>
+                          </a:solidFill>
+                          <a:effectLst/>
+                          <a:latin typeface="+mn-lt"/>
+                          <a:ea typeface="+mn-ea"/>
+                          <a:cs typeface="+mn-cs"/>
+                        </a:rPr>
+                        <a:t>0</a:t>
+                      </a:r>
+                    </a:p>
+                  </a:txBody>
+                  <a:tcPr marL="9525" marR="9525" marT="9525" marB="0" anchor="ctr"/>
+                </a:tc>
+                <a:extLst>
+                  <a:ext uri="{0D108BD9-81ED-4DB2-BD59-A6C34878D82A}">
+                    <a16:rowId xmlns:a16="http://schemas.microsoft.com/office/drawing/2014/main" val="2275003929"/>
+                  </a:ext>
+                </a:extLst>
+              </a:tr>
+              <a:tr h="102421">
+                <a:tc>
+                  <a:txBody>
+                    <a:bodyPr/>
+                    <a:lstStyle/>
+                    <a:p>
+                      <a:pPr marL="0" algn="ctr" defTabSz="914400" rtl="0" eaLnBrk="1" fontAlgn="ctr" latinLnBrk="0" hangingPunct="1"/>
+                      <a:r>
+                        <a:rPr lang="en-US" sz="1200" b="0" i="0" u="none" strike="noStrike" kern="1200" dirty="0" err="1">
+                          <a:solidFill>
+                            <a:srgbClr val="000000"/>
+                          </a:solidFill>
+                          <a:effectLst/>
+                          <a:latin typeface="+mn-lt"/>
+                          <a:ea typeface="+mn-ea"/>
+                          <a:cs typeface="+mn-cs"/>
+                        </a:rPr>
+                        <a:t>Nambia</a:t>
+                      </a:r>
+                      <a:endParaRPr lang="en-US" sz="1200" b="0" i="0" u="none" strike="noStrike" kern="1200" dirty="0">
+                        <a:solidFill>
+                          <a:srgbClr val="000000"/>
+                        </a:solidFill>
+                        <a:effectLst/>
+                        <a:latin typeface="+mn-lt"/>
+                        <a:ea typeface="+mn-ea"/>
+                        <a:cs typeface="+mn-cs"/>
+                      </a:endParaRPr>
+                    </a:p>
+                  </a:txBody>
+                  <a:tcPr marL="9525" marR="9525" marT="9525" marB="0" anchor="ctr"/>
+                </a:tc>
+                <a:tc>
+                  <a:txBody>
+                    <a:bodyPr/>
+                    <a:lstStyle/>
+                    <a:p>
+                      <a:pPr marL="0" algn="ctr" defTabSz="914400" rtl="0" eaLnBrk="1" fontAlgn="ctr" latinLnBrk="0" hangingPunct="1"/>
+                      <a:r>
+                        <a:rPr lang="en-US" sz="1200" b="0" i="0" u="none" strike="noStrike" kern="1200" dirty="0" err="1">
+                          <a:solidFill>
+                            <a:srgbClr val="000000"/>
+                          </a:solidFill>
+                          <a:effectLst/>
+                          <a:latin typeface="+mn-lt"/>
+                          <a:ea typeface="+mn-ea"/>
+                          <a:cs typeface="+mn-cs"/>
+                        </a:rPr>
+                        <a:t>Pohamb</a:t>
+                      </a:r>
+                      <a:endParaRPr lang="en-US" sz="1200" b="0" i="0" u="none" strike="noStrike" kern="1200" dirty="0">
+                        <a:solidFill>
+                          <a:srgbClr val="000000"/>
+                        </a:solidFill>
+                        <a:effectLst/>
+                        <a:latin typeface="+mn-lt"/>
+                        <a:ea typeface="+mn-ea"/>
+                        <a:cs typeface="+mn-cs"/>
+                      </a:endParaRPr>
+                    </a:p>
+                  </a:txBody>
+                  <a:tcPr marL="9525" marR="9525" marT="9525" marB="0" anchor="ctr"/>
+                </a:tc>
+                <a:tc>
+                  <a:txBody>
+                    <a:bodyPr/>
+                    <a:lstStyle/>
+                    <a:p>
+                      <a:pPr marL="0" algn="ctr" defTabSz="914400" rtl="0" eaLnBrk="1" fontAlgn="ctr" latinLnBrk="0" hangingPunct="1"/>
+                      <a:r>
+                        <a:rPr lang="en-US" sz="1200" b="0" i="0" u="none" strike="noStrike" kern="1200" dirty="0">
+                          <a:solidFill>
+                            <a:srgbClr val="000000"/>
+                          </a:solidFill>
+                          <a:effectLst/>
+                          <a:latin typeface="+mn-lt"/>
+                          <a:ea typeface="+mn-ea"/>
+                          <a:cs typeface="+mn-cs"/>
+                        </a:rPr>
+                        <a:t>11</a:t>
+                      </a:r>
+                    </a:p>
+                  </a:txBody>
+                  <a:tcPr marL="9525" marR="9525" marT="9525" marB="0" anchor="ctr"/>
+                </a:tc>
+                <a:tc>
+                  <a:txBody>
+                    <a:bodyPr/>
+                    <a:lstStyle/>
+                    <a:p>
+                      <a:pPr marL="0" marR="0" lvl="0" indent="0" algn="ctr" defTabSz="914400" rtl="0" eaLnBrk="1" fontAlgn="ctr" latinLnBrk="0" hangingPunct="1">
+                        <a:lnSpc>
+                          <a:spcPct val="100000"/>
+                        </a:lnSpc>
+                        <a:spcBef>
+                          <a:spcPts val="0"/>
+                        </a:spcBef>
+                        <a:spcAft>
+                          <a:spcPts val="0"/>
+                        </a:spcAft>
+                        <a:buClrTx/>
+                        <a:buSzTx/>
+                        <a:buFontTx/>
+                        <a:buNone/>
+                        <a:tabLst/>
+                        <a:defRPr/>
+                      </a:pPr>
+                      <a:r>
+                        <a:rPr lang="en-US" sz="1200" b="0" i="0" u="none" strike="noStrike" kern="1200" dirty="0">
+                          <a:solidFill>
+                            <a:srgbClr val="000000"/>
+                          </a:solidFill>
+                          <a:effectLst/>
+                          <a:latin typeface="+mn-lt"/>
+                          <a:ea typeface="+mn-ea"/>
+                          <a:cs typeface="+mn-cs"/>
+                        </a:rPr>
+                        <a:t>Dict.</a:t>
+                      </a:r>
+                    </a:p>
+                  </a:txBody>
+                  <a:tcPr marL="9525" marR="9525" marT="9525" marB="0" anchor="ctr"/>
+                </a:tc>
+                <a:tc>
+                  <a:txBody>
+                    <a:bodyPr/>
+                    <a:lstStyle/>
+                    <a:p>
+                      <a:pPr marL="0" marR="0" lvl="0" indent="0" algn="ctr" defTabSz="914400" rtl="0" eaLnBrk="1" fontAlgn="ctr" latinLnBrk="0" hangingPunct="1">
+                        <a:lnSpc>
+                          <a:spcPct val="100000"/>
+                        </a:lnSpc>
+                        <a:spcBef>
+                          <a:spcPts val="0"/>
+                        </a:spcBef>
+                        <a:spcAft>
+                          <a:spcPts val="0"/>
+                        </a:spcAft>
+                        <a:buClrTx/>
+                        <a:buSzTx/>
+                        <a:buFontTx/>
+                        <a:buNone/>
+                        <a:tabLst/>
+                        <a:defRPr/>
+                      </a:pPr>
+                      <a:r>
+                        <a:rPr lang="en-US" sz="1200" b="0" i="0" u="none" strike="noStrike" kern="1200" dirty="0" err="1">
+                          <a:solidFill>
+                            <a:srgbClr val="000000"/>
+                          </a:solidFill>
+                          <a:effectLst/>
+                          <a:latin typeface="+mn-lt"/>
+                          <a:ea typeface="+mn-ea"/>
+                          <a:cs typeface="+mn-cs"/>
+                        </a:rPr>
+                        <a:t>Opposi-tion</a:t>
+                      </a:r>
+                      <a:endParaRPr lang="en-US" sz="1200" b="0" i="0" u="none" strike="noStrike" kern="1200" dirty="0">
+                        <a:solidFill>
+                          <a:srgbClr val="000000"/>
+                        </a:solidFill>
+                        <a:effectLst/>
+                        <a:latin typeface="+mn-lt"/>
+                        <a:ea typeface="+mn-ea"/>
+                        <a:cs typeface="+mn-cs"/>
+                      </a:endParaRPr>
+                    </a:p>
+                  </a:txBody>
+                  <a:tcPr marL="9525" marR="9525" marT="9525" marB="0" anchor="ctr"/>
+                </a:tc>
+                <a:tc>
+                  <a:txBody>
+                    <a:bodyPr/>
+                    <a:lstStyle/>
+                    <a:p>
+                      <a:pPr marL="0" algn="ctr" defTabSz="914400" rtl="0" eaLnBrk="1" fontAlgn="ctr" latinLnBrk="0" hangingPunct="1"/>
+                      <a:r>
+                        <a:rPr lang="en-US" sz="1200" b="0" i="0" u="none" strike="noStrike" kern="1200" dirty="0" err="1">
+                          <a:solidFill>
+                            <a:srgbClr val="000000"/>
+                          </a:solidFill>
+                          <a:effectLst/>
+                          <a:latin typeface="+mn-lt"/>
+                          <a:ea typeface="+mn-ea"/>
+                          <a:cs typeface="+mn-cs"/>
+                        </a:rPr>
+                        <a:t>s_all</a:t>
+                      </a:r>
+                      <a:endParaRPr lang="en-US" sz="1200" b="0" i="0" u="none" strike="noStrike" kern="1200" dirty="0">
+                        <a:solidFill>
+                          <a:srgbClr val="000000"/>
+                        </a:solidFill>
+                        <a:effectLst/>
+                        <a:latin typeface="+mn-lt"/>
+                        <a:ea typeface="+mn-ea"/>
+                        <a:cs typeface="+mn-cs"/>
+                      </a:endParaRPr>
+                    </a:p>
+                  </a:txBody>
+                  <a:tcPr marL="9525" marR="9525" marT="9525" marB="0" anchor="ctr"/>
+                </a:tc>
+                <a:tc>
+                  <a:txBody>
+                    <a:bodyPr/>
+                    <a:lstStyle/>
+                    <a:p>
+                      <a:pPr marL="0" algn="ctr" defTabSz="914400" rtl="0" eaLnBrk="1" fontAlgn="ctr" latinLnBrk="0" hangingPunct="1"/>
+                      <a:r>
+                        <a:rPr lang="en-US" sz="1200" b="0" i="0" u="none" strike="noStrike" kern="1200" dirty="0">
+                          <a:solidFill>
+                            <a:srgbClr val="000000"/>
+                          </a:solidFill>
+                          <a:effectLst/>
+                          <a:latin typeface="+mn-lt"/>
+                          <a:ea typeface="+mn-ea"/>
+                          <a:cs typeface="+mn-cs"/>
+                        </a:rPr>
+                        <a:t>0</a:t>
+                      </a:r>
+                    </a:p>
+                  </a:txBody>
+                  <a:tcPr marL="9525" marR="9525" marT="9525" marB="0" anchor="ctr"/>
+                </a:tc>
+                <a:tc>
+                  <a:txBody>
+                    <a:bodyPr/>
+                    <a:lstStyle/>
+                    <a:p>
+                      <a:pPr marL="0" algn="ctr" defTabSz="914400" rtl="0" eaLnBrk="1" fontAlgn="ctr" latinLnBrk="0" hangingPunct="1"/>
+                      <a:r>
+                        <a:rPr lang="en-US" sz="1200" b="0" i="0" u="none" strike="noStrike" kern="1200" dirty="0">
+                          <a:solidFill>
+                            <a:srgbClr val="000000"/>
+                          </a:solidFill>
+                          <a:effectLst/>
+                          <a:latin typeface="+mn-lt"/>
+                          <a:ea typeface="+mn-ea"/>
+                          <a:cs typeface="+mn-cs"/>
+                        </a:rPr>
+                        <a:t>0</a:t>
+                      </a:r>
+                    </a:p>
+                  </a:txBody>
+                  <a:tcPr marL="9525" marR="9525" marT="9525" marB="0" anchor="ctr"/>
+                </a:tc>
+                <a:extLst>
+                  <a:ext uri="{0D108BD9-81ED-4DB2-BD59-A6C34878D82A}">
+                    <a16:rowId xmlns:a16="http://schemas.microsoft.com/office/drawing/2014/main" val="3016064304"/>
+                  </a:ext>
+                </a:extLst>
+              </a:tr>
+            </a:tbl>
+          </a:graphicData>
+        </a:graphic>
+      </p:graphicFrame>
+      <p:sp>
+        <p:nvSpPr>
+          <p:cNvPr id="8" name="TextBox 7">
+            <a:extLst>
+              <a:ext uri="{FF2B5EF4-FFF2-40B4-BE49-F238E27FC236}">
+                <a16:creationId xmlns:a16="http://schemas.microsoft.com/office/drawing/2014/main" id="{844227E9-A8FA-4229-8117-F65C5229BF1B}"/>
+              </a:ext>
+            </a:extLst>
+          </p:cNvPr>
+          <p:cNvSpPr txBox="1"/>
+          <p:nvPr/>
+        </p:nvSpPr>
+        <p:spPr>
+          <a:xfrm>
+            <a:off x="5475216" y="1557054"/>
+            <a:ext cx="2961314" cy="707886"/>
+          </a:xfrm>
+          <a:prstGeom prst="rect">
+            <a:avLst/>
+          </a:prstGeom>
+          <a:noFill/>
+        </p:spPr>
+        <p:txBody>
+          <a:bodyPr wrap="square" rtlCol="0">
+            <a:spAutoFit/>
+          </a:bodyPr>
+          <a:lstStyle/>
+          <a:p>
+            <a:pPr algn="ctr"/>
+            <a:r>
+              <a:rPr lang="en-US" sz="2000" dirty="0">
+                <a:latin typeface="Georgia" panose="02040502050405020303" pitchFamily="18" charset="0"/>
+              </a:rPr>
+              <a:t>Unit of analysis: Leader</a:t>
+            </a:r>
+          </a:p>
+          <a:p>
+            <a:pPr algn="ctr"/>
+            <a:r>
+              <a:rPr lang="en-US" sz="2000" dirty="0">
+                <a:latin typeface="Georgia" panose="02040502050405020303" pitchFamily="18" charset="0"/>
+              </a:rPr>
+              <a:t>(Main dataset)</a:t>
+            </a:r>
+          </a:p>
+        </p:txBody>
+      </p:sp>
+      <p:sp>
+        <p:nvSpPr>
+          <p:cNvPr id="6" name="Arrow: Right 5">
+            <a:extLst>
+              <a:ext uri="{FF2B5EF4-FFF2-40B4-BE49-F238E27FC236}">
+                <a16:creationId xmlns:a16="http://schemas.microsoft.com/office/drawing/2014/main" id="{0BB568A1-7897-41EA-BB74-E2CB877AA813}"/>
+              </a:ext>
+            </a:extLst>
+          </p:cNvPr>
+          <p:cNvSpPr/>
+          <p:nvPr/>
+        </p:nvSpPr>
+        <p:spPr>
+          <a:xfrm>
+            <a:off x="4072713" y="3570382"/>
+            <a:ext cx="339495" cy="453005"/>
+          </a:xfrm>
+          <a:prstGeom prst="rightArrow">
+            <a:avLst/>
+          </a:prstGeom>
+        </p:spPr>
+        <p:style>
+          <a:lnRef idx="2">
+            <a:schemeClr val="accent1">
+              <a:shade val="50000"/>
+            </a:schemeClr>
+          </a:lnRef>
+          <a:fillRef idx="1">
+            <a:schemeClr val="accent1"/>
+          </a:fillRef>
+          <a:effectRef idx="0">
+            <a:schemeClr val="accent1"/>
+          </a:effectRef>
+          <a:fontRef idx="minor">
+            <a:schemeClr val="lt1"/>
+          </a:fontRef>
+        </p:style>
+        <p:txBody>
+          <a:bodyPr rtlCol="0" anchor="ctr"/>
+          <a:lstStyle/>
+          <a:p>
+            <a:pPr algn="ctr"/>
+            <a:endParaRPr lang="en-US"/>
+          </a:p>
+        </p:txBody>
+      </p:sp>
+    </p:spTree>
+    <p:extLst>
+      <p:ext uri="{BB962C8B-B14F-4D97-AF65-F5344CB8AC3E}">
+        <p14:creationId xmlns:p14="http://schemas.microsoft.com/office/powerpoint/2010/main" val="2388914925"/>
+      </p:ext>
+    </p:extLst>
+  </p:cSld>
+  <p:clrMapOvr>
+    <a:masterClrMapping/>
+  </p:clrMapOvr>
+</p:sld>
+</file>
+
+<file path=ppt/slides/slide12.xml><?xml version="1.0" encoding="utf-8"?>
+<p:sld xmlns:a="http://schemas.openxmlformats.org/drawingml/2006/main" xmlns:r="http://schemas.openxmlformats.org/officeDocument/2006/relationships" xmlns:p="http://schemas.openxmlformats.org/presentationml/2006/main">
+  <p:cSld>
+    <p:spTree>
+      <p:nvGrpSpPr>
+        <p:cNvPr id="1" name=""/>
+        <p:cNvGrpSpPr/>
+        <p:nvPr/>
+      </p:nvGrpSpPr>
+      <p:grpSpPr>
+        <a:xfrm>
+          <a:off x="0" y="0"/>
+          <a:ext cx="0" cy="0"/>
+          <a:chOff x="0" y="0"/>
+          <a:chExt cx="0" cy="0"/>
+        </a:xfrm>
+      </p:grpSpPr>
+      <p:sp>
+        <p:nvSpPr>
+          <p:cNvPr id="2" name="Title 1">
+            <a:extLst>
+              <a:ext uri="{FF2B5EF4-FFF2-40B4-BE49-F238E27FC236}">
                 <a16:creationId xmlns:a16="http://schemas.microsoft.com/office/drawing/2014/main" id="{6269473E-FA7E-43FC-9290-03A2A773DDA7}"/>
               </a:ext>
             </a:extLst>
@@ -5231,7 +11975,7 @@
 </p:sld>
 </file>
 
-<file path=ppt/slides/slide12.xml><?xml version="1.0" encoding="utf-8"?>
+<file path=ppt/slides/slide13.xml><?xml version="1.0" encoding="utf-8"?>
 <p:sld xmlns:a="http://schemas.openxmlformats.org/drawingml/2006/main" xmlns:r="http://schemas.openxmlformats.org/officeDocument/2006/relationships" xmlns:p="http://schemas.openxmlformats.org/presentationml/2006/main">
   <p:cSld>
     <p:spTree>
@@ -5430,7 +12174,7 @@
 </p:sld>
 </file>
 
-<file path=ppt/slides/slide13.xml><?xml version="1.0" encoding="utf-8"?>
+<file path=ppt/slides/slide14.xml><?xml version="1.0" encoding="utf-8"?>
 <p:sld xmlns:a="http://schemas.openxmlformats.org/drawingml/2006/main" xmlns:r="http://schemas.openxmlformats.org/officeDocument/2006/relationships" xmlns:p="http://schemas.openxmlformats.org/presentationml/2006/main">
   <p:cSld>
     <p:spTree>
@@ -5518,7 +12262,7 @@
 </p:sld>
 </file>
 
-<file path=ppt/slides/slide14.xml><?xml version="1.0" encoding="utf-8"?>
+<file path=ppt/slides/slide15.xml><?xml version="1.0" encoding="utf-8"?>
 <p:sld xmlns:a="http://schemas.openxmlformats.org/drawingml/2006/main" xmlns:r="http://schemas.openxmlformats.org/officeDocument/2006/relationships" xmlns:p="http://schemas.openxmlformats.org/presentationml/2006/main">
   <p:cSld>
     <p:spTree>
@@ -5632,7 +12376,7 @@
 </p:sld>
 </file>
 
-<file path=ppt/slides/slide15.xml><?xml version="1.0" encoding="utf-8"?>
+<file path=ppt/slides/slide16.xml><?xml version="1.0" encoding="utf-8"?>
 <p:sld xmlns:a="http://schemas.openxmlformats.org/drawingml/2006/main" xmlns:r="http://schemas.openxmlformats.org/officeDocument/2006/relationships" xmlns:p="http://schemas.openxmlformats.org/presentationml/2006/main">
   <p:cSld>
     <p:spTree>
@@ -5771,7 +12515,7 @@
 </p:sld>
 </file>
 
-<file path=ppt/slides/slide16.xml><?xml version="1.0" encoding="utf-8"?>
+<file path=ppt/slides/slide17.xml><?xml version="1.0" encoding="utf-8"?>
 <p:sld xmlns:a="http://schemas.openxmlformats.org/drawingml/2006/main" xmlns:r="http://schemas.openxmlformats.org/officeDocument/2006/relationships" xmlns:p="http://schemas.openxmlformats.org/presentationml/2006/main">
   <p:cSld>
     <p:spTree>
@@ -5901,7 +12645,7 @@
 </p:sld>
 </file>
 
-<file path=ppt/slides/slide17.xml><?xml version="1.0" encoding="utf-8"?>
+<file path=ppt/slides/slide18.xml><?xml version="1.0" encoding="utf-8"?>
 <p:sld xmlns:a="http://schemas.openxmlformats.org/drawingml/2006/main" xmlns:r="http://schemas.openxmlformats.org/officeDocument/2006/relationships" xmlns:p="http://schemas.openxmlformats.org/presentationml/2006/main">
   <p:cSld>
     <p:spTree>
@@ -5939,13 +12683,13 @@
           <a:lstStyle/>
           <a:p>
             <a:r>
-              <a:rPr lang="en-US" b="1"/>
+              <a:rPr lang="en-US" b="1" dirty="0"/>
               <a:t>Preliminary Conclusions</a:t>
             </a:r>
             <a:br>
-              <a:rPr lang="en-US" b="1"/>
+              <a:rPr lang="en-US" b="1" dirty="0"/>
             </a:br>
-            <a:endParaRPr lang="en-US" b="1"/>
+            <a:endParaRPr lang="en-US" b="1" dirty="0"/>
           </a:p>
         </p:txBody>
       </p:sp>
@@ -5969,47 +12713,6 @@
           <a:bodyPr/>
           <a:lstStyle/>
           <a:p>
-            <a:pPr>
-              <a:spcBef>
-                <a:spcPct val="50000"/>
-              </a:spcBef>
-              <a:spcAft>
-                <a:spcPts val="1200"/>
-              </a:spcAft>
-            </a:pPr>
-            <a:r>
-              <a:rPr lang="en-US" sz="2400" dirty="0">
-                <a:solidFill>
-                  <a:srgbClr val="131F33"/>
-                </a:solidFill>
-              </a:rPr>
-              <a:t>My hypothesis is empirically supported. </a:t>
-            </a:r>
-          </a:p>
-          <a:p>
-            <a:pPr>
-              <a:spcBef>
-                <a:spcPct val="50000"/>
-              </a:spcBef>
-              <a:spcAft>
-                <a:spcPts val="1200"/>
-              </a:spcAft>
-            </a:pPr>
-            <a:r>
-              <a:rPr lang="en-US" sz="2400" dirty="0">
-                <a:solidFill>
-                  <a:srgbClr val="131F33"/>
-                </a:solidFill>
-              </a:rPr>
-              <a:t>When leaders experience political crisis, they are more likely to negotiate a South-North preferential trade agreement with the provision of economic reforms.</a:t>
-            </a:r>
-            <a:endParaRPr lang="en-US" sz="2400" u="sng" dirty="0">
-              <a:solidFill>
-                <a:srgbClr val="131F33"/>
-              </a:solidFill>
-            </a:endParaRPr>
-          </a:p>
-          <a:p>
             <a:pPr marL="0" indent="0">
               <a:spcBef>
                 <a:spcPct val="50000"/>
@@ -6025,23 +12728,66 @@
                   <a:srgbClr val="131F33"/>
                 </a:solidFill>
               </a:rPr>
-              <a:t>Moving forward:</a:t>
-            </a:r>
-          </a:p>
-          <a:p>
-            <a:r>
-              <a:rPr lang="en-US" sz="2400" dirty="0"/>
-              <a:t>More work on explaining the mechanism</a:t>
-            </a:r>
-            <a:endParaRPr lang="en-US" sz="2400" dirty="0">
+              <a:t>My hypothesis is empirically supported:</a:t>
+            </a:r>
+          </a:p>
+          <a:p>
+            <a:pPr marL="400050" lvl="1" indent="0">
+              <a:spcBef>
+                <a:spcPct val="50000"/>
+              </a:spcBef>
+              <a:spcAft>
+                <a:spcPts val="1200"/>
+              </a:spcAft>
+              <a:buNone/>
+            </a:pPr>
+            <a:r>
+              <a:rPr lang="en-US" sz="2000" dirty="0">
+                <a:solidFill>
+                  <a:srgbClr val="131F33"/>
+                </a:solidFill>
+              </a:rPr>
+              <a:t>When leaders experience political crisis, they are more likely to negotiate a South-North preferential trade agreement with the provision of economic reforms.</a:t>
+            </a:r>
+            <a:endParaRPr lang="en-US" sz="2000" u="sng" dirty="0">
               <a:solidFill>
                 <a:srgbClr val="131F33"/>
               </a:solidFill>
-              <a:latin typeface="Georgia" panose="02040502050405020303" pitchFamily="18" charset="0"/>
             </a:endParaRPr>
           </a:p>
           <a:p>
-            <a:endParaRPr lang="en-US" dirty="0"/>
+            <a:pPr marL="0" indent="0">
+              <a:spcBef>
+                <a:spcPct val="50000"/>
+              </a:spcBef>
+              <a:spcAft>
+                <a:spcPts val="1200"/>
+              </a:spcAft>
+              <a:buNone/>
+            </a:pPr>
+            <a:r>
+              <a:rPr lang="en-US" sz="2400" u="sng" dirty="0">
+                <a:solidFill>
+                  <a:srgbClr val="131F33"/>
+                </a:solidFill>
+              </a:rPr>
+              <a:t>Moving forward:</a:t>
+            </a:r>
+          </a:p>
+          <a:p>
+            <a:pPr marL="400050" lvl="1" indent="0">
+              <a:spcBef>
+                <a:spcPct val="50000"/>
+              </a:spcBef>
+              <a:spcAft>
+                <a:spcPts val="1200"/>
+              </a:spcAft>
+              <a:buNone/>
+            </a:pPr>
+            <a:r>
+              <a:rPr lang="en-US" sz="2000" dirty="0"/>
+              <a:t>Explore whether PTA negotiation helps leaders to conduct economic reforms.</a:t>
+            </a:r>
           </a:p>
         </p:txBody>
       </p:sp>
@@ -6058,7 +12804,7 @@
 </p:sld>
 </file>
 
-<file path=ppt/slides/slide18.xml><?xml version="1.0" encoding="utf-8"?>
+<file path=ppt/slides/slide19.xml><?xml version="1.0" encoding="utf-8"?>
 <p:sld xmlns:a="http://schemas.openxmlformats.org/drawingml/2006/main" xmlns:r="http://schemas.openxmlformats.org/officeDocument/2006/relationships" xmlns:p="http://schemas.openxmlformats.org/presentationml/2006/main">
   <p:cSld>
     <p:spTree>
@@ -6980,7 +13726,7 @@
         </p:nvSpPr>
         <p:spPr>
           <a:xfrm>
-            <a:off x="3211384" y="2850251"/>
+            <a:off x="3211384" y="2778813"/>
             <a:ext cx="702906" cy="833648"/>
           </a:xfrm>
           <a:prstGeom prst="downArrow">
@@ -7009,7 +13755,7 @@
           <a:lstStyle/>
           <a:p>
             <a:pPr algn="ctr"/>
-            <a:endParaRPr lang="en-US">
+            <a:endParaRPr lang="en-US" dirty="0">
               <a:solidFill>
                 <a:schemeClr val="accent2"/>
               </a:solidFill>
